--- a/Budget Design v2.pptx
+++ b/Budget Design v2.pptx
@@ -10,7 +10,8 @@
     <p:sldId id="263" r:id="rId4"/>
     <p:sldId id="260" r:id="rId5"/>
     <p:sldId id="261" r:id="rId6"/>
-    <p:sldId id="262" r:id="rId7"/>
+    <p:sldId id="264" r:id="rId7"/>
+    <p:sldId id="262" r:id="rId8"/>
   </p:sldIdLst>
   <p:sldSz cx="9144000" cy="6858000" type="screen4x3"/>
   <p:notesSz cx="6858000" cy="9144000"/>
@@ -309,7 +310,7 @@
           <a:p>
             <a:fld id="{F88D06A4-9D39-4B68-A230-8BD50B9E1D3D}" type="datetimeFigureOut">
               <a:rPr lang="en-US" smtClean="0"/>
-              <a:t>2/9/2018</a:t>
+              <a:t>2/18/2018</a:t>
             </a:fld>
             <a:endParaRPr lang="en-US"/>
           </a:p>
@@ -479,7 +480,7 @@
           <a:p>
             <a:fld id="{F88D06A4-9D39-4B68-A230-8BD50B9E1D3D}" type="datetimeFigureOut">
               <a:rPr lang="en-US" smtClean="0"/>
-              <a:t>2/9/2018</a:t>
+              <a:t>2/18/2018</a:t>
             </a:fld>
             <a:endParaRPr lang="en-US"/>
           </a:p>
@@ -659,7 +660,7 @@
           <a:p>
             <a:fld id="{F88D06A4-9D39-4B68-A230-8BD50B9E1D3D}" type="datetimeFigureOut">
               <a:rPr lang="en-US" smtClean="0"/>
-              <a:t>2/9/2018</a:t>
+              <a:t>2/18/2018</a:t>
             </a:fld>
             <a:endParaRPr lang="en-US"/>
           </a:p>
@@ -829,7 +830,7 @@
           <a:p>
             <a:fld id="{F88D06A4-9D39-4B68-A230-8BD50B9E1D3D}" type="datetimeFigureOut">
               <a:rPr lang="en-US" smtClean="0"/>
-              <a:t>2/9/2018</a:t>
+              <a:t>2/18/2018</a:t>
             </a:fld>
             <a:endParaRPr lang="en-US"/>
           </a:p>
@@ -1075,7 +1076,7 @@
           <a:p>
             <a:fld id="{F88D06A4-9D39-4B68-A230-8BD50B9E1D3D}" type="datetimeFigureOut">
               <a:rPr lang="en-US" smtClean="0"/>
-              <a:t>2/9/2018</a:t>
+              <a:t>2/18/2018</a:t>
             </a:fld>
             <a:endParaRPr lang="en-US"/>
           </a:p>
@@ -1363,7 +1364,7 @@
           <a:p>
             <a:fld id="{F88D06A4-9D39-4B68-A230-8BD50B9E1D3D}" type="datetimeFigureOut">
               <a:rPr lang="en-US" smtClean="0"/>
-              <a:t>2/9/2018</a:t>
+              <a:t>2/18/2018</a:t>
             </a:fld>
             <a:endParaRPr lang="en-US"/>
           </a:p>
@@ -1785,7 +1786,7 @@
           <a:p>
             <a:fld id="{F88D06A4-9D39-4B68-A230-8BD50B9E1D3D}" type="datetimeFigureOut">
               <a:rPr lang="en-US" smtClean="0"/>
-              <a:t>2/9/2018</a:t>
+              <a:t>2/18/2018</a:t>
             </a:fld>
             <a:endParaRPr lang="en-US"/>
           </a:p>
@@ -1903,7 +1904,7 @@
           <a:p>
             <a:fld id="{F88D06A4-9D39-4B68-A230-8BD50B9E1D3D}" type="datetimeFigureOut">
               <a:rPr lang="en-US" smtClean="0"/>
-              <a:t>2/9/2018</a:t>
+              <a:t>2/18/2018</a:t>
             </a:fld>
             <a:endParaRPr lang="en-US"/>
           </a:p>
@@ -1998,7 +1999,7 @@
           <a:p>
             <a:fld id="{F88D06A4-9D39-4B68-A230-8BD50B9E1D3D}" type="datetimeFigureOut">
               <a:rPr lang="en-US" smtClean="0"/>
-              <a:t>2/9/2018</a:t>
+              <a:t>2/18/2018</a:t>
             </a:fld>
             <a:endParaRPr lang="en-US"/>
           </a:p>
@@ -2275,7 +2276,7 @@
           <a:p>
             <a:fld id="{F88D06A4-9D39-4B68-A230-8BD50B9E1D3D}" type="datetimeFigureOut">
               <a:rPr lang="en-US" smtClean="0"/>
-              <a:t>2/9/2018</a:t>
+              <a:t>2/18/2018</a:t>
             </a:fld>
             <a:endParaRPr lang="en-US"/>
           </a:p>
@@ -2528,7 +2529,7 @@
           <a:p>
             <a:fld id="{F88D06A4-9D39-4B68-A230-8BD50B9E1D3D}" type="datetimeFigureOut">
               <a:rPr lang="en-US" smtClean="0"/>
-              <a:t>2/9/2018</a:t>
+              <a:t>2/18/2018</a:t>
             </a:fld>
             <a:endParaRPr lang="en-US"/>
           </a:p>
@@ -2741,7 +2742,7 @@
           <a:p>
             <a:fld id="{F88D06A4-9D39-4B68-A230-8BD50B9E1D3D}" type="datetimeFigureOut">
               <a:rPr lang="en-US" smtClean="0"/>
-              <a:t>2/9/2018</a:t>
+              <a:t>2/18/2018</a:t>
             </a:fld>
             <a:endParaRPr lang="en-US"/>
           </a:p>
@@ -22147,6 +22148,7701 @@
       </p:grpSpPr>
       <p:sp>
         <p:nvSpPr>
+          <p:cNvPr id="75" name="TextBox 74"/>
+          <p:cNvSpPr txBox="1"/>
+          <p:nvPr/>
+        </p:nvSpPr>
+        <p:spPr>
+          <a:xfrm>
+            <a:off x="624609" y="81402"/>
+            <a:ext cx="1943339" cy="553998"/>
+          </a:xfrm>
+          <a:prstGeom prst="rect">
+            <a:avLst/>
+          </a:prstGeom>
+          <a:noFill/>
+        </p:spPr>
+        <p:txBody>
+          <a:bodyPr wrap="square" rtlCol="0">
+            <a:spAutoFit/>
+          </a:bodyPr>
+          <a:lstStyle/>
+          <a:p>
+            <a:r>
+              <a:rPr lang="en-US" dirty="0" smtClean="0">
+                <a:effectLst>
+                  <a:outerShdw blurRad="50800" dist="38100" dir="2700000" algn="tl" rotWithShape="0">
+                    <a:prstClr val="black">
+                      <a:alpha val="40000"/>
+                    </a:prstClr>
+                  </a:outerShdw>
+                </a:effectLst>
+              </a:rPr>
+              <a:t>Checking</a:t>
+            </a:r>
+            <a:endParaRPr lang="en-US" sz="1600" dirty="0" smtClean="0">
+              <a:effectLst>
+                <a:outerShdw blurRad="50800" dist="38100" dir="2700000" algn="tl" rotWithShape="0">
+                  <a:prstClr val="black">
+                    <a:alpha val="40000"/>
+                  </a:prstClr>
+                </a:outerShdw>
+              </a:effectLst>
+            </a:endParaRPr>
+          </a:p>
+          <a:p>
+            <a:r>
+              <a:rPr lang="en-US" sz="1200" dirty="0" smtClean="0">
+                <a:effectLst>
+                  <a:outerShdw blurRad="50800" dist="38100" dir="2700000" algn="tl" rotWithShape="0">
+                    <a:prstClr val="black">
+                      <a:alpha val="40000"/>
+                    </a:prstClr>
+                  </a:outerShdw>
+                </a:effectLst>
+              </a:rPr>
+              <a:t>Account</a:t>
+            </a:r>
+            <a:endParaRPr lang="en-US" dirty="0">
+              <a:effectLst>
+                <a:outerShdw blurRad="50800" dist="38100" dir="2700000" algn="tl" rotWithShape="0">
+                  <a:prstClr val="black">
+                    <a:alpha val="40000"/>
+                  </a:prstClr>
+                </a:outerShdw>
+              </a:effectLst>
+            </a:endParaRPr>
+          </a:p>
+        </p:txBody>
+      </p:sp>
+      <p:grpSp>
+        <p:nvGrpSpPr>
+          <p:cNvPr id="78" name="Group 77"/>
+          <p:cNvGrpSpPr/>
+          <p:nvPr/>
+        </p:nvGrpSpPr>
+        <p:grpSpPr>
+          <a:xfrm>
+            <a:off x="253599" y="197052"/>
+            <a:ext cx="303283" cy="350542"/>
+            <a:chOff x="2052053" y="980009"/>
+            <a:chExt cx="169333" cy="195719"/>
+          </a:xfrm>
+          <a:solidFill>
+            <a:schemeClr val="tx1">
+              <a:lumMod val="85000"/>
+              <a:lumOff val="15000"/>
+            </a:schemeClr>
+          </a:solidFill>
+          <a:effectLst>
+            <a:outerShdw blurRad="50800" dist="38100" dir="2700000" algn="tl" rotWithShape="0">
+              <a:prstClr val="black">
+                <a:alpha val="40000"/>
+              </a:prstClr>
+            </a:outerShdw>
+          </a:effectLst>
+        </p:grpSpPr>
+        <p:sp>
+          <p:nvSpPr>
+            <p:cNvPr id="79" name="Equal 78"/>
+            <p:cNvSpPr/>
+            <p:nvPr/>
+          </p:nvSpPr>
+          <p:spPr>
+            <a:xfrm>
+              <a:off x="2052053" y="980009"/>
+              <a:ext cx="169333" cy="152400"/>
+            </a:xfrm>
+            <a:prstGeom prst="mathEqual">
+              <a:avLst>
+                <a:gd name="adj1" fmla="val 13103"/>
+                <a:gd name="adj2" fmla="val 19051"/>
+              </a:avLst>
+            </a:prstGeom>
+            <a:grpFill/>
+            <a:ln>
+              <a:noFill/>
+            </a:ln>
+          </p:spPr>
+          <p:style>
+            <a:lnRef idx="2">
+              <a:schemeClr val="accent1">
+                <a:shade val="50000"/>
+              </a:schemeClr>
+            </a:lnRef>
+            <a:fillRef idx="1">
+              <a:schemeClr val="accent1"/>
+            </a:fillRef>
+            <a:effectRef idx="0">
+              <a:schemeClr val="accent1"/>
+            </a:effectRef>
+            <a:fontRef idx="minor">
+              <a:schemeClr val="lt1"/>
+            </a:fontRef>
+          </p:style>
+          <p:txBody>
+            <a:bodyPr rtlCol="0" anchor="ctr"/>
+            <a:lstStyle/>
+            <a:p>
+              <a:pPr algn="ctr"/>
+              <a:endParaRPr lang="en-US">
+                <a:solidFill>
+                  <a:schemeClr val="tx1"/>
+                </a:solidFill>
+              </a:endParaRPr>
+            </a:p>
+          </p:txBody>
+        </p:sp>
+        <p:sp>
+          <p:nvSpPr>
+            <p:cNvPr id="80" name="Equal 79"/>
+            <p:cNvSpPr/>
+            <p:nvPr/>
+          </p:nvSpPr>
+          <p:spPr>
+            <a:xfrm>
+              <a:off x="2052053" y="1023328"/>
+              <a:ext cx="169333" cy="152400"/>
+            </a:xfrm>
+            <a:prstGeom prst="mathEqual">
+              <a:avLst>
+                <a:gd name="adj1" fmla="val 13103"/>
+                <a:gd name="adj2" fmla="val 19051"/>
+              </a:avLst>
+            </a:prstGeom>
+            <a:grpFill/>
+            <a:ln>
+              <a:noFill/>
+            </a:ln>
+          </p:spPr>
+          <p:style>
+            <a:lnRef idx="2">
+              <a:schemeClr val="accent1">
+                <a:shade val="50000"/>
+              </a:schemeClr>
+            </a:lnRef>
+            <a:fillRef idx="1">
+              <a:schemeClr val="accent1"/>
+            </a:fillRef>
+            <a:effectRef idx="0">
+              <a:schemeClr val="accent1"/>
+            </a:effectRef>
+            <a:fontRef idx="minor">
+              <a:schemeClr val="lt1"/>
+            </a:fontRef>
+          </p:style>
+          <p:txBody>
+            <a:bodyPr rtlCol="0" anchor="ctr"/>
+            <a:lstStyle/>
+            <a:p>
+              <a:pPr algn="ctr"/>
+              <a:endParaRPr lang="en-US">
+                <a:solidFill>
+                  <a:schemeClr val="tx1"/>
+                </a:solidFill>
+              </a:endParaRPr>
+            </a:p>
+          </p:txBody>
+        </p:sp>
+      </p:grpSp>
+      <p:sp>
+        <p:nvSpPr>
+          <p:cNvPr id="74" name="Rectangle 73"/>
+          <p:cNvSpPr/>
+          <p:nvPr/>
+        </p:nvSpPr>
+        <p:spPr>
+          <a:xfrm>
+            <a:off x="228599" y="690564"/>
+            <a:ext cx="2301623" cy="287179"/>
+          </a:xfrm>
+          <a:prstGeom prst="rect">
+            <a:avLst/>
+          </a:prstGeom>
+          <a:solidFill>
+            <a:schemeClr val="bg1">
+              <a:lumMod val="65000"/>
+            </a:schemeClr>
+          </a:solidFill>
+          <a:ln w="12700">
+            <a:solidFill>
+              <a:schemeClr val="tx1">
+                <a:lumMod val="75000"/>
+                <a:lumOff val="25000"/>
+              </a:schemeClr>
+            </a:solidFill>
+          </a:ln>
+        </p:spPr>
+        <p:style>
+          <a:lnRef idx="2">
+            <a:schemeClr val="accent1">
+              <a:shade val="50000"/>
+            </a:schemeClr>
+          </a:lnRef>
+          <a:fillRef idx="1">
+            <a:schemeClr val="accent1"/>
+          </a:fillRef>
+          <a:effectRef idx="0">
+            <a:schemeClr val="accent1"/>
+          </a:effectRef>
+          <a:fontRef idx="minor">
+            <a:schemeClr val="lt1"/>
+          </a:fontRef>
+        </p:style>
+        <p:txBody>
+          <a:bodyPr rtlCol="0" anchor="ctr"/>
+          <a:lstStyle/>
+          <a:p>
+            <a:pPr algn="ctr"/>
+            <a:endParaRPr lang="en-US"/>
+          </a:p>
+        </p:txBody>
+      </p:sp>
+      <p:grpSp>
+        <p:nvGrpSpPr>
+          <p:cNvPr id="60" name="Group 59"/>
+          <p:cNvGrpSpPr/>
+          <p:nvPr/>
+        </p:nvGrpSpPr>
+        <p:grpSpPr>
+          <a:xfrm>
+            <a:off x="228601" y="701633"/>
+            <a:ext cx="2301622" cy="261612"/>
+            <a:chOff x="2743201" y="1350388"/>
+            <a:chExt cx="2269925" cy="261612"/>
+          </a:xfrm>
+        </p:grpSpPr>
+        <p:sp>
+          <p:nvSpPr>
+            <p:cNvPr id="61" name="TextBox 60"/>
+            <p:cNvSpPr txBox="1"/>
+            <p:nvPr/>
+          </p:nvSpPr>
+          <p:spPr>
+            <a:xfrm>
+              <a:off x="2743201" y="1350390"/>
+              <a:ext cx="838200" cy="261610"/>
+            </a:xfrm>
+            <a:prstGeom prst="rect">
+              <a:avLst/>
+            </a:prstGeom>
+            <a:noFill/>
+          </p:spPr>
+          <p:txBody>
+            <a:bodyPr wrap="square" rtlCol="0">
+              <a:spAutoFit/>
+            </a:bodyPr>
+            <a:lstStyle/>
+            <a:p>
+              <a:r>
+                <a:rPr lang="en-US" sz="1100" b="1" dirty="0" smtClean="0"/>
+                <a:t>Date</a:t>
+              </a:r>
+              <a:endParaRPr lang="en-US" sz="1100" b="1" dirty="0"/>
+            </a:p>
+          </p:txBody>
+        </p:sp>
+        <p:sp>
+          <p:nvSpPr>
+            <p:cNvPr id="62" name="TextBox 61"/>
+            <p:cNvSpPr txBox="1"/>
+            <p:nvPr/>
+          </p:nvSpPr>
+          <p:spPr>
+            <a:xfrm>
+              <a:off x="3222935" y="1350390"/>
+              <a:ext cx="1738224" cy="261610"/>
+            </a:xfrm>
+            <a:prstGeom prst="rect">
+              <a:avLst/>
+            </a:prstGeom>
+            <a:noFill/>
+          </p:spPr>
+          <p:txBody>
+            <a:bodyPr wrap="square" rtlCol="0">
+              <a:spAutoFit/>
+            </a:bodyPr>
+            <a:lstStyle/>
+            <a:p>
+              <a:r>
+                <a:rPr lang="en-US" sz="1100" b="1" dirty="0" smtClean="0"/>
+                <a:t>Description</a:t>
+              </a:r>
+              <a:endParaRPr lang="en-US" sz="1100" b="1" dirty="0"/>
+            </a:p>
+          </p:txBody>
+        </p:sp>
+        <p:sp>
+          <p:nvSpPr>
+            <p:cNvPr id="64" name="TextBox 63"/>
+            <p:cNvSpPr txBox="1"/>
+            <p:nvPr/>
+          </p:nvSpPr>
+          <p:spPr>
+            <a:xfrm>
+              <a:off x="4351560" y="1350388"/>
+              <a:ext cx="661566" cy="261610"/>
+            </a:xfrm>
+            <a:prstGeom prst="rect">
+              <a:avLst/>
+            </a:prstGeom>
+            <a:noFill/>
+          </p:spPr>
+          <p:txBody>
+            <a:bodyPr wrap="square" rtlCol="0">
+              <a:spAutoFit/>
+            </a:bodyPr>
+            <a:lstStyle/>
+            <a:p>
+              <a:r>
+                <a:rPr lang="en-US" sz="1100" b="1" dirty="0" smtClean="0"/>
+                <a:t>Amount</a:t>
+              </a:r>
+              <a:endParaRPr lang="en-US" sz="1100" b="1" dirty="0"/>
+            </a:p>
+          </p:txBody>
+        </p:sp>
+      </p:grpSp>
+      <p:grpSp>
+        <p:nvGrpSpPr>
+          <p:cNvPr id="19" name="Group 18"/>
+          <p:cNvGrpSpPr/>
+          <p:nvPr/>
+        </p:nvGrpSpPr>
+        <p:grpSpPr>
+          <a:xfrm>
+            <a:off x="228599" y="996875"/>
+            <a:ext cx="2301623" cy="419113"/>
+            <a:chOff x="2956178" y="996875"/>
+            <a:chExt cx="2301623" cy="419113"/>
+          </a:xfrm>
+        </p:grpSpPr>
+        <p:grpSp>
+          <p:nvGrpSpPr>
+            <p:cNvPr id="59" name="Group 58"/>
+            <p:cNvGrpSpPr/>
+            <p:nvPr/>
+          </p:nvGrpSpPr>
+          <p:grpSpPr>
+            <a:xfrm>
+              <a:off x="2956178" y="996875"/>
+              <a:ext cx="2270763" cy="408261"/>
+              <a:chOff x="2971800" y="1350388"/>
+              <a:chExt cx="2239491" cy="408261"/>
+            </a:xfrm>
+          </p:grpSpPr>
+          <p:sp>
+            <p:nvSpPr>
+              <p:cNvPr id="53" name="TextBox 52"/>
+              <p:cNvSpPr txBox="1"/>
+              <p:nvPr/>
+            </p:nvSpPr>
+            <p:spPr>
+              <a:xfrm>
+                <a:off x="2971800" y="1350390"/>
+                <a:ext cx="838200" cy="246221"/>
+              </a:xfrm>
+              <a:prstGeom prst="rect">
+                <a:avLst/>
+              </a:prstGeom>
+              <a:noFill/>
+            </p:spPr>
+            <p:txBody>
+              <a:bodyPr wrap="square" rtlCol="0">
+                <a:spAutoFit/>
+              </a:bodyPr>
+              <a:lstStyle/>
+              <a:p>
+                <a:r>
+                  <a:rPr lang="en-US" sz="1000" dirty="0" smtClean="0"/>
+                  <a:t>12/12</a:t>
+                </a:r>
+                <a:endParaRPr lang="en-US" sz="1000" dirty="0"/>
+              </a:p>
+            </p:txBody>
+          </p:sp>
+          <p:sp>
+            <p:nvSpPr>
+              <p:cNvPr id="54" name="TextBox 53"/>
+              <p:cNvSpPr txBox="1"/>
+              <p:nvPr/>
+            </p:nvSpPr>
+            <p:spPr>
+              <a:xfrm>
+                <a:off x="3451535" y="1350390"/>
+                <a:ext cx="1738224" cy="246221"/>
+              </a:xfrm>
+              <a:prstGeom prst="rect">
+                <a:avLst/>
+              </a:prstGeom>
+              <a:noFill/>
+            </p:spPr>
+            <p:txBody>
+              <a:bodyPr wrap="square" rtlCol="0">
+                <a:spAutoFit/>
+              </a:bodyPr>
+              <a:lstStyle/>
+              <a:p>
+                <a:r>
+                  <a:rPr lang="en-US" sz="1000" dirty="0" smtClean="0"/>
+                  <a:t>Description</a:t>
+                </a:r>
+                <a:endParaRPr lang="en-US" sz="1000" dirty="0"/>
+              </a:p>
+            </p:txBody>
+          </p:sp>
+          <p:sp>
+            <p:nvSpPr>
+              <p:cNvPr id="55" name="TextBox 54"/>
+              <p:cNvSpPr txBox="1"/>
+              <p:nvPr/>
+            </p:nvSpPr>
+            <p:spPr>
+              <a:xfrm>
+                <a:off x="3448771" y="1543205"/>
+                <a:ext cx="1066800" cy="215444"/>
+              </a:xfrm>
+              <a:prstGeom prst="rect">
+                <a:avLst/>
+              </a:prstGeom>
+              <a:noFill/>
+            </p:spPr>
+            <p:txBody>
+              <a:bodyPr wrap="square" rtlCol="0">
+                <a:spAutoFit/>
+              </a:bodyPr>
+              <a:lstStyle/>
+              <a:p>
+                <a:r>
+                  <a:rPr lang="en-US" sz="800" dirty="0" smtClean="0">
+                    <a:solidFill>
+                      <a:schemeClr val="bg1">
+                        <a:lumMod val="50000"/>
+                      </a:schemeClr>
+                    </a:solidFill>
+                  </a:rPr>
+                  <a:t>Category</a:t>
+                </a:r>
+                <a:endParaRPr lang="en-US" sz="800" dirty="0">
+                  <a:solidFill>
+                    <a:schemeClr val="bg1">
+                      <a:lumMod val="50000"/>
+                    </a:schemeClr>
+                  </a:solidFill>
+                </a:endParaRPr>
+              </a:p>
+            </p:txBody>
+          </p:sp>
+          <p:sp>
+            <p:nvSpPr>
+              <p:cNvPr id="56" name="TextBox 55"/>
+              <p:cNvSpPr txBox="1"/>
+              <p:nvPr/>
+            </p:nvSpPr>
+            <p:spPr>
+              <a:xfrm>
+                <a:off x="4444071" y="1350388"/>
+                <a:ext cx="762000" cy="246221"/>
+              </a:xfrm>
+              <a:prstGeom prst="rect">
+                <a:avLst/>
+              </a:prstGeom>
+              <a:noFill/>
+            </p:spPr>
+            <p:txBody>
+              <a:bodyPr wrap="square" rtlCol="0">
+                <a:spAutoFit/>
+              </a:bodyPr>
+              <a:lstStyle/>
+              <a:p>
+                <a:pPr algn="r"/>
+                <a:r>
+                  <a:rPr lang="en-US" sz="1000" dirty="0" smtClean="0"/>
+                  <a:t>$150.00</a:t>
+                </a:r>
+                <a:endParaRPr lang="en-US" sz="1000" dirty="0"/>
+              </a:p>
+            </p:txBody>
+          </p:sp>
+          <p:sp>
+            <p:nvSpPr>
+              <p:cNvPr id="57" name="TextBox 56"/>
+              <p:cNvSpPr txBox="1"/>
+              <p:nvPr/>
+            </p:nvSpPr>
+            <p:spPr>
+              <a:xfrm>
+                <a:off x="4449291" y="1543205"/>
+                <a:ext cx="762000" cy="215444"/>
+              </a:xfrm>
+              <a:prstGeom prst="rect">
+                <a:avLst/>
+              </a:prstGeom>
+              <a:noFill/>
+            </p:spPr>
+            <p:txBody>
+              <a:bodyPr wrap="square" rtlCol="0">
+                <a:spAutoFit/>
+              </a:bodyPr>
+              <a:lstStyle/>
+              <a:p>
+                <a:pPr algn="r"/>
+                <a:r>
+                  <a:rPr lang="en-US" sz="800" dirty="0" smtClean="0">
+                    <a:solidFill>
+                      <a:schemeClr val="bg1">
+                        <a:lumMod val="50000"/>
+                      </a:schemeClr>
+                    </a:solidFill>
+                  </a:rPr>
+                  <a:t>$99999.99</a:t>
+                </a:r>
+                <a:endParaRPr lang="en-US" sz="800" dirty="0">
+                  <a:solidFill>
+                    <a:schemeClr val="bg1">
+                      <a:lumMod val="50000"/>
+                    </a:schemeClr>
+                  </a:solidFill>
+                </a:endParaRPr>
+              </a:p>
+            </p:txBody>
+          </p:sp>
+        </p:grpSp>
+        <p:cxnSp>
+          <p:nvCxnSpPr>
+            <p:cNvPr id="94" name="Straight Connector 93"/>
+            <p:cNvCxnSpPr/>
+            <p:nvPr/>
+          </p:nvCxnSpPr>
+          <p:spPr>
+            <a:xfrm>
+              <a:off x="2956178" y="1415988"/>
+              <a:ext cx="2301623" cy="0"/>
+            </a:xfrm>
+            <a:prstGeom prst="line">
+              <a:avLst/>
+            </a:prstGeom>
+            <a:ln w="12700">
+              <a:solidFill>
+                <a:schemeClr val="bg1">
+                  <a:lumMod val="75000"/>
+                </a:schemeClr>
+              </a:solidFill>
+            </a:ln>
+          </p:spPr>
+          <p:style>
+            <a:lnRef idx="1">
+              <a:schemeClr val="accent1"/>
+            </a:lnRef>
+            <a:fillRef idx="0">
+              <a:schemeClr val="accent1"/>
+            </a:fillRef>
+            <a:effectRef idx="0">
+              <a:schemeClr val="accent1"/>
+            </a:effectRef>
+            <a:fontRef idx="minor">
+              <a:schemeClr val="tx1"/>
+            </a:fontRef>
+          </p:style>
+        </p:cxnSp>
+      </p:grpSp>
+      <p:sp>
+        <p:nvSpPr>
+          <p:cNvPr id="6" name="Rectangle 5"/>
+          <p:cNvSpPr/>
+          <p:nvPr/>
+        </p:nvSpPr>
+        <p:spPr>
+          <a:xfrm>
+            <a:off x="228600" y="690564"/>
+            <a:ext cx="2301622" cy="3500436"/>
+          </a:xfrm>
+          <a:prstGeom prst="rect">
+            <a:avLst/>
+          </a:prstGeom>
+          <a:noFill/>
+          <a:ln w="12700">
+            <a:solidFill>
+              <a:schemeClr val="tx1">
+                <a:lumMod val="75000"/>
+                <a:lumOff val="25000"/>
+              </a:schemeClr>
+            </a:solidFill>
+          </a:ln>
+        </p:spPr>
+        <p:style>
+          <a:lnRef idx="2">
+            <a:schemeClr val="accent1">
+              <a:shade val="50000"/>
+            </a:schemeClr>
+          </a:lnRef>
+          <a:fillRef idx="1">
+            <a:schemeClr val="accent1"/>
+          </a:fillRef>
+          <a:effectRef idx="0">
+            <a:schemeClr val="accent1"/>
+          </a:effectRef>
+          <a:fontRef idx="minor">
+            <a:schemeClr val="lt1"/>
+          </a:fontRef>
+        </p:style>
+        <p:txBody>
+          <a:bodyPr rtlCol="0" anchor="ctr"/>
+          <a:lstStyle/>
+          <a:p>
+            <a:pPr algn="ctr"/>
+            <a:endParaRPr lang="en-US"/>
+          </a:p>
+        </p:txBody>
+      </p:sp>
+      <p:grpSp>
+        <p:nvGrpSpPr>
+          <p:cNvPr id="161" name="Group 160"/>
+          <p:cNvGrpSpPr/>
+          <p:nvPr/>
+        </p:nvGrpSpPr>
+        <p:grpSpPr>
+          <a:xfrm>
+            <a:off x="228599" y="1436591"/>
+            <a:ext cx="2301623" cy="419113"/>
+            <a:chOff x="2956178" y="996875"/>
+            <a:chExt cx="2301623" cy="419113"/>
+          </a:xfrm>
+        </p:grpSpPr>
+        <p:grpSp>
+          <p:nvGrpSpPr>
+            <p:cNvPr id="162" name="Group 161"/>
+            <p:cNvGrpSpPr/>
+            <p:nvPr/>
+          </p:nvGrpSpPr>
+          <p:grpSpPr>
+            <a:xfrm>
+              <a:off x="2956178" y="996875"/>
+              <a:ext cx="2270763" cy="408261"/>
+              <a:chOff x="2971800" y="1350388"/>
+              <a:chExt cx="2239491" cy="408261"/>
+            </a:xfrm>
+          </p:grpSpPr>
+          <p:sp>
+            <p:nvSpPr>
+              <p:cNvPr id="164" name="TextBox 163"/>
+              <p:cNvSpPr txBox="1"/>
+              <p:nvPr/>
+            </p:nvSpPr>
+            <p:spPr>
+              <a:xfrm>
+                <a:off x="2971800" y="1350390"/>
+                <a:ext cx="838200" cy="246221"/>
+              </a:xfrm>
+              <a:prstGeom prst="rect">
+                <a:avLst/>
+              </a:prstGeom>
+              <a:noFill/>
+            </p:spPr>
+            <p:txBody>
+              <a:bodyPr wrap="square" rtlCol="0">
+                <a:spAutoFit/>
+              </a:bodyPr>
+              <a:lstStyle/>
+              <a:p>
+                <a:r>
+                  <a:rPr lang="en-US" sz="1000" dirty="0" smtClean="0"/>
+                  <a:t>12/12</a:t>
+                </a:r>
+                <a:endParaRPr lang="en-US" sz="1000" dirty="0"/>
+              </a:p>
+            </p:txBody>
+          </p:sp>
+          <p:sp>
+            <p:nvSpPr>
+              <p:cNvPr id="165" name="TextBox 164"/>
+              <p:cNvSpPr txBox="1"/>
+              <p:nvPr/>
+            </p:nvSpPr>
+            <p:spPr>
+              <a:xfrm>
+                <a:off x="3451535" y="1350390"/>
+                <a:ext cx="1738224" cy="246221"/>
+              </a:xfrm>
+              <a:prstGeom prst="rect">
+                <a:avLst/>
+              </a:prstGeom>
+              <a:noFill/>
+            </p:spPr>
+            <p:txBody>
+              <a:bodyPr wrap="square" rtlCol="0">
+                <a:spAutoFit/>
+              </a:bodyPr>
+              <a:lstStyle/>
+              <a:p>
+                <a:r>
+                  <a:rPr lang="en-US" sz="1000" dirty="0" smtClean="0"/>
+                  <a:t>Description</a:t>
+                </a:r>
+                <a:endParaRPr lang="en-US" sz="1000" dirty="0"/>
+              </a:p>
+            </p:txBody>
+          </p:sp>
+          <p:sp>
+            <p:nvSpPr>
+              <p:cNvPr id="166" name="TextBox 165"/>
+              <p:cNvSpPr txBox="1"/>
+              <p:nvPr/>
+            </p:nvSpPr>
+            <p:spPr>
+              <a:xfrm>
+                <a:off x="3448771" y="1543205"/>
+                <a:ext cx="1066800" cy="215444"/>
+              </a:xfrm>
+              <a:prstGeom prst="rect">
+                <a:avLst/>
+              </a:prstGeom>
+              <a:noFill/>
+            </p:spPr>
+            <p:txBody>
+              <a:bodyPr wrap="square" rtlCol="0">
+                <a:spAutoFit/>
+              </a:bodyPr>
+              <a:lstStyle/>
+              <a:p>
+                <a:r>
+                  <a:rPr lang="en-US" sz="800" dirty="0" smtClean="0">
+                    <a:solidFill>
+                      <a:schemeClr val="bg1">
+                        <a:lumMod val="50000"/>
+                      </a:schemeClr>
+                    </a:solidFill>
+                  </a:rPr>
+                  <a:t>Category</a:t>
+                </a:r>
+                <a:endParaRPr lang="en-US" sz="800" dirty="0">
+                  <a:solidFill>
+                    <a:schemeClr val="bg1">
+                      <a:lumMod val="50000"/>
+                    </a:schemeClr>
+                  </a:solidFill>
+                </a:endParaRPr>
+              </a:p>
+            </p:txBody>
+          </p:sp>
+          <p:sp>
+            <p:nvSpPr>
+              <p:cNvPr id="167" name="TextBox 166"/>
+              <p:cNvSpPr txBox="1"/>
+              <p:nvPr/>
+            </p:nvSpPr>
+            <p:spPr>
+              <a:xfrm>
+                <a:off x="4444071" y="1350388"/>
+                <a:ext cx="762000" cy="246221"/>
+              </a:xfrm>
+              <a:prstGeom prst="rect">
+                <a:avLst/>
+              </a:prstGeom>
+              <a:noFill/>
+            </p:spPr>
+            <p:txBody>
+              <a:bodyPr wrap="square" rtlCol="0">
+                <a:spAutoFit/>
+              </a:bodyPr>
+              <a:lstStyle/>
+              <a:p>
+                <a:pPr algn="r"/>
+                <a:r>
+                  <a:rPr lang="en-US" sz="1000" dirty="0" smtClean="0"/>
+                  <a:t>$150.00</a:t>
+                </a:r>
+                <a:endParaRPr lang="en-US" sz="1000" dirty="0"/>
+              </a:p>
+            </p:txBody>
+          </p:sp>
+          <p:sp>
+            <p:nvSpPr>
+              <p:cNvPr id="168" name="TextBox 167"/>
+              <p:cNvSpPr txBox="1"/>
+              <p:nvPr/>
+            </p:nvSpPr>
+            <p:spPr>
+              <a:xfrm>
+                <a:off x="4449291" y="1543205"/>
+                <a:ext cx="762000" cy="215444"/>
+              </a:xfrm>
+              <a:prstGeom prst="rect">
+                <a:avLst/>
+              </a:prstGeom>
+              <a:noFill/>
+            </p:spPr>
+            <p:txBody>
+              <a:bodyPr wrap="square" rtlCol="0">
+                <a:spAutoFit/>
+              </a:bodyPr>
+              <a:lstStyle/>
+              <a:p>
+                <a:pPr algn="r"/>
+                <a:r>
+                  <a:rPr lang="en-US" sz="800" dirty="0" smtClean="0">
+                    <a:solidFill>
+                      <a:schemeClr val="bg1">
+                        <a:lumMod val="50000"/>
+                      </a:schemeClr>
+                    </a:solidFill>
+                  </a:rPr>
+                  <a:t>$99999.99</a:t>
+                </a:r>
+                <a:endParaRPr lang="en-US" sz="800" dirty="0">
+                  <a:solidFill>
+                    <a:schemeClr val="bg1">
+                      <a:lumMod val="50000"/>
+                    </a:schemeClr>
+                  </a:solidFill>
+                </a:endParaRPr>
+              </a:p>
+            </p:txBody>
+          </p:sp>
+        </p:grpSp>
+        <p:cxnSp>
+          <p:nvCxnSpPr>
+            <p:cNvPr id="163" name="Straight Connector 162"/>
+            <p:cNvCxnSpPr/>
+            <p:nvPr/>
+          </p:nvCxnSpPr>
+          <p:spPr>
+            <a:xfrm>
+              <a:off x="2956178" y="1415988"/>
+              <a:ext cx="2301623" cy="0"/>
+            </a:xfrm>
+            <a:prstGeom prst="line">
+              <a:avLst/>
+            </a:prstGeom>
+            <a:ln w="12700">
+              <a:solidFill>
+                <a:schemeClr val="bg1">
+                  <a:lumMod val="75000"/>
+                </a:schemeClr>
+              </a:solidFill>
+            </a:ln>
+          </p:spPr>
+          <p:style>
+            <a:lnRef idx="1">
+              <a:schemeClr val="accent1"/>
+            </a:lnRef>
+            <a:fillRef idx="0">
+              <a:schemeClr val="accent1"/>
+            </a:fillRef>
+            <a:effectRef idx="0">
+              <a:schemeClr val="accent1"/>
+            </a:effectRef>
+            <a:fontRef idx="minor">
+              <a:schemeClr val="tx1"/>
+            </a:fontRef>
+          </p:style>
+        </p:cxnSp>
+      </p:grpSp>
+      <p:grpSp>
+        <p:nvGrpSpPr>
+          <p:cNvPr id="169" name="Group 168"/>
+          <p:cNvGrpSpPr/>
+          <p:nvPr/>
+        </p:nvGrpSpPr>
+        <p:grpSpPr>
+          <a:xfrm>
+            <a:off x="228598" y="1876307"/>
+            <a:ext cx="2301623" cy="419113"/>
+            <a:chOff x="2956178" y="996875"/>
+            <a:chExt cx="2301623" cy="419113"/>
+          </a:xfrm>
+        </p:grpSpPr>
+        <p:grpSp>
+          <p:nvGrpSpPr>
+            <p:cNvPr id="170" name="Group 169"/>
+            <p:cNvGrpSpPr/>
+            <p:nvPr/>
+          </p:nvGrpSpPr>
+          <p:grpSpPr>
+            <a:xfrm>
+              <a:off x="2956178" y="996875"/>
+              <a:ext cx="2270763" cy="408261"/>
+              <a:chOff x="2971800" y="1350388"/>
+              <a:chExt cx="2239491" cy="408261"/>
+            </a:xfrm>
+          </p:grpSpPr>
+          <p:sp>
+            <p:nvSpPr>
+              <p:cNvPr id="172" name="TextBox 171"/>
+              <p:cNvSpPr txBox="1"/>
+              <p:nvPr/>
+            </p:nvSpPr>
+            <p:spPr>
+              <a:xfrm>
+                <a:off x="2971800" y="1350390"/>
+                <a:ext cx="838200" cy="246221"/>
+              </a:xfrm>
+              <a:prstGeom prst="rect">
+                <a:avLst/>
+              </a:prstGeom>
+              <a:noFill/>
+            </p:spPr>
+            <p:txBody>
+              <a:bodyPr wrap="square" rtlCol="0">
+                <a:spAutoFit/>
+              </a:bodyPr>
+              <a:lstStyle/>
+              <a:p>
+                <a:r>
+                  <a:rPr lang="en-US" sz="1000" dirty="0" smtClean="0"/>
+                  <a:t>12/12</a:t>
+                </a:r>
+                <a:endParaRPr lang="en-US" sz="1000" dirty="0"/>
+              </a:p>
+            </p:txBody>
+          </p:sp>
+          <p:sp>
+            <p:nvSpPr>
+              <p:cNvPr id="173" name="TextBox 172"/>
+              <p:cNvSpPr txBox="1"/>
+              <p:nvPr/>
+            </p:nvSpPr>
+            <p:spPr>
+              <a:xfrm>
+                <a:off x="3451535" y="1350390"/>
+                <a:ext cx="1738224" cy="246221"/>
+              </a:xfrm>
+              <a:prstGeom prst="rect">
+                <a:avLst/>
+              </a:prstGeom>
+              <a:noFill/>
+            </p:spPr>
+            <p:txBody>
+              <a:bodyPr wrap="square" rtlCol="0">
+                <a:spAutoFit/>
+              </a:bodyPr>
+              <a:lstStyle/>
+              <a:p>
+                <a:r>
+                  <a:rPr lang="en-US" sz="1000" dirty="0" smtClean="0"/>
+                  <a:t>Description</a:t>
+                </a:r>
+                <a:endParaRPr lang="en-US" sz="1000" dirty="0"/>
+              </a:p>
+            </p:txBody>
+          </p:sp>
+          <p:sp>
+            <p:nvSpPr>
+              <p:cNvPr id="174" name="TextBox 173"/>
+              <p:cNvSpPr txBox="1"/>
+              <p:nvPr/>
+            </p:nvSpPr>
+            <p:spPr>
+              <a:xfrm>
+                <a:off x="3448771" y="1543205"/>
+                <a:ext cx="1066800" cy="215444"/>
+              </a:xfrm>
+              <a:prstGeom prst="rect">
+                <a:avLst/>
+              </a:prstGeom>
+              <a:noFill/>
+            </p:spPr>
+            <p:txBody>
+              <a:bodyPr wrap="square" rtlCol="0">
+                <a:spAutoFit/>
+              </a:bodyPr>
+              <a:lstStyle/>
+              <a:p>
+                <a:r>
+                  <a:rPr lang="en-US" sz="800" dirty="0" smtClean="0">
+                    <a:solidFill>
+                      <a:schemeClr val="bg1">
+                        <a:lumMod val="50000"/>
+                      </a:schemeClr>
+                    </a:solidFill>
+                  </a:rPr>
+                  <a:t>Category</a:t>
+                </a:r>
+                <a:endParaRPr lang="en-US" sz="800" dirty="0">
+                  <a:solidFill>
+                    <a:schemeClr val="bg1">
+                      <a:lumMod val="50000"/>
+                    </a:schemeClr>
+                  </a:solidFill>
+                </a:endParaRPr>
+              </a:p>
+            </p:txBody>
+          </p:sp>
+          <p:sp>
+            <p:nvSpPr>
+              <p:cNvPr id="175" name="TextBox 174"/>
+              <p:cNvSpPr txBox="1"/>
+              <p:nvPr/>
+            </p:nvSpPr>
+            <p:spPr>
+              <a:xfrm>
+                <a:off x="4444071" y="1350388"/>
+                <a:ext cx="762000" cy="246221"/>
+              </a:xfrm>
+              <a:prstGeom prst="rect">
+                <a:avLst/>
+              </a:prstGeom>
+              <a:noFill/>
+            </p:spPr>
+            <p:txBody>
+              <a:bodyPr wrap="square" rtlCol="0">
+                <a:spAutoFit/>
+              </a:bodyPr>
+              <a:lstStyle/>
+              <a:p>
+                <a:pPr algn="r"/>
+                <a:r>
+                  <a:rPr lang="en-US" sz="1000" dirty="0" smtClean="0"/>
+                  <a:t>$150.00</a:t>
+                </a:r>
+                <a:endParaRPr lang="en-US" sz="1000" dirty="0"/>
+              </a:p>
+            </p:txBody>
+          </p:sp>
+          <p:sp>
+            <p:nvSpPr>
+              <p:cNvPr id="176" name="TextBox 175"/>
+              <p:cNvSpPr txBox="1"/>
+              <p:nvPr/>
+            </p:nvSpPr>
+            <p:spPr>
+              <a:xfrm>
+                <a:off x="4449291" y="1543205"/>
+                <a:ext cx="762000" cy="215444"/>
+              </a:xfrm>
+              <a:prstGeom prst="rect">
+                <a:avLst/>
+              </a:prstGeom>
+              <a:noFill/>
+            </p:spPr>
+            <p:txBody>
+              <a:bodyPr wrap="square" rtlCol="0">
+                <a:spAutoFit/>
+              </a:bodyPr>
+              <a:lstStyle/>
+              <a:p>
+                <a:pPr algn="r"/>
+                <a:r>
+                  <a:rPr lang="en-US" sz="800" dirty="0" smtClean="0">
+                    <a:solidFill>
+                      <a:schemeClr val="bg1">
+                        <a:lumMod val="50000"/>
+                      </a:schemeClr>
+                    </a:solidFill>
+                  </a:rPr>
+                  <a:t>$99999.99</a:t>
+                </a:r>
+                <a:endParaRPr lang="en-US" sz="800" dirty="0">
+                  <a:solidFill>
+                    <a:schemeClr val="bg1">
+                      <a:lumMod val="50000"/>
+                    </a:schemeClr>
+                  </a:solidFill>
+                </a:endParaRPr>
+              </a:p>
+            </p:txBody>
+          </p:sp>
+        </p:grpSp>
+        <p:cxnSp>
+          <p:nvCxnSpPr>
+            <p:cNvPr id="171" name="Straight Connector 170"/>
+            <p:cNvCxnSpPr/>
+            <p:nvPr/>
+          </p:nvCxnSpPr>
+          <p:spPr>
+            <a:xfrm>
+              <a:off x="2956178" y="1415988"/>
+              <a:ext cx="2301623" cy="0"/>
+            </a:xfrm>
+            <a:prstGeom prst="line">
+              <a:avLst/>
+            </a:prstGeom>
+            <a:ln w="12700">
+              <a:solidFill>
+                <a:schemeClr val="bg1">
+                  <a:lumMod val="75000"/>
+                </a:schemeClr>
+              </a:solidFill>
+            </a:ln>
+          </p:spPr>
+          <p:style>
+            <a:lnRef idx="1">
+              <a:schemeClr val="accent1"/>
+            </a:lnRef>
+            <a:fillRef idx="0">
+              <a:schemeClr val="accent1"/>
+            </a:fillRef>
+            <a:effectRef idx="0">
+              <a:schemeClr val="accent1"/>
+            </a:effectRef>
+            <a:fontRef idx="minor">
+              <a:schemeClr val="tx1"/>
+            </a:fontRef>
+          </p:style>
+        </p:cxnSp>
+      </p:grpSp>
+      <p:grpSp>
+        <p:nvGrpSpPr>
+          <p:cNvPr id="177" name="Group 176"/>
+          <p:cNvGrpSpPr/>
+          <p:nvPr/>
+        </p:nvGrpSpPr>
+        <p:grpSpPr>
+          <a:xfrm>
+            <a:off x="228598" y="2293427"/>
+            <a:ext cx="2301623" cy="419113"/>
+            <a:chOff x="2956178" y="996875"/>
+            <a:chExt cx="2301623" cy="419113"/>
+          </a:xfrm>
+        </p:grpSpPr>
+        <p:grpSp>
+          <p:nvGrpSpPr>
+            <p:cNvPr id="178" name="Group 177"/>
+            <p:cNvGrpSpPr/>
+            <p:nvPr/>
+          </p:nvGrpSpPr>
+          <p:grpSpPr>
+            <a:xfrm>
+              <a:off x="2956178" y="996875"/>
+              <a:ext cx="2270763" cy="408261"/>
+              <a:chOff x="2971800" y="1350388"/>
+              <a:chExt cx="2239491" cy="408261"/>
+            </a:xfrm>
+          </p:grpSpPr>
+          <p:sp>
+            <p:nvSpPr>
+              <p:cNvPr id="180" name="TextBox 179"/>
+              <p:cNvSpPr txBox="1"/>
+              <p:nvPr/>
+            </p:nvSpPr>
+            <p:spPr>
+              <a:xfrm>
+                <a:off x="2971800" y="1350390"/>
+                <a:ext cx="838200" cy="246221"/>
+              </a:xfrm>
+              <a:prstGeom prst="rect">
+                <a:avLst/>
+              </a:prstGeom>
+              <a:noFill/>
+            </p:spPr>
+            <p:txBody>
+              <a:bodyPr wrap="square" rtlCol="0">
+                <a:spAutoFit/>
+              </a:bodyPr>
+              <a:lstStyle/>
+              <a:p>
+                <a:r>
+                  <a:rPr lang="en-US" sz="1000" dirty="0" smtClean="0"/>
+                  <a:t>12/12</a:t>
+                </a:r>
+                <a:endParaRPr lang="en-US" sz="1000" dirty="0"/>
+              </a:p>
+            </p:txBody>
+          </p:sp>
+          <p:sp>
+            <p:nvSpPr>
+              <p:cNvPr id="181" name="TextBox 180"/>
+              <p:cNvSpPr txBox="1"/>
+              <p:nvPr/>
+            </p:nvSpPr>
+            <p:spPr>
+              <a:xfrm>
+                <a:off x="3451535" y="1350390"/>
+                <a:ext cx="1738224" cy="246221"/>
+              </a:xfrm>
+              <a:prstGeom prst="rect">
+                <a:avLst/>
+              </a:prstGeom>
+              <a:noFill/>
+            </p:spPr>
+            <p:txBody>
+              <a:bodyPr wrap="square" rtlCol="0">
+                <a:spAutoFit/>
+              </a:bodyPr>
+              <a:lstStyle/>
+              <a:p>
+                <a:r>
+                  <a:rPr lang="en-US" sz="1000" dirty="0" smtClean="0"/>
+                  <a:t>Description</a:t>
+                </a:r>
+                <a:endParaRPr lang="en-US" sz="1000" dirty="0"/>
+              </a:p>
+            </p:txBody>
+          </p:sp>
+          <p:sp>
+            <p:nvSpPr>
+              <p:cNvPr id="182" name="TextBox 181"/>
+              <p:cNvSpPr txBox="1"/>
+              <p:nvPr/>
+            </p:nvSpPr>
+            <p:spPr>
+              <a:xfrm>
+                <a:off x="3448771" y="1543205"/>
+                <a:ext cx="1066800" cy="215444"/>
+              </a:xfrm>
+              <a:prstGeom prst="rect">
+                <a:avLst/>
+              </a:prstGeom>
+              <a:noFill/>
+            </p:spPr>
+            <p:txBody>
+              <a:bodyPr wrap="square" rtlCol="0">
+                <a:spAutoFit/>
+              </a:bodyPr>
+              <a:lstStyle/>
+              <a:p>
+                <a:r>
+                  <a:rPr lang="en-US" sz="800" dirty="0" smtClean="0">
+                    <a:solidFill>
+                      <a:schemeClr val="bg1">
+                        <a:lumMod val="50000"/>
+                      </a:schemeClr>
+                    </a:solidFill>
+                  </a:rPr>
+                  <a:t>Category</a:t>
+                </a:r>
+                <a:endParaRPr lang="en-US" sz="800" dirty="0">
+                  <a:solidFill>
+                    <a:schemeClr val="bg1">
+                      <a:lumMod val="50000"/>
+                    </a:schemeClr>
+                  </a:solidFill>
+                </a:endParaRPr>
+              </a:p>
+            </p:txBody>
+          </p:sp>
+          <p:sp>
+            <p:nvSpPr>
+              <p:cNvPr id="183" name="TextBox 182"/>
+              <p:cNvSpPr txBox="1"/>
+              <p:nvPr/>
+            </p:nvSpPr>
+            <p:spPr>
+              <a:xfrm>
+                <a:off x="4444071" y="1350388"/>
+                <a:ext cx="762000" cy="246221"/>
+              </a:xfrm>
+              <a:prstGeom prst="rect">
+                <a:avLst/>
+              </a:prstGeom>
+              <a:noFill/>
+            </p:spPr>
+            <p:txBody>
+              <a:bodyPr wrap="square" rtlCol="0">
+                <a:spAutoFit/>
+              </a:bodyPr>
+              <a:lstStyle/>
+              <a:p>
+                <a:pPr algn="r"/>
+                <a:r>
+                  <a:rPr lang="en-US" sz="1000" dirty="0" smtClean="0"/>
+                  <a:t>$150.00</a:t>
+                </a:r>
+                <a:endParaRPr lang="en-US" sz="1000" dirty="0"/>
+              </a:p>
+            </p:txBody>
+          </p:sp>
+          <p:sp>
+            <p:nvSpPr>
+              <p:cNvPr id="184" name="TextBox 183"/>
+              <p:cNvSpPr txBox="1"/>
+              <p:nvPr/>
+            </p:nvSpPr>
+            <p:spPr>
+              <a:xfrm>
+                <a:off x="4449291" y="1543205"/>
+                <a:ext cx="762000" cy="215444"/>
+              </a:xfrm>
+              <a:prstGeom prst="rect">
+                <a:avLst/>
+              </a:prstGeom>
+              <a:noFill/>
+            </p:spPr>
+            <p:txBody>
+              <a:bodyPr wrap="square" rtlCol="0">
+                <a:spAutoFit/>
+              </a:bodyPr>
+              <a:lstStyle/>
+              <a:p>
+                <a:pPr algn="r"/>
+                <a:r>
+                  <a:rPr lang="en-US" sz="800" dirty="0" smtClean="0">
+                    <a:solidFill>
+                      <a:schemeClr val="bg1">
+                        <a:lumMod val="50000"/>
+                      </a:schemeClr>
+                    </a:solidFill>
+                  </a:rPr>
+                  <a:t>$99999.99</a:t>
+                </a:r>
+                <a:endParaRPr lang="en-US" sz="800" dirty="0">
+                  <a:solidFill>
+                    <a:schemeClr val="bg1">
+                      <a:lumMod val="50000"/>
+                    </a:schemeClr>
+                  </a:solidFill>
+                </a:endParaRPr>
+              </a:p>
+            </p:txBody>
+          </p:sp>
+        </p:grpSp>
+        <p:cxnSp>
+          <p:nvCxnSpPr>
+            <p:cNvPr id="179" name="Straight Connector 178"/>
+            <p:cNvCxnSpPr/>
+            <p:nvPr/>
+          </p:nvCxnSpPr>
+          <p:spPr>
+            <a:xfrm>
+              <a:off x="2956178" y="1415988"/>
+              <a:ext cx="2301623" cy="0"/>
+            </a:xfrm>
+            <a:prstGeom prst="line">
+              <a:avLst/>
+            </a:prstGeom>
+            <a:ln w="12700">
+              <a:solidFill>
+                <a:schemeClr val="bg1">
+                  <a:lumMod val="75000"/>
+                </a:schemeClr>
+              </a:solidFill>
+            </a:ln>
+          </p:spPr>
+          <p:style>
+            <a:lnRef idx="1">
+              <a:schemeClr val="accent1"/>
+            </a:lnRef>
+            <a:fillRef idx="0">
+              <a:schemeClr val="accent1"/>
+            </a:fillRef>
+            <a:effectRef idx="0">
+              <a:schemeClr val="accent1"/>
+            </a:effectRef>
+            <a:fontRef idx="minor">
+              <a:schemeClr val="tx1"/>
+            </a:fontRef>
+          </p:style>
+        </p:cxnSp>
+      </p:grpSp>
+      <p:grpSp>
+        <p:nvGrpSpPr>
+          <p:cNvPr id="185" name="Group 184"/>
+          <p:cNvGrpSpPr/>
+          <p:nvPr/>
+        </p:nvGrpSpPr>
+        <p:grpSpPr>
+          <a:xfrm>
+            <a:off x="228597" y="2733143"/>
+            <a:ext cx="2301623" cy="419113"/>
+            <a:chOff x="2956178" y="996875"/>
+            <a:chExt cx="2301623" cy="419113"/>
+          </a:xfrm>
+        </p:grpSpPr>
+        <p:grpSp>
+          <p:nvGrpSpPr>
+            <p:cNvPr id="186" name="Group 185"/>
+            <p:cNvGrpSpPr/>
+            <p:nvPr/>
+          </p:nvGrpSpPr>
+          <p:grpSpPr>
+            <a:xfrm>
+              <a:off x="2956178" y="996875"/>
+              <a:ext cx="2270763" cy="408261"/>
+              <a:chOff x="2971800" y="1350388"/>
+              <a:chExt cx="2239491" cy="408261"/>
+            </a:xfrm>
+          </p:grpSpPr>
+          <p:sp>
+            <p:nvSpPr>
+              <p:cNvPr id="188" name="TextBox 187"/>
+              <p:cNvSpPr txBox="1"/>
+              <p:nvPr/>
+            </p:nvSpPr>
+            <p:spPr>
+              <a:xfrm>
+                <a:off x="2971800" y="1350390"/>
+                <a:ext cx="838200" cy="246221"/>
+              </a:xfrm>
+              <a:prstGeom prst="rect">
+                <a:avLst/>
+              </a:prstGeom>
+              <a:noFill/>
+            </p:spPr>
+            <p:txBody>
+              <a:bodyPr wrap="square" rtlCol="0">
+                <a:spAutoFit/>
+              </a:bodyPr>
+              <a:lstStyle/>
+              <a:p>
+                <a:r>
+                  <a:rPr lang="en-US" sz="1000" dirty="0" smtClean="0"/>
+                  <a:t>12/12</a:t>
+                </a:r>
+                <a:endParaRPr lang="en-US" sz="1000" dirty="0"/>
+              </a:p>
+            </p:txBody>
+          </p:sp>
+          <p:sp>
+            <p:nvSpPr>
+              <p:cNvPr id="189" name="TextBox 188"/>
+              <p:cNvSpPr txBox="1"/>
+              <p:nvPr/>
+            </p:nvSpPr>
+            <p:spPr>
+              <a:xfrm>
+                <a:off x="3451535" y="1350390"/>
+                <a:ext cx="1738224" cy="246221"/>
+              </a:xfrm>
+              <a:prstGeom prst="rect">
+                <a:avLst/>
+              </a:prstGeom>
+              <a:noFill/>
+            </p:spPr>
+            <p:txBody>
+              <a:bodyPr wrap="square" rtlCol="0">
+                <a:spAutoFit/>
+              </a:bodyPr>
+              <a:lstStyle/>
+              <a:p>
+                <a:r>
+                  <a:rPr lang="en-US" sz="1000" dirty="0" smtClean="0"/>
+                  <a:t>Description</a:t>
+                </a:r>
+                <a:endParaRPr lang="en-US" sz="1000" dirty="0"/>
+              </a:p>
+            </p:txBody>
+          </p:sp>
+          <p:sp>
+            <p:nvSpPr>
+              <p:cNvPr id="190" name="TextBox 189"/>
+              <p:cNvSpPr txBox="1"/>
+              <p:nvPr/>
+            </p:nvSpPr>
+            <p:spPr>
+              <a:xfrm>
+                <a:off x="3448771" y="1543205"/>
+                <a:ext cx="1066800" cy="215444"/>
+              </a:xfrm>
+              <a:prstGeom prst="rect">
+                <a:avLst/>
+              </a:prstGeom>
+              <a:noFill/>
+            </p:spPr>
+            <p:txBody>
+              <a:bodyPr wrap="square" rtlCol="0">
+                <a:spAutoFit/>
+              </a:bodyPr>
+              <a:lstStyle/>
+              <a:p>
+                <a:r>
+                  <a:rPr lang="en-US" sz="800" dirty="0" smtClean="0">
+                    <a:solidFill>
+                      <a:schemeClr val="bg1">
+                        <a:lumMod val="50000"/>
+                      </a:schemeClr>
+                    </a:solidFill>
+                  </a:rPr>
+                  <a:t>Category</a:t>
+                </a:r>
+                <a:endParaRPr lang="en-US" sz="800" dirty="0">
+                  <a:solidFill>
+                    <a:schemeClr val="bg1">
+                      <a:lumMod val="50000"/>
+                    </a:schemeClr>
+                  </a:solidFill>
+                </a:endParaRPr>
+              </a:p>
+            </p:txBody>
+          </p:sp>
+          <p:sp>
+            <p:nvSpPr>
+              <p:cNvPr id="191" name="TextBox 190"/>
+              <p:cNvSpPr txBox="1"/>
+              <p:nvPr/>
+            </p:nvSpPr>
+            <p:spPr>
+              <a:xfrm>
+                <a:off x="4444071" y="1350388"/>
+                <a:ext cx="762000" cy="246221"/>
+              </a:xfrm>
+              <a:prstGeom prst="rect">
+                <a:avLst/>
+              </a:prstGeom>
+              <a:noFill/>
+            </p:spPr>
+            <p:txBody>
+              <a:bodyPr wrap="square" rtlCol="0">
+                <a:spAutoFit/>
+              </a:bodyPr>
+              <a:lstStyle/>
+              <a:p>
+                <a:pPr algn="r"/>
+                <a:r>
+                  <a:rPr lang="en-US" sz="1000" dirty="0" smtClean="0"/>
+                  <a:t>$150.00</a:t>
+                </a:r>
+                <a:endParaRPr lang="en-US" sz="1000" dirty="0"/>
+              </a:p>
+            </p:txBody>
+          </p:sp>
+          <p:sp>
+            <p:nvSpPr>
+              <p:cNvPr id="192" name="TextBox 191"/>
+              <p:cNvSpPr txBox="1"/>
+              <p:nvPr/>
+            </p:nvSpPr>
+            <p:spPr>
+              <a:xfrm>
+                <a:off x="4449291" y="1543205"/>
+                <a:ext cx="762000" cy="215444"/>
+              </a:xfrm>
+              <a:prstGeom prst="rect">
+                <a:avLst/>
+              </a:prstGeom>
+              <a:noFill/>
+            </p:spPr>
+            <p:txBody>
+              <a:bodyPr wrap="square" rtlCol="0">
+                <a:spAutoFit/>
+              </a:bodyPr>
+              <a:lstStyle/>
+              <a:p>
+                <a:pPr algn="r"/>
+                <a:r>
+                  <a:rPr lang="en-US" sz="800" dirty="0" smtClean="0">
+                    <a:solidFill>
+                      <a:schemeClr val="bg1">
+                        <a:lumMod val="50000"/>
+                      </a:schemeClr>
+                    </a:solidFill>
+                  </a:rPr>
+                  <a:t>$99999.99</a:t>
+                </a:r>
+                <a:endParaRPr lang="en-US" sz="800" dirty="0">
+                  <a:solidFill>
+                    <a:schemeClr val="bg1">
+                      <a:lumMod val="50000"/>
+                    </a:schemeClr>
+                  </a:solidFill>
+                </a:endParaRPr>
+              </a:p>
+            </p:txBody>
+          </p:sp>
+        </p:grpSp>
+        <p:cxnSp>
+          <p:nvCxnSpPr>
+            <p:cNvPr id="187" name="Straight Connector 186"/>
+            <p:cNvCxnSpPr/>
+            <p:nvPr/>
+          </p:nvCxnSpPr>
+          <p:spPr>
+            <a:xfrm>
+              <a:off x="2956178" y="1415988"/>
+              <a:ext cx="2301623" cy="0"/>
+            </a:xfrm>
+            <a:prstGeom prst="line">
+              <a:avLst/>
+            </a:prstGeom>
+            <a:ln w="12700">
+              <a:solidFill>
+                <a:schemeClr val="bg1">
+                  <a:lumMod val="75000"/>
+                </a:schemeClr>
+              </a:solidFill>
+            </a:ln>
+          </p:spPr>
+          <p:style>
+            <a:lnRef idx="1">
+              <a:schemeClr val="accent1"/>
+            </a:lnRef>
+            <a:fillRef idx="0">
+              <a:schemeClr val="accent1"/>
+            </a:fillRef>
+            <a:effectRef idx="0">
+              <a:schemeClr val="accent1"/>
+            </a:effectRef>
+            <a:fontRef idx="minor">
+              <a:schemeClr val="tx1"/>
+            </a:fontRef>
+          </p:style>
+        </p:cxnSp>
+      </p:grpSp>
+      <p:sp>
+        <p:nvSpPr>
+          <p:cNvPr id="2" name="Rectangle 1"/>
+          <p:cNvSpPr/>
+          <p:nvPr/>
+        </p:nvSpPr>
+        <p:spPr>
+          <a:xfrm>
+            <a:off x="122108" y="55856"/>
+            <a:ext cx="2514600" cy="4287544"/>
+          </a:xfrm>
+          <a:prstGeom prst="rect">
+            <a:avLst/>
+          </a:prstGeom>
+          <a:noFill/>
+          <a:ln>
+            <a:solidFill>
+              <a:schemeClr val="tx1">
+                <a:lumMod val="95000"/>
+                <a:lumOff val="5000"/>
+              </a:schemeClr>
+            </a:solidFill>
+          </a:ln>
+        </p:spPr>
+        <p:style>
+          <a:lnRef idx="2">
+            <a:schemeClr val="accent1">
+              <a:shade val="50000"/>
+            </a:schemeClr>
+          </a:lnRef>
+          <a:fillRef idx="1">
+            <a:schemeClr val="accent1"/>
+          </a:fillRef>
+          <a:effectRef idx="0">
+            <a:schemeClr val="accent1"/>
+          </a:effectRef>
+          <a:fontRef idx="minor">
+            <a:schemeClr val="lt1"/>
+          </a:fontRef>
+        </p:style>
+        <p:txBody>
+          <a:bodyPr rtlCol="0" anchor="ctr"/>
+          <a:lstStyle/>
+          <a:p>
+            <a:pPr algn="ctr"/>
+            <a:endParaRPr lang="en-US"/>
+          </a:p>
+        </p:txBody>
+      </p:sp>
+      <p:sp>
+        <p:nvSpPr>
+          <p:cNvPr id="16" name="Rectangle 15"/>
+          <p:cNvSpPr/>
+          <p:nvPr/>
+        </p:nvSpPr>
+        <p:spPr>
+          <a:xfrm>
+            <a:off x="125966" y="58253"/>
+            <a:ext cx="2510742" cy="4285147"/>
+          </a:xfrm>
+          <a:prstGeom prst="rect">
+            <a:avLst/>
+          </a:prstGeom>
+          <a:solidFill>
+            <a:srgbClr val="7F7F7F">
+              <a:alpha val="43922"/>
+            </a:srgbClr>
+          </a:solidFill>
+          <a:ln>
+            <a:solidFill>
+              <a:schemeClr val="tx1">
+                <a:lumMod val="50000"/>
+                <a:lumOff val="50000"/>
+              </a:schemeClr>
+            </a:solidFill>
+          </a:ln>
+        </p:spPr>
+        <p:style>
+          <a:lnRef idx="2">
+            <a:schemeClr val="accent1">
+              <a:shade val="50000"/>
+            </a:schemeClr>
+          </a:lnRef>
+          <a:fillRef idx="1">
+            <a:schemeClr val="accent1"/>
+          </a:fillRef>
+          <a:effectRef idx="0">
+            <a:schemeClr val="accent1"/>
+          </a:effectRef>
+          <a:fontRef idx="minor">
+            <a:schemeClr val="lt1"/>
+          </a:fontRef>
+        </p:style>
+        <p:txBody>
+          <a:bodyPr rtlCol="0" anchor="ctr"/>
+          <a:lstStyle/>
+          <a:p>
+            <a:pPr algn="ctr"/>
+            <a:endParaRPr lang="en-US"/>
+          </a:p>
+        </p:txBody>
+      </p:sp>
+      <p:sp>
+        <p:nvSpPr>
+          <p:cNvPr id="4" name="Rectangle 3"/>
+          <p:cNvSpPr/>
+          <p:nvPr/>
+        </p:nvSpPr>
+        <p:spPr>
+          <a:xfrm>
+            <a:off x="228598" y="197051"/>
+            <a:ext cx="2297220" cy="2374051"/>
+          </a:xfrm>
+          <a:prstGeom prst="rect">
+            <a:avLst/>
+          </a:prstGeom>
+          <a:solidFill>
+            <a:schemeClr val="bg1"/>
+          </a:solidFill>
+          <a:ln>
+            <a:solidFill>
+              <a:schemeClr val="bg1"/>
+            </a:solidFill>
+          </a:ln>
+          <a:effectLst>
+            <a:outerShdw blurRad="50800" dist="38100" dir="2700000" algn="tl" rotWithShape="0">
+              <a:prstClr val="black">
+                <a:alpha val="40000"/>
+              </a:prstClr>
+            </a:outerShdw>
+          </a:effectLst>
+        </p:spPr>
+        <p:style>
+          <a:lnRef idx="2">
+            <a:schemeClr val="accent1">
+              <a:shade val="50000"/>
+            </a:schemeClr>
+          </a:lnRef>
+          <a:fillRef idx="1">
+            <a:schemeClr val="accent1"/>
+          </a:fillRef>
+          <a:effectRef idx="0">
+            <a:schemeClr val="accent1"/>
+          </a:effectRef>
+          <a:fontRef idx="minor">
+            <a:schemeClr val="lt1"/>
+          </a:fontRef>
+        </p:style>
+        <p:txBody>
+          <a:bodyPr rtlCol="0" anchor="ctr"/>
+          <a:lstStyle/>
+          <a:p>
+            <a:pPr algn="ctr"/>
+            <a:endParaRPr lang="en-US"/>
+          </a:p>
+        </p:txBody>
+      </p:sp>
+      <p:sp>
+        <p:nvSpPr>
+          <p:cNvPr id="5" name="Rectangle 4"/>
+          <p:cNvSpPr/>
+          <p:nvPr/>
+        </p:nvSpPr>
+        <p:spPr>
+          <a:xfrm>
+            <a:off x="228597" y="197052"/>
+            <a:ext cx="2301623" cy="350542"/>
+          </a:xfrm>
+          <a:prstGeom prst="rect">
+            <a:avLst/>
+          </a:prstGeom>
+          <a:solidFill>
+            <a:schemeClr val="tx1">
+              <a:lumMod val="65000"/>
+              <a:lumOff val="35000"/>
+            </a:schemeClr>
+          </a:solidFill>
+          <a:ln>
+            <a:solidFill>
+              <a:schemeClr val="tx1">
+                <a:lumMod val="65000"/>
+                <a:lumOff val="35000"/>
+              </a:schemeClr>
+            </a:solidFill>
+          </a:ln>
+        </p:spPr>
+        <p:style>
+          <a:lnRef idx="2">
+            <a:schemeClr val="accent1">
+              <a:shade val="50000"/>
+            </a:schemeClr>
+          </a:lnRef>
+          <a:fillRef idx="1">
+            <a:schemeClr val="accent1"/>
+          </a:fillRef>
+          <a:effectRef idx="0">
+            <a:schemeClr val="accent1"/>
+          </a:effectRef>
+          <a:fontRef idx="minor">
+            <a:schemeClr val="lt1"/>
+          </a:fontRef>
+        </p:style>
+        <p:txBody>
+          <a:bodyPr rtlCol="0" anchor="ctr"/>
+          <a:lstStyle/>
+          <a:p>
+            <a:r>
+              <a:rPr lang="en-US" sz="1200" b="1" dirty="0" smtClean="0"/>
+              <a:t>Spending</a:t>
+            </a:r>
+            <a:endParaRPr lang="en-US" sz="1200" b="1" dirty="0"/>
+          </a:p>
+        </p:txBody>
+      </p:sp>
+      <p:sp>
+        <p:nvSpPr>
+          <p:cNvPr id="8" name="TextBox 7"/>
+          <p:cNvSpPr txBox="1"/>
+          <p:nvPr/>
+        </p:nvSpPr>
+        <p:spPr>
+          <a:xfrm>
+            <a:off x="2258090" y="240012"/>
+            <a:ext cx="267727" cy="246221"/>
+          </a:xfrm>
+          <a:prstGeom prst="rect">
+            <a:avLst/>
+          </a:prstGeom>
+          <a:noFill/>
+        </p:spPr>
+        <p:txBody>
+          <a:bodyPr wrap="square" rtlCol="0">
+            <a:spAutoFit/>
+          </a:bodyPr>
+          <a:lstStyle/>
+          <a:p>
+            <a:r>
+              <a:rPr lang="en-US" sz="1000" dirty="0" smtClean="0">
+                <a:solidFill>
+                  <a:schemeClr val="bg1"/>
+                </a:solidFill>
+              </a:rPr>
+              <a:t>x</a:t>
+            </a:r>
+            <a:endParaRPr lang="en-US" sz="1000" dirty="0">
+              <a:solidFill>
+                <a:schemeClr val="bg1"/>
+              </a:solidFill>
+            </a:endParaRPr>
+          </a:p>
+        </p:txBody>
+      </p:sp>
+      <p:sp>
+        <p:nvSpPr>
+          <p:cNvPr id="9" name="Rectangle 8"/>
+          <p:cNvSpPr/>
+          <p:nvPr/>
+        </p:nvSpPr>
+        <p:spPr>
+          <a:xfrm>
+            <a:off x="333904" y="803891"/>
+            <a:ext cx="1412925" cy="159673"/>
+          </a:xfrm>
+          <a:prstGeom prst="rect">
+            <a:avLst/>
+          </a:prstGeom>
+          <a:solidFill>
+            <a:schemeClr val="bg1"/>
+          </a:solidFill>
+          <a:ln w="12700">
+            <a:solidFill>
+              <a:schemeClr val="tx1">
+                <a:lumMod val="65000"/>
+                <a:lumOff val="35000"/>
+              </a:schemeClr>
+            </a:solidFill>
+          </a:ln>
+        </p:spPr>
+        <p:style>
+          <a:lnRef idx="2">
+            <a:schemeClr val="accent1">
+              <a:shade val="50000"/>
+            </a:schemeClr>
+          </a:lnRef>
+          <a:fillRef idx="1">
+            <a:schemeClr val="accent1"/>
+          </a:fillRef>
+          <a:effectRef idx="0">
+            <a:schemeClr val="accent1"/>
+          </a:effectRef>
+          <a:fontRef idx="minor">
+            <a:schemeClr val="lt1"/>
+          </a:fontRef>
+        </p:style>
+        <p:txBody>
+          <a:bodyPr rtlCol="0" anchor="ctr"/>
+          <a:lstStyle/>
+          <a:p>
+            <a:r>
+              <a:rPr lang="en-US" sz="1000" dirty="0">
+                <a:solidFill>
+                  <a:sysClr val="windowText" lastClr="000000"/>
+                </a:solidFill>
+              </a:rPr>
+              <a:t>5</a:t>
+            </a:r>
+          </a:p>
+        </p:txBody>
+      </p:sp>
+      <p:sp>
+        <p:nvSpPr>
+          <p:cNvPr id="10" name="Rectangle 9"/>
+          <p:cNvSpPr/>
+          <p:nvPr/>
+        </p:nvSpPr>
+        <p:spPr>
+          <a:xfrm>
+            <a:off x="1748529" y="803891"/>
+            <a:ext cx="643424" cy="159673"/>
+          </a:xfrm>
+          <a:prstGeom prst="rect">
+            <a:avLst/>
+          </a:prstGeom>
+          <a:solidFill>
+            <a:schemeClr val="bg1">
+              <a:lumMod val="85000"/>
+            </a:schemeClr>
+          </a:solidFill>
+          <a:ln w="12700">
+            <a:solidFill>
+              <a:schemeClr val="tx1">
+                <a:lumMod val="65000"/>
+                <a:lumOff val="35000"/>
+              </a:schemeClr>
+            </a:solidFill>
+          </a:ln>
+        </p:spPr>
+        <p:style>
+          <a:lnRef idx="2">
+            <a:schemeClr val="accent1">
+              <a:shade val="50000"/>
+            </a:schemeClr>
+          </a:lnRef>
+          <a:fillRef idx="1">
+            <a:schemeClr val="accent1"/>
+          </a:fillRef>
+          <a:effectRef idx="0">
+            <a:schemeClr val="accent1"/>
+          </a:effectRef>
+          <a:fontRef idx="minor">
+            <a:schemeClr val="lt1"/>
+          </a:fontRef>
+        </p:style>
+        <p:txBody>
+          <a:bodyPr rtlCol="0" anchor="ctr"/>
+          <a:lstStyle/>
+          <a:p>
+            <a:pPr algn="ctr"/>
+            <a:r>
+              <a:rPr lang="en-US" sz="900" dirty="0" smtClean="0">
+                <a:solidFill>
+                  <a:sysClr val="windowText" lastClr="000000"/>
+                </a:solidFill>
+              </a:rPr>
+              <a:t>Update</a:t>
+            </a:r>
+            <a:endParaRPr lang="en-US" sz="900" dirty="0">
+              <a:solidFill>
+                <a:sysClr val="windowText" lastClr="000000"/>
+              </a:solidFill>
+            </a:endParaRPr>
+          </a:p>
+        </p:txBody>
+      </p:sp>
+      <p:sp>
+        <p:nvSpPr>
+          <p:cNvPr id="11" name="TextBox 10"/>
+          <p:cNvSpPr txBox="1"/>
+          <p:nvPr/>
+        </p:nvSpPr>
+        <p:spPr>
+          <a:xfrm>
+            <a:off x="244603" y="576894"/>
+            <a:ext cx="914400" cy="246221"/>
+          </a:xfrm>
+          <a:prstGeom prst="rect">
+            <a:avLst/>
+          </a:prstGeom>
+          <a:noFill/>
+        </p:spPr>
+        <p:txBody>
+          <a:bodyPr wrap="square" rtlCol="0">
+            <a:spAutoFit/>
+          </a:bodyPr>
+          <a:lstStyle/>
+          <a:p>
+            <a:r>
+              <a:rPr lang="en-US" sz="1000" dirty="0" smtClean="0"/>
+              <a:t>Months</a:t>
+            </a:r>
+            <a:endParaRPr lang="en-US" sz="1000" dirty="0"/>
+          </a:p>
+        </p:txBody>
+      </p:sp>
+      <p:sp>
+        <p:nvSpPr>
+          <p:cNvPr id="14" name="Rectangle 13"/>
+          <p:cNvSpPr/>
+          <p:nvPr/>
+        </p:nvSpPr>
+        <p:spPr>
+          <a:xfrm>
+            <a:off x="2258090" y="1243096"/>
+            <a:ext cx="133863" cy="1222544"/>
+          </a:xfrm>
+          <a:prstGeom prst="rect">
+            <a:avLst/>
+          </a:prstGeom>
+          <a:solidFill>
+            <a:schemeClr val="bg1">
+              <a:lumMod val="95000"/>
+            </a:schemeClr>
+          </a:solidFill>
+          <a:ln w="12700">
+            <a:solidFill>
+              <a:schemeClr val="bg1">
+                <a:lumMod val="95000"/>
+              </a:schemeClr>
+            </a:solidFill>
+          </a:ln>
+        </p:spPr>
+        <p:style>
+          <a:lnRef idx="2">
+            <a:schemeClr val="accent1">
+              <a:shade val="50000"/>
+            </a:schemeClr>
+          </a:lnRef>
+          <a:fillRef idx="1">
+            <a:schemeClr val="accent1"/>
+          </a:fillRef>
+          <a:effectRef idx="0">
+            <a:schemeClr val="accent1"/>
+          </a:effectRef>
+          <a:fontRef idx="minor">
+            <a:schemeClr val="lt1"/>
+          </a:fontRef>
+        </p:style>
+        <p:txBody>
+          <a:bodyPr rtlCol="0" anchor="ctr"/>
+          <a:lstStyle/>
+          <a:p>
+            <a:pPr algn="ctr"/>
+            <a:endParaRPr lang="en-US"/>
+          </a:p>
+        </p:txBody>
+      </p:sp>
+      <p:sp>
+        <p:nvSpPr>
+          <p:cNvPr id="13" name="Rectangle 12"/>
+          <p:cNvSpPr/>
+          <p:nvPr/>
+        </p:nvSpPr>
+        <p:spPr>
+          <a:xfrm>
+            <a:off x="333904" y="1234081"/>
+            <a:ext cx="2058049" cy="1231559"/>
+          </a:xfrm>
+          <a:prstGeom prst="rect">
+            <a:avLst/>
+          </a:prstGeom>
+          <a:noFill/>
+          <a:ln w="12700">
+            <a:solidFill>
+              <a:schemeClr val="tx1">
+                <a:lumMod val="50000"/>
+                <a:lumOff val="50000"/>
+              </a:schemeClr>
+            </a:solidFill>
+          </a:ln>
+        </p:spPr>
+        <p:style>
+          <a:lnRef idx="2">
+            <a:schemeClr val="accent1">
+              <a:shade val="50000"/>
+            </a:schemeClr>
+          </a:lnRef>
+          <a:fillRef idx="1">
+            <a:schemeClr val="accent1"/>
+          </a:fillRef>
+          <a:effectRef idx="0">
+            <a:schemeClr val="accent1"/>
+          </a:effectRef>
+          <a:fontRef idx="minor">
+            <a:schemeClr val="lt1"/>
+          </a:fontRef>
+        </p:style>
+        <p:txBody>
+          <a:bodyPr rtlCol="0" anchor="ctr"/>
+          <a:lstStyle/>
+          <a:p>
+            <a:pPr algn="ctr"/>
+            <a:endParaRPr lang="en-US"/>
+          </a:p>
+        </p:txBody>
+      </p:sp>
+      <p:sp>
+        <p:nvSpPr>
+          <p:cNvPr id="12" name="Rectangle 11"/>
+          <p:cNvSpPr/>
+          <p:nvPr/>
+        </p:nvSpPr>
+        <p:spPr>
+          <a:xfrm>
+            <a:off x="333904" y="1066800"/>
+            <a:ext cx="2058049" cy="176296"/>
+          </a:xfrm>
+          <a:prstGeom prst="rect">
+            <a:avLst/>
+          </a:prstGeom>
+          <a:solidFill>
+            <a:schemeClr val="tx1">
+              <a:lumMod val="65000"/>
+              <a:lumOff val="35000"/>
+            </a:schemeClr>
+          </a:solidFill>
+          <a:ln w="12700">
+            <a:solidFill>
+              <a:schemeClr val="tx1">
+                <a:lumMod val="65000"/>
+                <a:lumOff val="35000"/>
+              </a:schemeClr>
+            </a:solidFill>
+          </a:ln>
+        </p:spPr>
+        <p:style>
+          <a:lnRef idx="2">
+            <a:schemeClr val="accent1">
+              <a:shade val="50000"/>
+            </a:schemeClr>
+          </a:lnRef>
+          <a:fillRef idx="1">
+            <a:schemeClr val="accent1"/>
+          </a:fillRef>
+          <a:effectRef idx="0">
+            <a:schemeClr val="accent1"/>
+          </a:effectRef>
+          <a:fontRef idx="minor">
+            <a:schemeClr val="lt1"/>
+          </a:fontRef>
+        </p:style>
+        <p:txBody>
+          <a:bodyPr rtlCol="0" anchor="ctr"/>
+          <a:lstStyle/>
+          <a:p>
+            <a:r>
+              <a:rPr lang="en-US" sz="900" dirty="0" smtClean="0"/>
+              <a:t>Spent</a:t>
+            </a:r>
+            <a:r>
+              <a:rPr lang="en-US" sz="900" dirty="0"/>
+              <a:t> </a:t>
+            </a:r>
+            <a:r>
+              <a:rPr lang="en-US" sz="900" dirty="0" smtClean="0"/>
+              <a:t>            Deposited         Net</a:t>
+            </a:r>
+            <a:endParaRPr lang="en-US" sz="900" dirty="0"/>
+          </a:p>
+        </p:txBody>
+      </p:sp>
+      <p:grpSp>
+        <p:nvGrpSpPr>
+          <p:cNvPr id="21" name="Group 20"/>
+          <p:cNvGrpSpPr/>
+          <p:nvPr/>
+        </p:nvGrpSpPr>
+        <p:grpSpPr>
+          <a:xfrm>
+            <a:off x="333904" y="1219200"/>
+            <a:ext cx="1924186" cy="338554"/>
+            <a:chOff x="333904" y="1243096"/>
+            <a:chExt cx="1924186" cy="338554"/>
+          </a:xfrm>
+        </p:grpSpPr>
+        <p:sp>
+          <p:nvSpPr>
+            <p:cNvPr id="15" name="TextBox 14"/>
+            <p:cNvSpPr txBox="1"/>
+            <p:nvPr/>
+          </p:nvSpPr>
+          <p:spPr>
+            <a:xfrm>
+              <a:off x="333904" y="1243096"/>
+              <a:ext cx="1924186" cy="338554"/>
+            </a:xfrm>
+            <a:prstGeom prst="rect">
+              <a:avLst/>
+            </a:prstGeom>
+            <a:noFill/>
+          </p:spPr>
+          <p:txBody>
+            <a:bodyPr wrap="square" rtlCol="0">
+              <a:spAutoFit/>
+            </a:bodyPr>
+            <a:lstStyle/>
+            <a:p>
+              <a:r>
+                <a:rPr lang="en-US" sz="800" b="1" i="1" dirty="0" smtClean="0">
+                  <a:solidFill>
+                    <a:schemeClr val="bg1">
+                      <a:lumMod val="65000"/>
+                    </a:schemeClr>
+                  </a:solidFill>
+                </a:rPr>
+                <a:t>Feb. 2018</a:t>
+              </a:r>
+            </a:p>
+            <a:p>
+              <a:r>
+                <a:rPr lang="en-US" sz="800" dirty="0" smtClean="0"/>
+                <a:t>$150.00            $200.00                 $50.00</a:t>
+              </a:r>
+              <a:endParaRPr lang="en-US" sz="800" dirty="0"/>
+            </a:p>
+          </p:txBody>
+        </p:sp>
+        <p:cxnSp>
+          <p:nvCxnSpPr>
+            <p:cNvPr id="20" name="Straight Connector 19"/>
+            <p:cNvCxnSpPr/>
+            <p:nvPr/>
+          </p:nvCxnSpPr>
+          <p:spPr>
+            <a:xfrm>
+              <a:off x="333904" y="1559701"/>
+              <a:ext cx="1924186" cy="0"/>
+            </a:xfrm>
+            <a:prstGeom prst="line">
+              <a:avLst/>
+            </a:prstGeom>
+            <a:ln>
+              <a:solidFill>
+                <a:schemeClr val="tx1">
+                  <a:lumMod val="50000"/>
+                  <a:lumOff val="50000"/>
+                </a:schemeClr>
+              </a:solidFill>
+            </a:ln>
+          </p:spPr>
+          <p:style>
+            <a:lnRef idx="1">
+              <a:schemeClr val="accent1"/>
+            </a:lnRef>
+            <a:fillRef idx="0">
+              <a:schemeClr val="accent1"/>
+            </a:fillRef>
+            <a:effectRef idx="0">
+              <a:schemeClr val="accent1"/>
+            </a:effectRef>
+            <a:fontRef idx="minor">
+              <a:schemeClr val="tx1"/>
+            </a:fontRef>
+          </p:style>
+        </p:cxnSp>
+      </p:grpSp>
+      <p:grpSp>
+        <p:nvGrpSpPr>
+          <p:cNvPr id="111" name="Group 110"/>
+          <p:cNvGrpSpPr/>
+          <p:nvPr/>
+        </p:nvGrpSpPr>
+        <p:grpSpPr>
+          <a:xfrm>
+            <a:off x="328611" y="1518104"/>
+            <a:ext cx="1924186" cy="338554"/>
+            <a:chOff x="333904" y="1243096"/>
+            <a:chExt cx="1924186" cy="338554"/>
+          </a:xfrm>
+        </p:grpSpPr>
+        <p:sp>
+          <p:nvSpPr>
+            <p:cNvPr id="124" name="TextBox 123"/>
+            <p:cNvSpPr txBox="1"/>
+            <p:nvPr/>
+          </p:nvSpPr>
+          <p:spPr>
+            <a:xfrm>
+              <a:off x="333904" y="1243096"/>
+              <a:ext cx="1924186" cy="338554"/>
+            </a:xfrm>
+            <a:prstGeom prst="rect">
+              <a:avLst/>
+            </a:prstGeom>
+            <a:noFill/>
+          </p:spPr>
+          <p:txBody>
+            <a:bodyPr wrap="square" rtlCol="0">
+              <a:spAutoFit/>
+            </a:bodyPr>
+            <a:lstStyle/>
+            <a:p>
+              <a:r>
+                <a:rPr lang="en-US" sz="800" b="1" i="1" dirty="0" smtClean="0">
+                  <a:solidFill>
+                    <a:schemeClr val="bg1">
+                      <a:lumMod val="65000"/>
+                    </a:schemeClr>
+                  </a:solidFill>
+                </a:rPr>
+                <a:t>Jan. 2018</a:t>
+              </a:r>
+            </a:p>
+            <a:p>
+              <a:r>
+                <a:rPr lang="en-US" sz="800" dirty="0" smtClean="0"/>
+                <a:t>$150.00            $200.00                 $50.00</a:t>
+              </a:r>
+              <a:endParaRPr lang="en-US" sz="800" dirty="0"/>
+            </a:p>
+          </p:txBody>
+        </p:sp>
+        <p:cxnSp>
+          <p:nvCxnSpPr>
+            <p:cNvPr id="125" name="Straight Connector 124"/>
+            <p:cNvCxnSpPr/>
+            <p:nvPr/>
+          </p:nvCxnSpPr>
+          <p:spPr>
+            <a:xfrm>
+              <a:off x="333904" y="1559701"/>
+              <a:ext cx="1924186" cy="0"/>
+            </a:xfrm>
+            <a:prstGeom prst="line">
+              <a:avLst/>
+            </a:prstGeom>
+            <a:ln>
+              <a:solidFill>
+                <a:schemeClr val="tx1">
+                  <a:lumMod val="50000"/>
+                  <a:lumOff val="50000"/>
+                </a:schemeClr>
+              </a:solidFill>
+            </a:ln>
+          </p:spPr>
+          <p:style>
+            <a:lnRef idx="1">
+              <a:schemeClr val="accent1"/>
+            </a:lnRef>
+            <a:fillRef idx="0">
+              <a:schemeClr val="accent1"/>
+            </a:fillRef>
+            <a:effectRef idx="0">
+              <a:schemeClr val="accent1"/>
+            </a:effectRef>
+            <a:fontRef idx="minor">
+              <a:schemeClr val="tx1"/>
+            </a:fontRef>
+          </p:style>
+        </p:cxnSp>
+      </p:grpSp>
+      <p:grpSp>
+        <p:nvGrpSpPr>
+          <p:cNvPr id="126" name="Group 125"/>
+          <p:cNvGrpSpPr/>
+          <p:nvPr/>
+        </p:nvGrpSpPr>
+        <p:grpSpPr>
+          <a:xfrm>
+            <a:off x="328611" y="1810489"/>
+            <a:ext cx="1924186" cy="338554"/>
+            <a:chOff x="333904" y="1243096"/>
+            <a:chExt cx="1924186" cy="338554"/>
+          </a:xfrm>
+        </p:grpSpPr>
+        <p:sp>
+          <p:nvSpPr>
+            <p:cNvPr id="127" name="TextBox 126"/>
+            <p:cNvSpPr txBox="1"/>
+            <p:nvPr/>
+          </p:nvSpPr>
+          <p:spPr>
+            <a:xfrm>
+              <a:off x="333904" y="1243096"/>
+              <a:ext cx="1924186" cy="338554"/>
+            </a:xfrm>
+            <a:prstGeom prst="rect">
+              <a:avLst/>
+            </a:prstGeom>
+            <a:noFill/>
+          </p:spPr>
+          <p:txBody>
+            <a:bodyPr wrap="square" rtlCol="0">
+              <a:spAutoFit/>
+            </a:bodyPr>
+            <a:lstStyle/>
+            <a:p>
+              <a:r>
+                <a:rPr lang="en-US" sz="800" b="1" i="1" dirty="0" smtClean="0">
+                  <a:solidFill>
+                    <a:schemeClr val="bg1">
+                      <a:lumMod val="65000"/>
+                    </a:schemeClr>
+                  </a:solidFill>
+                </a:rPr>
+                <a:t>Dec. 2017</a:t>
+              </a:r>
+            </a:p>
+            <a:p>
+              <a:r>
+                <a:rPr lang="en-US" sz="800" dirty="0" smtClean="0"/>
+                <a:t>$150.00            $200.00                 $50.00</a:t>
+              </a:r>
+              <a:endParaRPr lang="en-US" sz="800" dirty="0"/>
+            </a:p>
+          </p:txBody>
+        </p:sp>
+        <p:cxnSp>
+          <p:nvCxnSpPr>
+            <p:cNvPr id="128" name="Straight Connector 127"/>
+            <p:cNvCxnSpPr/>
+            <p:nvPr/>
+          </p:nvCxnSpPr>
+          <p:spPr>
+            <a:xfrm>
+              <a:off x="333904" y="1559701"/>
+              <a:ext cx="1924186" cy="0"/>
+            </a:xfrm>
+            <a:prstGeom prst="line">
+              <a:avLst/>
+            </a:prstGeom>
+            <a:ln>
+              <a:solidFill>
+                <a:schemeClr val="tx1">
+                  <a:lumMod val="50000"/>
+                  <a:lumOff val="50000"/>
+                </a:schemeClr>
+              </a:solidFill>
+            </a:ln>
+          </p:spPr>
+          <p:style>
+            <a:lnRef idx="1">
+              <a:schemeClr val="accent1"/>
+            </a:lnRef>
+            <a:fillRef idx="0">
+              <a:schemeClr val="accent1"/>
+            </a:fillRef>
+            <a:effectRef idx="0">
+              <a:schemeClr val="accent1"/>
+            </a:effectRef>
+            <a:fontRef idx="minor">
+              <a:schemeClr val="tx1"/>
+            </a:fontRef>
+          </p:style>
+        </p:cxnSp>
+      </p:grpSp>
+      <p:sp>
+        <p:nvSpPr>
+          <p:cNvPr id="135" name="TextBox 134"/>
+          <p:cNvSpPr txBox="1"/>
+          <p:nvPr/>
+        </p:nvSpPr>
+        <p:spPr>
+          <a:xfrm>
+            <a:off x="3460930" y="79005"/>
+            <a:ext cx="1943339" cy="553998"/>
+          </a:xfrm>
+          <a:prstGeom prst="rect">
+            <a:avLst/>
+          </a:prstGeom>
+          <a:noFill/>
+        </p:spPr>
+        <p:txBody>
+          <a:bodyPr wrap="square" rtlCol="0">
+            <a:spAutoFit/>
+          </a:bodyPr>
+          <a:lstStyle/>
+          <a:p>
+            <a:r>
+              <a:rPr lang="en-US" dirty="0" smtClean="0">
+                <a:effectLst>
+                  <a:outerShdw blurRad="50800" dist="38100" dir="2700000" algn="tl" rotWithShape="0">
+                    <a:prstClr val="black">
+                      <a:alpha val="40000"/>
+                    </a:prstClr>
+                  </a:outerShdw>
+                </a:effectLst>
+              </a:rPr>
+              <a:t>Checking</a:t>
+            </a:r>
+            <a:endParaRPr lang="en-US" sz="1600" dirty="0" smtClean="0">
+              <a:effectLst>
+                <a:outerShdw blurRad="50800" dist="38100" dir="2700000" algn="tl" rotWithShape="0">
+                  <a:prstClr val="black">
+                    <a:alpha val="40000"/>
+                  </a:prstClr>
+                </a:outerShdw>
+              </a:effectLst>
+            </a:endParaRPr>
+          </a:p>
+          <a:p>
+            <a:r>
+              <a:rPr lang="en-US" sz="1200" dirty="0" smtClean="0">
+                <a:effectLst>
+                  <a:outerShdw blurRad="50800" dist="38100" dir="2700000" algn="tl" rotWithShape="0">
+                    <a:prstClr val="black">
+                      <a:alpha val="40000"/>
+                    </a:prstClr>
+                  </a:outerShdw>
+                </a:effectLst>
+              </a:rPr>
+              <a:t>Account</a:t>
+            </a:r>
+            <a:endParaRPr lang="en-US" dirty="0">
+              <a:effectLst>
+                <a:outerShdw blurRad="50800" dist="38100" dir="2700000" algn="tl" rotWithShape="0">
+                  <a:prstClr val="black">
+                    <a:alpha val="40000"/>
+                  </a:prstClr>
+                </a:outerShdw>
+              </a:effectLst>
+            </a:endParaRPr>
+          </a:p>
+        </p:txBody>
+      </p:sp>
+      <p:grpSp>
+        <p:nvGrpSpPr>
+          <p:cNvPr id="136" name="Group 135"/>
+          <p:cNvGrpSpPr/>
+          <p:nvPr/>
+        </p:nvGrpSpPr>
+        <p:grpSpPr>
+          <a:xfrm>
+            <a:off x="3089920" y="194655"/>
+            <a:ext cx="303283" cy="350542"/>
+            <a:chOff x="2052053" y="980009"/>
+            <a:chExt cx="169333" cy="195719"/>
+          </a:xfrm>
+          <a:solidFill>
+            <a:schemeClr val="tx1">
+              <a:lumMod val="85000"/>
+              <a:lumOff val="15000"/>
+            </a:schemeClr>
+          </a:solidFill>
+          <a:effectLst>
+            <a:outerShdw blurRad="50800" dist="38100" dir="2700000" algn="tl" rotWithShape="0">
+              <a:prstClr val="black">
+                <a:alpha val="40000"/>
+              </a:prstClr>
+            </a:outerShdw>
+          </a:effectLst>
+        </p:grpSpPr>
+        <p:sp>
+          <p:nvSpPr>
+            <p:cNvPr id="137" name="Equal 136"/>
+            <p:cNvSpPr/>
+            <p:nvPr/>
+          </p:nvSpPr>
+          <p:spPr>
+            <a:xfrm>
+              <a:off x="2052053" y="980009"/>
+              <a:ext cx="169333" cy="152400"/>
+            </a:xfrm>
+            <a:prstGeom prst="mathEqual">
+              <a:avLst>
+                <a:gd name="adj1" fmla="val 13103"/>
+                <a:gd name="adj2" fmla="val 19051"/>
+              </a:avLst>
+            </a:prstGeom>
+            <a:grpFill/>
+            <a:ln>
+              <a:noFill/>
+            </a:ln>
+          </p:spPr>
+          <p:style>
+            <a:lnRef idx="2">
+              <a:schemeClr val="accent1">
+                <a:shade val="50000"/>
+              </a:schemeClr>
+            </a:lnRef>
+            <a:fillRef idx="1">
+              <a:schemeClr val="accent1"/>
+            </a:fillRef>
+            <a:effectRef idx="0">
+              <a:schemeClr val="accent1"/>
+            </a:effectRef>
+            <a:fontRef idx="minor">
+              <a:schemeClr val="lt1"/>
+            </a:fontRef>
+          </p:style>
+          <p:txBody>
+            <a:bodyPr rtlCol="0" anchor="ctr"/>
+            <a:lstStyle/>
+            <a:p>
+              <a:pPr algn="ctr"/>
+              <a:endParaRPr lang="en-US">
+                <a:solidFill>
+                  <a:schemeClr val="tx1"/>
+                </a:solidFill>
+              </a:endParaRPr>
+            </a:p>
+          </p:txBody>
+        </p:sp>
+        <p:sp>
+          <p:nvSpPr>
+            <p:cNvPr id="138" name="Equal 137"/>
+            <p:cNvSpPr/>
+            <p:nvPr/>
+          </p:nvSpPr>
+          <p:spPr>
+            <a:xfrm>
+              <a:off x="2052053" y="1023328"/>
+              <a:ext cx="169333" cy="152400"/>
+            </a:xfrm>
+            <a:prstGeom prst="mathEqual">
+              <a:avLst>
+                <a:gd name="adj1" fmla="val 13103"/>
+                <a:gd name="adj2" fmla="val 19051"/>
+              </a:avLst>
+            </a:prstGeom>
+            <a:grpFill/>
+            <a:ln>
+              <a:noFill/>
+            </a:ln>
+          </p:spPr>
+          <p:style>
+            <a:lnRef idx="2">
+              <a:schemeClr val="accent1">
+                <a:shade val="50000"/>
+              </a:schemeClr>
+            </a:lnRef>
+            <a:fillRef idx="1">
+              <a:schemeClr val="accent1"/>
+            </a:fillRef>
+            <a:effectRef idx="0">
+              <a:schemeClr val="accent1"/>
+            </a:effectRef>
+            <a:fontRef idx="minor">
+              <a:schemeClr val="lt1"/>
+            </a:fontRef>
+          </p:style>
+          <p:txBody>
+            <a:bodyPr rtlCol="0" anchor="ctr"/>
+            <a:lstStyle/>
+            <a:p>
+              <a:pPr algn="ctr"/>
+              <a:endParaRPr lang="en-US">
+                <a:solidFill>
+                  <a:schemeClr val="tx1"/>
+                </a:solidFill>
+              </a:endParaRPr>
+            </a:p>
+          </p:txBody>
+        </p:sp>
+      </p:grpSp>
+      <p:sp>
+        <p:nvSpPr>
+          <p:cNvPr id="139" name="Rectangle 138"/>
+          <p:cNvSpPr/>
+          <p:nvPr/>
+        </p:nvSpPr>
+        <p:spPr>
+          <a:xfrm>
+            <a:off x="3064920" y="688167"/>
+            <a:ext cx="2301623" cy="287179"/>
+          </a:xfrm>
+          <a:prstGeom prst="rect">
+            <a:avLst/>
+          </a:prstGeom>
+          <a:solidFill>
+            <a:schemeClr val="bg1">
+              <a:lumMod val="65000"/>
+            </a:schemeClr>
+          </a:solidFill>
+          <a:ln w="12700">
+            <a:solidFill>
+              <a:schemeClr val="tx1">
+                <a:lumMod val="75000"/>
+                <a:lumOff val="25000"/>
+              </a:schemeClr>
+            </a:solidFill>
+          </a:ln>
+        </p:spPr>
+        <p:style>
+          <a:lnRef idx="2">
+            <a:schemeClr val="accent1">
+              <a:shade val="50000"/>
+            </a:schemeClr>
+          </a:lnRef>
+          <a:fillRef idx="1">
+            <a:schemeClr val="accent1"/>
+          </a:fillRef>
+          <a:effectRef idx="0">
+            <a:schemeClr val="accent1"/>
+          </a:effectRef>
+          <a:fontRef idx="minor">
+            <a:schemeClr val="lt1"/>
+          </a:fontRef>
+        </p:style>
+        <p:txBody>
+          <a:bodyPr rtlCol="0" anchor="ctr"/>
+          <a:lstStyle/>
+          <a:p>
+            <a:pPr algn="ctr"/>
+            <a:endParaRPr lang="en-US"/>
+          </a:p>
+        </p:txBody>
+      </p:sp>
+      <p:grpSp>
+        <p:nvGrpSpPr>
+          <p:cNvPr id="140" name="Group 139"/>
+          <p:cNvGrpSpPr/>
+          <p:nvPr/>
+        </p:nvGrpSpPr>
+        <p:grpSpPr>
+          <a:xfrm>
+            <a:off x="3064922" y="699236"/>
+            <a:ext cx="2301622" cy="261612"/>
+            <a:chOff x="2743201" y="1350388"/>
+            <a:chExt cx="2269925" cy="261612"/>
+          </a:xfrm>
+        </p:grpSpPr>
+        <p:sp>
+          <p:nvSpPr>
+            <p:cNvPr id="141" name="TextBox 140"/>
+            <p:cNvSpPr txBox="1"/>
+            <p:nvPr/>
+          </p:nvSpPr>
+          <p:spPr>
+            <a:xfrm>
+              <a:off x="2743201" y="1350390"/>
+              <a:ext cx="838200" cy="261610"/>
+            </a:xfrm>
+            <a:prstGeom prst="rect">
+              <a:avLst/>
+            </a:prstGeom>
+            <a:noFill/>
+          </p:spPr>
+          <p:txBody>
+            <a:bodyPr wrap="square" rtlCol="0">
+              <a:spAutoFit/>
+            </a:bodyPr>
+            <a:lstStyle/>
+            <a:p>
+              <a:r>
+                <a:rPr lang="en-US" sz="1100" b="1" dirty="0" smtClean="0"/>
+                <a:t>Date</a:t>
+              </a:r>
+              <a:endParaRPr lang="en-US" sz="1100" b="1" dirty="0"/>
+            </a:p>
+          </p:txBody>
+        </p:sp>
+        <p:sp>
+          <p:nvSpPr>
+            <p:cNvPr id="142" name="TextBox 141"/>
+            <p:cNvSpPr txBox="1"/>
+            <p:nvPr/>
+          </p:nvSpPr>
+          <p:spPr>
+            <a:xfrm>
+              <a:off x="3222935" y="1350390"/>
+              <a:ext cx="1738224" cy="261610"/>
+            </a:xfrm>
+            <a:prstGeom prst="rect">
+              <a:avLst/>
+            </a:prstGeom>
+            <a:noFill/>
+          </p:spPr>
+          <p:txBody>
+            <a:bodyPr wrap="square" rtlCol="0">
+              <a:spAutoFit/>
+            </a:bodyPr>
+            <a:lstStyle/>
+            <a:p>
+              <a:r>
+                <a:rPr lang="en-US" sz="1100" b="1" dirty="0" smtClean="0"/>
+                <a:t>Description</a:t>
+              </a:r>
+              <a:endParaRPr lang="en-US" sz="1100" b="1" dirty="0"/>
+            </a:p>
+          </p:txBody>
+        </p:sp>
+        <p:sp>
+          <p:nvSpPr>
+            <p:cNvPr id="143" name="TextBox 142"/>
+            <p:cNvSpPr txBox="1"/>
+            <p:nvPr/>
+          </p:nvSpPr>
+          <p:spPr>
+            <a:xfrm>
+              <a:off x="4351560" y="1350388"/>
+              <a:ext cx="661566" cy="261610"/>
+            </a:xfrm>
+            <a:prstGeom prst="rect">
+              <a:avLst/>
+            </a:prstGeom>
+            <a:noFill/>
+          </p:spPr>
+          <p:txBody>
+            <a:bodyPr wrap="square" rtlCol="0">
+              <a:spAutoFit/>
+            </a:bodyPr>
+            <a:lstStyle/>
+            <a:p>
+              <a:r>
+                <a:rPr lang="en-US" sz="1100" b="1" dirty="0" smtClean="0"/>
+                <a:t>Amount</a:t>
+              </a:r>
+              <a:endParaRPr lang="en-US" sz="1100" b="1" dirty="0"/>
+            </a:p>
+          </p:txBody>
+        </p:sp>
+      </p:grpSp>
+      <p:grpSp>
+        <p:nvGrpSpPr>
+          <p:cNvPr id="144" name="Group 143"/>
+          <p:cNvGrpSpPr/>
+          <p:nvPr/>
+        </p:nvGrpSpPr>
+        <p:grpSpPr>
+          <a:xfrm>
+            <a:off x="3064920" y="994478"/>
+            <a:ext cx="2301623" cy="419113"/>
+            <a:chOff x="2956178" y="996875"/>
+            <a:chExt cx="2301623" cy="419113"/>
+          </a:xfrm>
+        </p:grpSpPr>
+        <p:grpSp>
+          <p:nvGrpSpPr>
+            <p:cNvPr id="145" name="Group 144"/>
+            <p:cNvGrpSpPr/>
+            <p:nvPr/>
+          </p:nvGrpSpPr>
+          <p:grpSpPr>
+            <a:xfrm>
+              <a:off x="2956178" y="996875"/>
+              <a:ext cx="2270763" cy="408261"/>
+              <a:chOff x="2971800" y="1350388"/>
+              <a:chExt cx="2239491" cy="408261"/>
+            </a:xfrm>
+          </p:grpSpPr>
+          <p:sp>
+            <p:nvSpPr>
+              <p:cNvPr id="147" name="TextBox 146"/>
+              <p:cNvSpPr txBox="1"/>
+              <p:nvPr/>
+            </p:nvSpPr>
+            <p:spPr>
+              <a:xfrm>
+                <a:off x="2971800" y="1350390"/>
+                <a:ext cx="838200" cy="246221"/>
+              </a:xfrm>
+              <a:prstGeom prst="rect">
+                <a:avLst/>
+              </a:prstGeom>
+              <a:noFill/>
+            </p:spPr>
+            <p:txBody>
+              <a:bodyPr wrap="square" rtlCol="0">
+                <a:spAutoFit/>
+              </a:bodyPr>
+              <a:lstStyle/>
+              <a:p>
+                <a:r>
+                  <a:rPr lang="en-US" sz="1000" dirty="0" smtClean="0"/>
+                  <a:t>12/12</a:t>
+                </a:r>
+                <a:endParaRPr lang="en-US" sz="1000" dirty="0"/>
+              </a:p>
+            </p:txBody>
+          </p:sp>
+          <p:sp>
+            <p:nvSpPr>
+              <p:cNvPr id="148" name="TextBox 147"/>
+              <p:cNvSpPr txBox="1"/>
+              <p:nvPr/>
+            </p:nvSpPr>
+            <p:spPr>
+              <a:xfrm>
+                <a:off x="3451535" y="1350390"/>
+                <a:ext cx="1738224" cy="246221"/>
+              </a:xfrm>
+              <a:prstGeom prst="rect">
+                <a:avLst/>
+              </a:prstGeom>
+              <a:noFill/>
+            </p:spPr>
+            <p:txBody>
+              <a:bodyPr wrap="square" rtlCol="0">
+                <a:spAutoFit/>
+              </a:bodyPr>
+              <a:lstStyle/>
+              <a:p>
+                <a:r>
+                  <a:rPr lang="en-US" sz="1000" dirty="0" smtClean="0"/>
+                  <a:t>Description</a:t>
+                </a:r>
+                <a:endParaRPr lang="en-US" sz="1000" dirty="0"/>
+              </a:p>
+            </p:txBody>
+          </p:sp>
+          <p:sp>
+            <p:nvSpPr>
+              <p:cNvPr id="149" name="TextBox 148"/>
+              <p:cNvSpPr txBox="1"/>
+              <p:nvPr/>
+            </p:nvSpPr>
+            <p:spPr>
+              <a:xfrm>
+                <a:off x="3448771" y="1543205"/>
+                <a:ext cx="1066800" cy="215444"/>
+              </a:xfrm>
+              <a:prstGeom prst="rect">
+                <a:avLst/>
+              </a:prstGeom>
+              <a:noFill/>
+            </p:spPr>
+            <p:txBody>
+              <a:bodyPr wrap="square" rtlCol="0">
+                <a:spAutoFit/>
+              </a:bodyPr>
+              <a:lstStyle/>
+              <a:p>
+                <a:r>
+                  <a:rPr lang="en-US" sz="800" dirty="0" smtClean="0">
+                    <a:solidFill>
+                      <a:schemeClr val="bg1">
+                        <a:lumMod val="50000"/>
+                      </a:schemeClr>
+                    </a:solidFill>
+                  </a:rPr>
+                  <a:t>Category</a:t>
+                </a:r>
+                <a:endParaRPr lang="en-US" sz="800" dirty="0">
+                  <a:solidFill>
+                    <a:schemeClr val="bg1">
+                      <a:lumMod val="50000"/>
+                    </a:schemeClr>
+                  </a:solidFill>
+                </a:endParaRPr>
+              </a:p>
+            </p:txBody>
+          </p:sp>
+          <p:sp>
+            <p:nvSpPr>
+              <p:cNvPr id="150" name="TextBox 149"/>
+              <p:cNvSpPr txBox="1"/>
+              <p:nvPr/>
+            </p:nvSpPr>
+            <p:spPr>
+              <a:xfrm>
+                <a:off x="4444071" y="1350388"/>
+                <a:ext cx="762000" cy="246221"/>
+              </a:xfrm>
+              <a:prstGeom prst="rect">
+                <a:avLst/>
+              </a:prstGeom>
+              <a:noFill/>
+            </p:spPr>
+            <p:txBody>
+              <a:bodyPr wrap="square" rtlCol="0">
+                <a:spAutoFit/>
+              </a:bodyPr>
+              <a:lstStyle/>
+              <a:p>
+                <a:pPr algn="r"/>
+                <a:r>
+                  <a:rPr lang="en-US" sz="1000" dirty="0" smtClean="0"/>
+                  <a:t>$150.00</a:t>
+                </a:r>
+                <a:endParaRPr lang="en-US" sz="1000" dirty="0"/>
+              </a:p>
+            </p:txBody>
+          </p:sp>
+          <p:sp>
+            <p:nvSpPr>
+              <p:cNvPr id="151" name="TextBox 150"/>
+              <p:cNvSpPr txBox="1"/>
+              <p:nvPr/>
+            </p:nvSpPr>
+            <p:spPr>
+              <a:xfrm>
+                <a:off x="4449291" y="1543205"/>
+                <a:ext cx="762000" cy="215444"/>
+              </a:xfrm>
+              <a:prstGeom prst="rect">
+                <a:avLst/>
+              </a:prstGeom>
+              <a:noFill/>
+            </p:spPr>
+            <p:txBody>
+              <a:bodyPr wrap="square" rtlCol="0">
+                <a:spAutoFit/>
+              </a:bodyPr>
+              <a:lstStyle/>
+              <a:p>
+                <a:pPr algn="r"/>
+                <a:r>
+                  <a:rPr lang="en-US" sz="800" dirty="0" smtClean="0">
+                    <a:solidFill>
+                      <a:schemeClr val="bg1">
+                        <a:lumMod val="50000"/>
+                      </a:schemeClr>
+                    </a:solidFill>
+                  </a:rPr>
+                  <a:t>$99999.99</a:t>
+                </a:r>
+                <a:endParaRPr lang="en-US" sz="800" dirty="0">
+                  <a:solidFill>
+                    <a:schemeClr val="bg1">
+                      <a:lumMod val="50000"/>
+                    </a:schemeClr>
+                  </a:solidFill>
+                </a:endParaRPr>
+              </a:p>
+            </p:txBody>
+          </p:sp>
+        </p:grpSp>
+        <p:cxnSp>
+          <p:nvCxnSpPr>
+            <p:cNvPr id="146" name="Straight Connector 145"/>
+            <p:cNvCxnSpPr/>
+            <p:nvPr/>
+          </p:nvCxnSpPr>
+          <p:spPr>
+            <a:xfrm>
+              <a:off x="2956178" y="1415988"/>
+              <a:ext cx="2301623" cy="0"/>
+            </a:xfrm>
+            <a:prstGeom prst="line">
+              <a:avLst/>
+            </a:prstGeom>
+            <a:ln w="12700">
+              <a:solidFill>
+                <a:schemeClr val="bg1">
+                  <a:lumMod val="75000"/>
+                </a:schemeClr>
+              </a:solidFill>
+            </a:ln>
+          </p:spPr>
+          <p:style>
+            <a:lnRef idx="1">
+              <a:schemeClr val="accent1"/>
+            </a:lnRef>
+            <a:fillRef idx="0">
+              <a:schemeClr val="accent1"/>
+            </a:fillRef>
+            <a:effectRef idx="0">
+              <a:schemeClr val="accent1"/>
+            </a:effectRef>
+            <a:fontRef idx="minor">
+              <a:schemeClr val="tx1"/>
+            </a:fontRef>
+          </p:style>
+        </p:cxnSp>
+      </p:grpSp>
+      <p:sp>
+        <p:nvSpPr>
+          <p:cNvPr id="152" name="Rectangle 151"/>
+          <p:cNvSpPr/>
+          <p:nvPr/>
+        </p:nvSpPr>
+        <p:spPr>
+          <a:xfrm>
+            <a:off x="3064921" y="688167"/>
+            <a:ext cx="2301622" cy="3500436"/>
+          </a:xfrm>
+          <a:prstGeom prst="rect">
+            <a:avLst/>
+          </a:prstGeom>
+          <a:noFill/>
+          <a:ln w="12700">
+            <a:solidFill>
+              <a:schemeClr val="tx1">
+                <a:lumMod val="75000"/>
+                <a:lumOff val="25000"/>
+              </a:schemeClr>
+            </a:solidFill>
+          </a:ln>
+        </p:spPr>
+        <p:style>
+          <a:lnRef idx="2">
+            <a:schemeClr val="accent1">
+              <a:shade val="50000"/>
+            </a:schemeClr>
+          </a:lnRef>
+          <a:fillRef idx="1">
+            <a:schemeClr val="accent1"/>
+          </a:fillRef>
+          <a:effectRef idx="0">
+            <a:schemeClr val="accent1"/>
+          </a:effectRef>
+          <a:fontRef idx="minor">
+            <a:schemeClr val="lt1"/>
+          </a:fontRef>
+        </p:style>
+        <p:txBody>
+          <a:bodyPr rtlCol="0" anchor="ctr"/>
+          <a:lstStyle/>
+          <a:p>
+            <a:pPr algn="ctr"/>
+            <a:endParaRPr lang="en-US"/>
+          </a:p>
+        </p:txBody>
+      </p:sp>
+      <p:grpSp>
+        <p:nvGrpSpPr>
+          <p:cNvPr id="153" name="Group 152"/>
+          <p:cNvGrpSpPr/>
+          <p:nvPr/>
+        </p:nvGrpSpPr>
+        <p:grpSpPr>
+          <a:xfrm>
+            <a:off x="3064920" y="1434194"/>
+            <a:ext cx="2301623" cy="419113"/>
+            <a:chOff x="2956178" y="996875"/>
+            <a:chExt cx="2301623" cy="419113"/>
+          </a:xfrm>
+        </p:grpSpPr>
+        <p:grpSp>
+          <p:nvGrpSpPr>
+            <p:cNvPr id="154" name="Group 153"/>
+            <p:cNvGrpSpPr/>
+            <p:nvPr/>
+          </p:nvGrpSpPr>
+          <p:grpSpPr>
+            <a:xfrm>
+              <a:off x="2956178" y="996875"/>
+              <a:ext cx="2270763" cy="408261"/>
+              <a:chOff x="2971800" y="1350388"/>
+              <a:chExt cx="2239491" cy="408261"/>
+            </a:xfrm>
+          </p:grpSpPr>
+          <p:sp>
+            <p:nvSpPr>
+              <p:cNvPr id="156" name="TextBox 155"/>
+              <p:cNvSpPr txBox="1"/>
+              <p:nvPr/>
+            </p:nvSpPr>
+            <p:spPr>
+              <a:xfrm>
+                <a:off x="2971800" y="1350390"/>
+                <a:ext cx="838200" cy="246221"/>
+              </a:xfrm>
+              <a:prstGeom prst="rect">
+                <a:avLst/>
+              </a:prstGeom>
+              <a:noFill/>
+            </p:spPr>
+            <p:txBody>
+              <a:bodyPr wrap="square" rtlCol="0">
+                <a:spAutoFit/>
+              </a:bodyPr>
+              <a:lstStyle/>
+              <a:p>
+                <a:r>
+                  <a:rPr lang="en-US" sz="1000" dirty="0" smtClean="0"/>
+                  <a:t>12/12</a:t>
+                </a:r>
+                <a:endParaRPr lang="en-US" sz="1000" dirty="0"/>
+              </a:p>
+            </p:txBody>
+          </p:sp>
+          <p:sp>
+            <p:nvSpPr>
+              <p:cNvPr id="157" name="TextBox 156"/>
+              <p:cNvSpPr txBox="1"/>
+              <p:nvPr/>
+            </p:nvSpPr>
+            <p:spPr>
+              <a:xfrm>
+                <a:off x="3451535" y="1350390"/>
+                <a:ext cx="1738224" cy="246221"/>
+              </a:xfrm>
+              <a:prstGeom prst="rect">
+                <a:avLst/>
+              </a:prstGeom>
+              <a:noFill/>
+            </p:spPr>
+            <p:txBody>
+              <a:bodyPr wrap="square" rtlCol="0">
+                <a:spAutoFit/>
+              </a:bodyPr>
+              <a:lstStyle/>
+              <a:p>
+                <a:r>
+                  <a:rPr lang="en-US" sz="1000" dirty="0" smtClean="0"/>
+                  <a:t>Description</a:t>
+                </a:r>
+                <a:endParaRPr lang="en-US" sz="1000" dirty="0"/>
+              </a:p>
+            </p:txBody>
+          </p:sp>
+          <p:sp>
+            <p:nvSpPr>
+              <p:cNvPr id="158" name="TextBox 157"/>
+              <p:cNvSpPr txBox="1"/>
+              <p:nvPr/>
+            </p:nvSpPr>
+            <p:spPr>
+              <a:xfrm>
+                <a:off x="3448771" y="1543205"/>
+                <a:ext cx="1066800" cy="215444"/>
+              </a:xfrm>
+              <a:prstGeom prst="rect">
+                <a:avLst/>
+              </a:prstGeom>
+              <a:noFill/>
+            </p:spPr>
+            <p:txBody>
+              <a:bodyPr wrap="square" rtlCol="0">
+                <a:spAutoFit/>
+              </a:bodyPr>
+              <a:lstStyle/>
+              <a:p>
+                <a:r>
+                  <a:rPr lang="en-US" sz="800" dirty="0" smtClean="0">
+                    <a:solidFill>
+                      <a:schemeClr val="bg1">
+                        <a:lumMod val="50000"/>
+                      </a:schemeClr>
+                    </a:solidFill>
+                  </a:rPr>
+                  <a:t>Category</a:t>
+                </a:r>
+                <a:endParaRPr lang="en-US" sz="800" dirty="0">
+                  <a:solidFill>
+                    <a:schemeClr val="bg1">
+                      <a:lumMod val="50000"/>
+                    </a:schemeClr>
+                  </a:solidFill>
+                </a:endParaRPr>
+              </a:p>
+            </p:txBody>
+          </p:sp>
+          <p:sp>
+            <p:nvSpPr>
+              <p:cNvPr id="159" name="TextBox 158"/>
+              <p:cNvSpPr txBox="1"/>
+              <p:nvPr/>
+            </p:nvSpPr>
+            <p:spPr>
+              <a:xfrm>
+                <a:off x="4444071" y="1350388"/>
+                <a:ext cx="762000" cy="246221"/>
+              </a:xfrm>
+              <a:prstGeom prst="rect">
+                <a:avLst/>
+              </a:prstGeom>
+              <a:noFill/>
+            </p:spPr>
+            <p:txBody>
+              <a:bodyPr wrap="square" rtlCol="0">
+                <a:spAutoFit/>
+              </a:bodyPr>
+              <a:lstStyle/>
+              <a:p>
+                <a:pPr algn="r"/>
+                <a:r>
+                  <a:rPr lang="en-US" sz="1000" dirty="0" smtClean="0"/>
+                  <a:t>$150.00</a:t>
+                </a:r>
+                <a:endParaRPr lang="en-US" sz="1000" dirty="0"/>
+              </a:p>
+            </p:txBody>
+          </p:sp>
+          <p:sp>
+            <p:nvSpPr>
+              <p:cNvPr id="160" name="TextBox 159"/>
+              <p:cNvSpPr txBox="1"/>
+              <p:nvPr/>
+            </p:nvSpPr>
+            <p:spPr>
+              <a:xfrm>
+                <a:off x="4449291" y="1543205"/>
+                <a:ext cx="762000" cy="215444"/>
+              </a:xfrm>
+              <a:prstGeom prst="rect">
+                <a:avLst/>
+              </a:prstGeom>
+              <a:noFill/>
+            </p:spPr>
+            <p:txBody>
+              <a:bodyPr wrap="square" rtlCol="0">
+                <a:spAutoFit/>
+              </a:bodyPr>
+              <a:lstStyle/>
+              <a:p>
+                <a:pPr algn="r"/>
+                <a:r>
+                  <a:rPr lang="en-US" sz="800" dirty="0" smtClean="0">
+                    <a:solidFill>
+                      <a:schemeClr val="bg1">
+                        <a:lumMod val="50000"/>
+                      </a:schemeClr>
+                    </a:solidFill>
+                  </a:rPr>
+                  <a:t>$99999.99</a:t>
+                </a:r>
+                <a:endParaRPr lang="en-US" sz="800" dirty="0">
+                  <a:solidFill>
+                    <a:schemeClr val="bg1">
+                      <a:lumMod val="50000"/>
+                    </a:schemeClr>
+                  </a:solidFill>
+                </a:endParaRPr>
+              </a:p>
+            </p:txBody>
+          </p:sp>
+        </p:grpSp>
+        <p:cxnSp>
+          <p:nvCxnSpPr>
+            <p:cNvPr id="155" name="Straight Connector 154"/>
+            <p:cNvCxnSpPr/>
+            <p:nvPr/>
+          </p:nvCxnSpPr>
+          <p:spPr>
+            <a:xfrm>
+              <a:off x="2956178" y="1415988"/>
+              <a:ext cx="2301623" cy="0"/>
+            </a:xfrm>
+            <a:prstGeom prst="line">
+              <a:avLst/>
+            </a:prstGeom>
+            <a:ln w="12700">
+              <a:solidFill>
+                <a:schemeClr val="bg1">
+                  <a:lumMod val="75000"/>
+                </a:schemeClr>
+              </a:solidFill>
+            </a:ln>
+          </p:spPr>
+          <p:style>
+            <a:lnRef idx="1">
+              <a:schemeClr val="accent1"/>
+            </a:lnRef>
+            <a:fillRef idx="0">
+              <a:schemeClr val="accent1"/>
+            </a:fillRef>
+            <a:effectRef idx="0">
+              <a:schemeClr val="accent1"/>
+            </a:effectRef>
+            <a:fontRef idx="minor">
+              <a:schemeClr val="tx1"/>
+            </a:fontRef>
+          </p:style>
+        </p:cxnSp>
+      </p:grpSp>
+      <p:grpSp>
+        <p:nvGrpSpPr>
+          <p:cNvPr id="193" name="Group 192"/>
+          <p:cNvGrpSpPr/>
+          <p:nvPr/>
+        </p:nvGrpSpPr>
+        <p:grpSpPr>
+          <a:xfrm>
+            <a:off x="3064919" y="1873910"/>
+            <a:ext cx="2301623" cy="419113"/>
+            <a:chOff x="2956178" y="996875"/>
+            <a:chExt cx="2301623" cy="419113"/>
+          </a:xfrm>
+        </p:grpSpPr>
+        <p:grpSp>
+          <p:nvGrpSpPr>
+            <p:cNvPr id="194" name="Group 193"/>
+            <p:cNvGrpSpPr/>
+            <p:nvPr/>
+          </p:nvGrpSpPr>
+          <p:grpSpPr>
+            <a:xfrm>
+              <a:off x="2956178" y="996875"/>
+              <a:ext cx="2270763" cy="408261"/>
+              <a:chOff x="2971800" y="1350388"/>
+              <a:chExt cx="2239491" cy="408261"/>
+            </a:xfrm>
+          </p:grpSpPr>
+          <p:sp>
+            <p:nvSpPr>
+              <p:cNvPr id="196" name="TextBox 195"/>
+              <p:cNvSpPr txBox="1"/>
+              <p:nvPr/>
+            </p:nvSpPr>
+            <p:spPr>
+              <a:xfrm>
+                <a:off x="2971800" y="1350390"/>
+                <a:ext cx="838200" cy="246221"/>
+              </a:xfrm>
+              <a:prstGeom prst="rect">
+                <a:avLst/>
+              </a:prstGeom>
+              <a:noFill/>
+            </p:spPr>
+            <p:txBody>
+              <a:bodyPr wrap="square" rtlCol="0">
+                <a:spAutoFit/>
+              </a:bodyPr>
+              <a:lstStyle/>
+              <a:p>
+                <a:r>
+                  <a:rPr lang="en-US" sz="1000" dirty="0" smtClean="0"/>
+                  <a:t>12/12</a:t>
+                </a:r>
+                <a:endParaRPr lang="en-US" sz="1000" dirty="0"/>
+              </a:p>
+            </p:txBody>
+          </p:sp>
+          <p:sp>
+            <p:nvSpPr>
+              <p:cNvPr id="197" name="TextBox 196"/>
+              <p:cNvSpPr txBox="1"/>
+              <p:nvPr/>
+            </p:nvSpPr>
+            <p:spPr>
+              <a:xfrm>
+                <a:off x="3451535" y="1350390"/>
+                <a:ext cx="1738224" cy="246221"/>
+              </a:xfrm>
+              <a:prstGeom prst="rect">
+                <a:avLst/>
+              </a:prstGeom>
+              <a:noFill/>
+            </p:spPr>
+            <p:txBody>
+              <a:bodyPr wrap="square" rtlCol="0">
+                <a:spAutoFit/>
+              </a:bodyPr>
+              <a:lstStyle/>
+              <a:p>
+                <a:r>
+                  <a:rPr lang="en-US" sz="1000" dirty="0" smtClean="0"/>
+                  <a:t>Description</a:t>
+                </a:r>
+                <a:endParaRPr lang="en-US" sz="1000" dirty="0"/>
+              </a:p>
+            </p:txBody>
+          </p:sp>
+          <p:sp>
+            <p:nvSpPr>
+              <p:cNvPr id="198" name="TextBox 197"/>
+              <p:cNvSpPr txBox="1"/>
+              <p:nvPr/>
+            </p:nvSpPr>
+            <p:spPr>
+              <a:xfrm>
+                <a:off x="3448771" y="1543205"/>
+                <a:ext cx="1066800" cy="215444"/>
+              </a:xfrm>
+              <a:prstGeom prst="rect">
+                <a:avLst/>
+              </a:prstGeom>
+              <a:noFill/>
+            </p:spPr>
+            <p:txBody>
+              <a:bodyPr wrap="square" rtlCol="0">
+                <a:spAutoFit/>
+              </a:bodyPr>
+              <a:lstStyle/>
+              <a:p>
+                <a:r>
+                  <a:rPr lang="en-US" sz="800" dirty="0" smtClean="0">
+                    <a:solidFill>
+                      <a:schemeClr val="bg1">
+                        <a:lumMod val="50000"/>
+                      </a:schemeClr>
+                    </a:solidFill>
+                  </a:rPr>
+                  <a:t>Category</a:t>
+                </a:r>
+                <a:endParaRPr lang="en-US" sz="800" dirty="0">
+                  <a:solidFill>
+                    <a:schemeClr val="bg1">
+                      <a:lumMod val="50000"/>
+                    </a:schemeClr>
+                  </a:solidFill>
+                </a:endParaRPr>
+              </a:p>
+            </p:txBody>
+          </p:sp>
+          <p:sp>
+            <p:nvSpPr>
+              <p:cNvPr id="199" name="TextBox 198"/>
+              <p:cNvSpPr txBox="1"/>
+              <p:nvPr/>
+            </p:nvSpPr>
+            <p:spPr>
+              <a:xfrm>
+                <a:off x="4444071" y="1350388"/>
+                <a:ext cx="762000" cy="246221"/>
+              </a:xfrm>
+              <a:prstGeom prst="rect">
+                <a:avLst/>
+              </a:prstGeom>
+              <a:noFill/>
+            </p:spPr>
+            <p:txBody>
+              <a:bodyPr wrap="square" rtlCol="0">
+                <a:spAutoFit/>
+              </a:bodyPr>
+              <a:lstStyle/>
+              <a:p>
+                <a:pPr algn="r"/>
+                <a:r>
+                  <a:rPr lang="en-US" sz="1000" dirty="0" smtClean="0"/>
+                  <a:t>$150.00</a:t>
+                </a:r>
+                <a:endParaRPr lang="en-US" sz="1000" dirty="0"/>
+              </a:p>
+            </p:txBody>
+          </p:sp>
+          <p:sp>
+            <p:nvSpPr>
+              <p:cNvPr id="200" name="TextBox 199"/>
+              <p:cNvSpPr txBox="1"/>
+              <p:nvPr/>
+            </p:nvSpPr>
+            <p:spPr>
+              <a:xfrm>
+                <a:off x="4449291" y="1543205"/>
+                <a:ext cx="762000" cy="215444"/>
+              </a:xfrm>
+              <a:prstGeom prst="rect">
+                <a:avLst/>
+              </a:prstGeom>
+              <a:noFill/>
+            </p:spPr>
+            <p:txBody>
+              <a:bodyPr wrap="square" rtlCol="0">
+                <a:spAutoFit/>
+              </a:bodyPr>
+              <a:lstStyle/>
+              <a:p>
+                <a:pPr algn="r"/>
+                <a:r>
+                  <a:rPr lang="en-US" sz="800" dirty="0" smtClean="0">
+                    <a:solidFill>
+                      <a:schemeClr val="bg1">
+                        <a:lumMod val="50000"/>
+                      </a:schemeClr>
+                    </a:solidFill>
+                  </a:rPr>
+                  <a:t>$99999.99</a:t>
+                </a:r>
+                <a:endParaRPr lang="en-US" sz="800" dirty="0">
+                  <a:solidFill>
+                    <a:schemeClr val="bg1">
+                      <a:lumMod val="50000"/>
+                    </a:schemeClr>
+                  </a:solidFill>
+                </a:endParaRPr>
+              </a:p>
+            </p:txBody>
+          </p:sp>
+        </p:grpSp>
+        <p:cxnSp>
+          <p:nvCxnSpPr>
+            <p:cNvPr id="195" name="Straight Connector 194"/>
+            <p:cNvCxnSpPr/>
+            <p:nvPr/>
+          </p:nvCxnSpPr>
+          <p:spPr>
+            <a:xfrm>
+              <a:off x="2956178" y="1415988"/>
+              <a:ext cx="2301623" cy="0"/>
+            </a:xfrm>
+            <a:prstGeom prst="line">
+              <a:avLst/>
+            </a:prstGeom>
+            <a:ln w="12700">
+              <a:solidFill>
+                <a:schemeClr val="bg1">
+                  <a:lumMod val="75000"/>
+                </a:schemeClr>
+              </a:solidFill>
+            </a:ln>
+          </p:spPr>
+          <p:style>
+            <a:lnRef idx="1">
+              <a:schemeClr val="accent1"/>
+            </a:lnRef>
+            <a:fillRef idx="0">
+              <a:schemeClr val="accent1"/>
+            </a:fillRef>
+            <a:effectRef idx="0">
+              <a:schemeClr val="accent1"/>
+            </a:effectRef>
+            <a:fontRef idx="minor">
+              <a:schemeClr val="tx1"/>
+            </a:fontRef>
+          </p:style>
+        </p:cxnSp>
+      </p:grpSp>
+      <p:grpSp>
+        <p:nvGrpSpPr>
+          <p:cNvPr id="201" name="Group 200"/>
+          <p:cNvGrpSpPr/>
+          <p:nvPr/>
+        </p:nvGrpSpPr>
+        <p:grpSpPr>
+          <a:xfrm>
+            <a:off x="3064919" y="2291030"/>
+            <a:ext cx="2301623" cy="419113"/>
+            <a:chOff x="2956178" y="996875"/>
+            <a:chExt cx="2301623" cy="419113"/>
+          </a:xfrm>
+        </p:grpSpPr>
+        <p:grpSp>
+          <p:nvGrpSpPr>
+            <p:cNvPr id="202" name="Group 201"/>
+            <p:cNvGrpSpPr/>
+            <p:nvPr/>
+          </p:nvGrpSpPr>
+          <p:grpSpPr>
+            <a:xfrm>
+              <a:off x="2956178" y="996875"/>
+              <a:ext cx="2270763" cy="408261"/>
+              <a:chOff x="2971800" y="1350388"/>
+              <a:chExt cx="2239491" cy="408261"/>
+            </a:xfrm>
+          </p:grpSpPr>
+          <p:sp>
+            <p:nvSpPr>
+              <p:cNvPr id="204" name="TextBox 203"/>
+              <p:cNvSpPr txBox="1"/>
+              <p:nvPr/>
+            </p:nvSpPr>
+            <p:spPr>
+              <a:xfrm>
+                <a:off x="2971800" y="1350390"/>
+                <a:ext cx="838200" cy="246221"/>
+              </a:xfrm>
+              <a:prstGeom prst="rect">
+                <a:avLst/>
+              </a:prstGeom>
+              <a:noFill/>
+            </p:spPr>
+            <p:txBody>
+              <a:bodyPr wrap="square" rtlCol="0">
+                <a:spAutoFit/>
+              </a:bodyPr>
+              <a:lstStyle/>
+              <a:p>
+                <a:r>
+                  <a:rPr lang="en-US" sz="1000" dirty="0" smtClean="0"/>
+                  <a:t>12/12</a:t>
+                </a:r>
+                <a:endParaRPr lang="en-US" sz="1000" dirty="0"/>
+              </a:p>
+            </p:txBody>
+          </p:sp>
+          <p:sp>
+            <p:nvSpPr>
+              <p:cNvPr id="205" name="TextBox 204"/>
+              <p:cNvSpPr txBox="1"/>
+              <p:nvPr/>
+            </p:nvSpPr>
+            <p:spPr>
+              <a:xfrm>
+                <a:off x="3451535" y="1350390"/>
+                <a:ext cx="1738224" cy="246221"/>
+              </a:xfrm>
+              <a:prstGeom prst="rect">
+                <a:avLst/>
+              </a:prstGeom>
+              <a:noFill/>
+            </p:spPr>
+            <p:txBody>
+              <a:bodyPr wrap="square" rtlCol="0">
+                <a:spAutoFit/>
+              </a:bodyPr>
+              <a:lstStyle/>
+              <a:p>
+                <a:r>
+                  <a:rPr lang="en-US" sz="1000" dirty="0" smtClean="0"/>
+                  <a:t>Description</a:t>
+                </a:r>
+                <a:endParaRPr lang="en-US" sz="1000" dirty="0"/>
+              </a:p>
+            </p:txBody>
+          </p:sp>
+          <p:sp>
+            <p:nvSpPr>
+              <p:cNvPr id="206" name="TextBox 205"/>
+              <p:cNvSpPr txBox="1"/>
+              <p:nvPr/>
+            </p:nvSpPr>
+            <p:spPr>
+              <a:xfrm>
+                <a:off x="3448771" y="1543205"/>
+                <a:ext cx="1066800" cy="215444"/>
+              </a:xfrm>
+              <a:prstGeom prst="rect">
+                <a:avLst/>
+              </a:prstGeom>
+              <a:noFill/>
+            </p:spPr>
+            <p:txBody>
+              <a:bodyPr wrap="square" rtlCol="0">
+                <a:spAutoFit/>
+              </a:bodyPr>
+              <a:lstStyle/>
+              <a:p>
+                <a:r>
+                  <a:rPr lang="en-US" sz="800" dirty="0" smtClean="0">
+                    <a:solidFill>
+                      <a:schemeClr val="bg1">
+                        <a:lumMod val="50000"/>
+                      </a:schemeClr>
+                    </a:solidFill>
+                  </a:rPr>
+                  <a:t>Category</a:t>
+                </a:r>
+                <a:endParaRPr lang="en-US" sz="800" dirty="0">
+                  <a:solidFill>
+                    <a:schemeClr val="bg1">
+                      <a:lumMod val="50000"/>
+                    </a:schemeClr>
+                  </a:solidFill>
+                </a:endParaRPr>
+              </a:p>
+            </p:txBody>
+          </p:sp>
+          <p:sp>
+            <p:nvSpPr>
+              <p:cNvPr id="207" name="TextBox 206"/>
+              <p:cNvSpPr txBox="1"/>
+              <p:nvPr/>
+            </p:nvSpPr>
+            <p:spPr>
+              <a:xfrm>
+                <a:off x="4444071" y="1350388"/>
+                <a:ext cx="762000" cy="246221"/>
+              </a:xfrm>
+              <a:prstGeom prst="rect">
+                <a:avLst/>
+              </a:prstGeom>
+              <a:noFill/>
+            </p:spPr>
+            <p:txBody>
+              <a:bodyPr wrap="square" rtlCol="0">
+                <a:spAutoFit/>
+              </a:bodyPr>
+              <a:lstStyle/>
+              <a:p>
+                <a:pPr algn="r"/>
+                <a:r>
+                  <a:rPr lang="en-US" sz="1000" dirty="0" smtClean="0"/>
+                  <a:t>$150.00</a:t>
+                </a:r>
+                <a:endParaRPr lang="en-US" sz="1000" dirty="0"/>
+              </a:p>
+            </p:txBody>
+          </p:sp>
+          <p:sp>
+            <p:nvSpPr>
+              <p:cNvPr id="208" name="TextBox 207"/>
+              <p:cNvSpPr txBox="1"/>
+              <p:nvPr/>
+            </p:nvSpPr>
+            <p:spPr>
+              <a:xfrm>
+                <a:off x="4449291" y="1543205"/>
+                <a:ext cx="762000" cy="215444"/>
+              </a:xfrm>
+              <a:prstGeom prst="rect">
+                <a:avLst/>
+              </a:prstGeom>
+              <a:noFill/>
+            </p:spPr>
+            <p:txBody>
+              <a:bodyPr wrap="square" rtlCol="0">
+                <a:spAutoFit/>
+              </a:bodyPr>
+              <a:lstStyle/>
+              <a:p>
+                <a:pPr algn="r"/>
+                <a:r>
+                  <a:rPr lang="en-US" sz="800" dirty="0" smtClean="0">
+                    <a:solidFill>
+                      <a:schemeClr val="bg1">
+                        <a:lumMod val="50000"/>
+                      </a:schemeClr>
+                    </a:solidFill>
+                  </a:rPr>
+                  <a:t>$99999.99</a:t>
+                </a:r>
+                <a:endParaRPr lang="en-US" sz="800" dirty="0">
+                  <a:solidFill>
+                    <a:schemeClr val="bg1">
+                      <a:lumMod val="50000"/>
+                    </a:schemeClr>
+                  </a:solidFill>
+                </a:endParaRPr>
+              </a:p>
+            </p:txBody>
+          </p:sp>
+        </p:grpSp>
+        <p:cxnSp>
+          <p:nvCxnSpPr>
+            <p:cNvPr id="203" name="Straight Connector 202"/>
+            <p:cNvCxnSpPr/>
+            <p:nvPr/>
+          </p:nvCxnSpPr>
+          <p:spPr>
+            <a:xfrm>
+              <a:off x="2956178" y="1415988"/>
+              <a:ext cx="2301623" cy="0"/>
+            </a:xfrm>
+            <a:prstGeom prst="line">
+              <a:avLst/>
+            </a:prstGeom>
+            <a:ln w="12700">
+              <a:solidFill>
+                <a:schemeClr val="bg1">
+                  <a:lumMod val="75000"/>
+                </a:schemeClr>
+              </a:solidFill>
+            </a:ln>
+          </p:spPr>
+          <p:style>
+            <a:lnRef idx="1">
+              <a:schemeClr val="accent1"/>
+            </a:lnRef>
+            <a:fillRef idx="0">
+              <a:schemeClr val="accent1"/>
+            </a:fillRef>
+            <a:effectRef idx="0">
+              <a:schemeClr val="accent1"/>
+            </a:effectRef>
+            <a:fontRef idx="minor">
+              <a:schemeClr val="tx1"/>
+            </a:fontRef>
+          </p:style>
+        </p:cxnSp>
+      </p:grpSp>
+      <p:grpSp>
+        <p:nvGrpSpPr>
+          <p:cNvPr id="209" name="Group 208"/>
+          <p:cNvGrpSpPr/>
+          <p:nvPr/>
+        </p:nvGrpSpPr>
+        <p:grpSpPr>
+          <a:xfrm>
+            <a:off x="3064918" y="2730746"/>
+            <a:ext cx="2301623" cy="419113"/>
+            <a:chOff x="2956178" y="996875"/>
+            <a:chExt cx="2301623" cy="419113"/>
+          </a:xfrm>
+        </p:grpSpPr>
+        <p:grpSp>
+          <p:nvGrpSpPr>
+            <p:cNvPr id="210" name="Group 209"/>
+            <p:cNvGrpSpPr/>
+            <p:nvPr/>
+          </p:nvGrpSpPr>
+          <p:grpSpPr>
+            <a:xfrm>
+              <a:off x="2956178" y="996875"/>
+              <a:ext cx="2270763" cy="408261"/>
+              <a:chOff x="2971800" y="1350388"/>
+              <a:chExt cx="2239491" cy="408261"/>
+            </a:xfrm>
+          </p:grpSpPr>
+          <p:sp>
+            <p:nvSpPr>
+              <p:cNvPr id="212" name="TextBox 211"/>
+              <p:cNvSpPr txBox="1"/>
+              <p:nvPr/>
+            </p:nvSpPr>
+            <p:spPr>
+              <a:xfrm>
+                <a:off x="2971800" y="1350390"/>
+                <a:ext cx="838200" cy="246221"/>
+              </a:xfrm>
+              <a:prstGeom prst="rect">
+                <a:avLst/>
+              </a:prstGeom>
+              <a:noFill/>
+            </p:spPr>
+            <p:txBody>
+              <a:bodyPr wrap="square" rtlCol="0">
+                <a:spAutoFit/>
+              </a:bodyPr>
+              <a:lstStyle/>
+              <a:p>
+                <a:r>
+                  <a:rPr lang="en-US" sz="1000" dirty="0" smtClean="0"/>
+                  <a:t>12/12</a:t>
+                </a:r>
+                <a:endParaRPr lang="en-US" sz="1000" dirty="0"/>
+              </a:p>
+            </p:txBody>
+          </p:sp>
+          <p:sp>
+            <p:nvSpPr>
+              <p:cNvPr id="213" name="TextBox 212"/>
+              <p:cNvSpPr txBox="1"/>
+              <p:nvPr/>
+            </p:nvSpPr>
+            <p:spPr>
+              <a:xfrm>
+                <a:off x="3451535" y="1350390"/>
+                <a:ext cx="1738224" cy="246221"/>
+              </a:xfrm>
+              <a:prstGeom prst="rect">
+                <a:avLst/>
+              </a:prstGeom>
+              <a:noFill/>
+            </p:spPr>
+            <p:txBody>
+              <a:bodyPr wrap="square" rtlCol="0">
+                <a:spAutoFit/>
+              </a:bodyPr>
+              <a:lstStyle/>
+              <a:p>
+                <a:r>
+                  <a:rPr lang="en-US" sz="1000" dirty="0" smtClean="0"/>
+                  <a:t>Description</a:t>
+                </a:r>
+                <a:endParaRPr lang="en-US" sz="1000" dirty="0"/>
+              </a:p>
+            </p:txBody>
+          </p:sp>
+          <p:sp>
+            <p:nvSpPr>
+              <p:cNvPr id="214" name="TextBox 213"/>
+              <p:cNvSpPr txBox="1"/>
+              <p:nvPr/>
+            </p:nvSpPr>
+            <p:spPr>
+              <a:xfrm>
+                <a:off x="3448771" y="1543205"/>
+                <a:ext cx="1066800" cy="215444"/>
+              </a:xfrm>
+              <a:prstGeom prst="rect">
+                <a:avLst/>
+              </a:prstGeom>
+              <a:noFill/>
+            </p:spPr>
+            <p:txBody>
+              <a:bodyPr wrap="square" rtlCol="0">
+                <a:spAutoFit/>
+              </a:bodyPr>
+              <a:lstStyle/>
+              <a:p>
+                <a:r>
+                  <a:rPr lang="en-US" sz="800" dirty="0" smtClean="0">
+                    <a:solidFill>
+                      <a:schemeClr val="bg1">
+                        <a:lumMod val="50000"/>
+                      </a:schemeClr>
+                    </a:solidFill>
+                  </a:rPr>
+                  <a:t>Category</a:t>
+                </a:r>
+                <a:endParaRPr lang="en-US" sz="800" dirty="0">
+                  <a:solidFill>
+                    <a:schemeClr val="bg1">
+                      <a:lumMod val="50000"/>
+                    </a:schemeClr>
+                  </a:solidFill>
+                </a:endParaRPr>
+              </a:p>
+            </p:txBody>
+          </p:sp>
+          <p:sp>
+            <p:nvSpPr>
+              <p:cNvPr id="215" name="TextBox 214"/>
+              <p:cNvSpPr txBox="1"/>
+              <p:nvPr/>
+            </p:nvSpPr>
+            <p:spPr>
+              <a:xfrm>
+                <a:off x="4444071" y="1350388"/>
+                <a:ext cx="762000" cy="246221"/>
+              </a:xfrm>
+              <a:prstGeom prst="rect">
+                <a:avLst/>
+              </a:prstGeom>
+              <a:noFill/>
+            </p:spPr>
+            <p:txBody>
+              <a:bodyPr wrap="square" rtlCol="0">
+                <a:spAutoFit/>
+              </a:bodyPr>
+              <a:lstStyle/>
+              <a:p>
+                <a:pPr algn="r"/>
+                <a:r>
+                  <a:rPr lang="en-US" sz="1000" dirty="0" smtClean="0"/>
+                  <a:t>$150.00</a:t>
+                </a:r>
+                <a:endParaRPr lang="en-US" sz="1000" dirty="0"/>
+              </a:p>
+            </p:txBody>
+          </p:sp>
+          <p:sp>
+            <p:nvSpPr>
+              <p:cNvPr id="216" name="TextBox 215"/>
+              <p:cNvSpPr txBox="1"/>
+              <p:nvPr/>
+            </p:nvSpPr>
+            <p:spPr>
+              <a:xfrm>
+                <a:off x="4449291" y="1543205"/>
+                <a:ext cx="762000" cy="215444"/>
+              </a:xfrm>
+              <a:prstGeom prst="rect">
+                <a:avLst/>
+              </a:prstGeom>
+              <a:noFill/>
+            </p:spPr>
+            <p:txBody>
+              <a:bodyPr wrap="square" rtlCol="0">
+                <a:spAutoFit/>
+              </a:bodyPr>
+              <a:lstStyle/>
+              <a:p>
+                <a:pPr algn="r"/>
+                <a:r>
+                  <a:rPr lang="en-US" sz="800" dirty="0" smtClean="0">
+                    <a:solidFill>
+                      <a:schemeClr val="bg1">
+                        <a:lumMod val="50000"/>
+                      </a:schemeClr>
+                    </a:solidFill>
+                  </a:rPr>
+                  <a:t>$99999.99</a:t>
+                </a:r>
+                <a:endParaRPr lang="en-US" sz="800" dirty="0">
+                  <a:solidFill>
+                    <a:schemeClr val="bg1">
+                      <a:lumMod val="50000"/>
+                    </a:schemeClr>
+                  </a:solidFill>
+                </a:endParaRPr>
+              </a:p>
+            </p:txBody>
+          </p:sp>
+        </p:grpSp>
+        <p:cxnSp>
+          <p:nvCxnSpPr>
+            <p:cNvPr id="211" name="Straight Connector 210"/>
+            <p:cNvCxnSpPr/>
+            <p:nvPr/>
+          </p:nvCxnSpPr>
+          <p:spPr>
+            <a:xfrm>
+              <a:off x="2956178" y="1415988"/>
+              <a:ext cx="2301623" cy="0"/>
+            </a:xfrm>
+            <a:prstGeom prst="line">
+              <a:avLst/>
+            </a:prstGeom>
+            <a:ln w="12700">
+              <a:solidFill>
+                <a:schemeClr val="bg1">
+                  <a:lumMod val="75000"/>
+                </a:schemeClr>
+              </a:solidFill>
+            </a:ln>
+          </p:spPr>
+          <p:style>
+            <a:lnRef idx="1">
+              <a:schemeClr val="accent1"/>
+            </a:lnRef>
+            <a:fillRef idx="0">
+              <a:schemeClr val="accent1"/>
+            </a:fillRef>
+            <a:effectRef idx="0">
+              <a:schemeClr val="accent1"/>
+            </a:effectRef>
+            <a:fontRef idx="minor">
+              <a:schemeClr val="tx1"/>
+            </a:fontRef>
+          </p:style>
+        </p:cxnSp>
+      </p:grpSp>
+      <p:sp>
+        <p:nvSpPr>
+          <p:cNvPr id="217" name="Rectangle 216"/>
+          <p:cNvSpPr/>
+          <p:nvPr/>
+        </p:nvSpPr>
+        <p:spPr>
+          <a:xfrm>
+            <a:off x="2958429" y="53459"/>
+            <a:ext cx="2514600" cy="4287544"/>
+          </a:xfrm>
+          <a:prstGeom prst="rect">
+            <a:avLst/>
+          </a:prstGeom>
+          <a:noFill/>
+          <a:ln>
+            <a:solidFill>
+              <a:schemeClr val="tx1">
+                <a:lumMod val="95000"/>
+                <a:lumOff val="5000"/>
+              </a:schemeClr>
+            </a:solidFill>
+          </a:ln>
+        </p:spPr>
+        <p:style>
+          <a:lnRef idx="2">
+            <a:schemeClr val="accent1">
+              <a:shade val="50000"/>
+            </a:schemeClr>
+          </a:lnRef>
+          <a:fillRef idx="1">
+            <a:schemeClr val="accent1"/>
+          </a:fillRef>
+          <a:effectRef idx="0">
+            <a:schemeClr val="accent1"/>
+          </a:effectRef>
+          <a:fontRef idx="minor">
+            <a:schemeClr val="lt1"/>
+          </a:fontRef>
+        </p:style>
+        <p:txBody>
+          <a:bodyPr rtlCol="0" anchor="ctr"/>
+          <a:lstStyle/>
+          <a:p>
+            <a:pPr algn="ctr"/>
+            <a:endParaRPr lang="en-US"/>
+          </a:p>
+        </p:txBody>
+      </p:sp>
+      <p:sp>
+        <p:nvSpPr>
+          <p:cNvPr id="218" name="Rectangle 217"/>
+          <p:cNvSpPr/>
+          <p:nvPr/>
+        </p:nvSpPr>
+        <p:spPr>
+          <a:xfrm>
+            <a:off x="2962287" y="55856"/>
+            <a:ext cx="2510742" cy="4285147"/>
+          </a:xfrm>
+          <a:prstGeom prst="rect">
+            <a:avLst/>
+          </a:prstGeom>
+          <a:solidFill>
+            <a:srgbClr val="7F7F7F">
+              <a:alpha val="43922"/>
+            </a:srgbClr>
+          </a:solidFill>
+          <a:ln>
+            <a:solidFill>
+              <a:schemeClr val="tx1">
+                <a:lumMod val="50000"/>
+                <a:lumOff val="50000"/>
+              </a:schemeClr>
+            </a:solidFill>
+          </a:ln>
+        </p:spPr>
+        <p:style>
+          <a:lnRef idx="2">
+            <a:schemeClr val="accent1">
+              <a:shade val="50000"/>
+            </a:schemeClr>
+          </a:lnRef>
+          <a:fillRef idx="1">
+            <a:schemeClr val="accent1"/>
+          </a:fillRef>
+          <a:effectRef idx="0">
+            <a:schemeClr val="accent1"/>
+          </a:effectRef>
+          <a:fontRef idx="minor">
+            <a:schemeClr val="lt1"/>
+          </a:fontRef>
+        </p:style>
+        <p:txBody>
+          <a:bodyPr rtlCol="0" anchor="ctr"/>
+          <a:lstStyle/>
+          <a:p>
+            <a:pPr algn="ctr"/>
+            <a:endParaRPr lang="en-US"/>
+          </a:p>
+        </p:txBody>
+      </p:sp>
+      <p:sp>
+        <p:nvSpPr>
+          <p:cNvPr id="219" name="Rectangle 218"/>
+          <p:cNvSpPr/>
+          <p:nvPr/>
+        </p:nvSpPr>
+        <p:spPr>
+          <a:xfrm>
+            <a:off x="3064919" y="194654"/>
+            <a:ext cx="2297220" cy="2208249"/>
+          </a:xfrm>
+          <a:prstGeom prst="rect">
+            <a:avLst/>
+          </a:prstGeom>
+          <a:solidFill>
+            <a:schemeClr val="bg1"/>
+          </a:solidFill>
+          <a:ln>
+            <a:solidFill>
+              <a:schemeClr val="bg1"/>
+            </a:solidFill>
+          </a:ln>
+          <a:effectLst>
+            <a:outerShdw blurRad="50800" dist="38100" dir="2700000" algn="tl" rotWithShape="0">
+              <a:prstClr val="black">
+                <a:alpha val="40000"/>
+              </a:prstClr>
+            </a:outerShdw>
+          </a:effectLst>
+        </p:spPr>
+        <p:style>
+          <a:lnRef idx="2">
+            <a:schemeClr val="accent1">
+              <a:shade val="50000"/>
+            </a:schemeClr>
+          </a:lnRef>
+          <a:fillRef idx="1">
+            <a:schemeClr val="accent1"/>
+          </a:fillRef>
+          <a:effectRef idx="0">
+            <a:schemeClr val="accent1"/>
+          </a:effectRef>
+          <a:fontRef idx="minor">
+            <a:schemeClr val="lt1"/>
+          </a:fontRef>
+        </p:style>
+        <p:txBody>
+          <a:bodyPr rtlCol="0" anchor="ctr"/>
+          <a:lstStyle/>
+          <a:p>
+            <a:pPr algn="ctr"/>
+            <a:endParaRPr lang="en-US"/>
+          </a:p>
+        </p:txBody>
+      </p:sp>
+      <p:sp>
+        <p:nvSpPr>
+          <p:cNvPr id="220" name="Rectangle 219"/>
+          <p:cNvSpPr/>
+          <p:nvPr/>
+        </p:nvSpPr>
+        <p:spPr>
+          <a:xfrm>
+            <a:off x="3064918" y="194655"/>
+            <a:ext cx="2301623" cy="350542"/>
+          </a:xfrm>
+          <a:prstGeom prst="rect">
+            <a:avLst/>
+          </a:prstGeom>
+          <a:solidFill>
+            <a:schemeClr val="tx1">
+              <a:lumMod val="65000"/>
+              <a:lumOff val="35000"/>
+            </a:schemeClr>
+          </a:solidFill>
+          <a:ln>
+            <a:solidFill>
+              <a:schemeClr val="tx1">
+                <a:lumMod val="65000"/>
+                <a:lumOff val="35000"/>
+              </a:schemeClr>
+            </a:solidFill>
+          </a:ln>
+        </p:spPr>
+        <p:style>
+          <a:lnRef idx="2">
+            <a:schemeClr val="accent1">
+              <a:shade val="50000"/>
+            </a:schemeClr>
+          </a:lnRef>
+          <a:fillRef idx="1">
+            <a:schemeClr val="accent1"/>
+          </a:fillRef>
+          <a:effectRef idx="0">
+            <a:schemeClr val="accent1"/>
+          </a:effectRef>
+          <a:fontRef idx="minor">
+            <a:schemeClr val="lt1"/>
+          </a:fontRef>
+        </p:style>
+        <p:txBody>
+          <a:bodyPr rtlCol="0" anchor="ctr"/>
+          <a:lstStyle/>
+          <a:p>
+            <a:r>
+              <a:rPr lang="en-US" sz="1200" b="1" dirty="0" smtClean="0"/>
+              <a:t>Recurring Expenses</a:t>
+            </a:r>
+            <a:endParaRPr lang="en-US" sz="1200" b="1" dirty="0"/>
+          </a:p>
+        </p:txBody>
+      </p:sp>
+      <p:sp>
+        <p:nvSpPr>
+          <p:cNvPr id="221" name="TextBox 220"/>
+          <p:cNvSpPr txBox="1"/>
+          <p:nvPr/>
+        </p:nvSpPr>
+        <p:spPr>
+          <a:xfrm>
+            <a:off x="5094411" y="237615"/>
+            <a:ext cx="267727" cy="246221"/>
+          </a:xfrm>
+          <a:prstGeom prst="rect">
+            <a:avLst/>
+          </a:prstGeom>
+          <a:noFill/>
+        </p:spPr>
+        <p:txBody>
+          <a:bodyPr wrap="square" rtlCol="0">
+            <a:spAutoFit/>
+          </a:bodyPr>
+          <a:lstStyle/>
+          <a:p>
+            <a:r>
+              <a:rPr lang="en-US" sz="1000" dirty="0" smtClean="0">
+                <a:solidFill>
+                  <a:schemeClr val="bg1"/>
+                </a:solidFill>
+              </a:rPr>
+              <a:t>x</a:t>
+            </a:r>
+            <a:endParaRPr lang="en-US" sz="1000" dirty="0">
+              <a:solidFill>
+                <a:schemeClr val="bg1"/>
+              </a:solidFill>
+            </a:endParaRPr>
+          </a:p>
+        </p:txBody>
+      </p:sp>
+      <p:sp>
+        <p:nvSpPr>
+          <p:cNvPr id="225" name="Rectangle 224"/>
+          <p:cNvSpPr/>
+          <p:nvPr/>
+        </p:nvSpPr>
+        <p:spPr>
+          <a:xfrm>
+            <a:off x="5094411" y="832437"/>
+            <a:ext cx="133863" cy="1224963"/>
+          </a:xfrm>
+          <a:prstGeom prst="rect">
+            <a:avLst/>
+          </a:prstGeom>
+          <a:solidFill>
+            <a:schemeClr val="bg1">
+              <a:lumMod val="95000"/>
+            </a:schemeClr>
+          </a:solidFill>
+          <a:ln w="12700">
+            <a:solidFill>
+              <a:schemeClr val="bg1">
+                <a:lumMod val="95000"/>
+              </a:schemeClr>
+            </a:solidFill>
+          </a:ln>
+        </p:spPr>
+        <p:style>
+          <a:lnRef idx="2">
+            <a:schemeClr val="accent1">
+              <a:shade val="50000"/>
+            </a:schemeClr>
+          </a:lnRef>
+          <a:fillRef idx="1">
+            <a:schemeClr val="accent1"/>
+          </a:fillRef>
+          <a:effectRef idx="0">
+            <a:schemeClr val="accent1"/>
+          </a:effectRef>
+          <a:fontRef idx="minor">
+            <a:schemeClr val="lt1"/>
+          </a:fontRef>
+        </p:style>
+        <p:txBody>
+          <a:bodyPr rtlCol="0" anchor="ctr"/>
+          <a:lstStyle/>
+          <a:p>
+            <a:pPr algn="ctr"/>
+            <a:endParaRPr lang="en-US"/>
+          </a:p>
+        </p:txBody>
+      </p:sp>
+      <p:sp>
+        <p:nvSpPr>
+          <p:cNvPr id="226" name="Rectangle 225"/>
+          <p:cNvSpPr/>
+          <p:nvPr/>
+        </p:nvSpPr>
+        <p:spPr>
+          <a:xfrm>
+            <a:off x="3170225" y="825841"/>
+            <a:ext cx="2058049" cy="1231559"/>
+          </a:xfrm>
+          <a:prstGeom prst="rect">
+            <a:avLst/>
+          </a:prstGeom>
+          <a:noFill/>
+          <a:ln w="12700">
+            <a:solidFill>
+              <a:schemeClr val="tx1">
+                <a:lumMod val="50000"/>
+                <a:lumOff val="50000"/>
+              </a:schemeClr>
+            </a:solidFill>
+          </a:ln>
+        </p:spPr>
+        <p:style>
+          <a:lnRef idx="2">
+            <a:schemeClr val="accent1">
+              <a:shade val="50000"/>
+            </a:schemeClr>
+          </a:lnRef>
+          <a:fillRef idx="1">
+            <a:schemeClr val="accent1"/>
+          </a:fillRef>
+          <a:effectRef idx="0">
+            <a:schemeClr val="accent1"/>
+          </a:effectRef>
+          <a:fontRef idx="minor">
+            <a:schemeClr val="lt1"/>
+          </a:fontRef>
+        </p:style>
+        <p:txBody>
+          <a:bodyPr rtlCol="0" anchor="ctr"/>
+          <a:lstStyle/>
+          <a:p>
+            <a:pPr algn="ctr"/>
+            <a:endParaRPr lang="en-US"/>
+          </a:p>
+        </p:txBody>
+      </p:sp>
+      <p:sp>
+        <p:nvSpPr>
+          <p:cNvPr id="227" name="Rectangle 226"/>
+          <p:cNvSpPr/>
+          <p:nvPr/>
+        </p:nvSpPr>
+        <p:spPr>
+          <a:xfrm>
+            <a:off x="3170225" y="658560"/>
+            <a:ext cx="2058049" cy="176296"/>
+          </a:xfrm>
+          <a:prstGeom prst="rect">
+            <a:avLst/>
+          </a:prstGeom>
+          <a:solidFill>
+            <a:schemeClr val="tx1">
+              <a:lumMod val="65000"/>
+              <a:lumOff val="35000"/>
+            </a:schemeClr>
+          </a:solidFill>
+          <a:ln w="12700">
+            <a:solidFill>
+              <a:schemeClr val="tx1">
+                <a:lumMod val="65000"/>
+                <a:lumOff val="35000"/>
+              </a:schemeClr>
+            </a:solidFill>
+          </a:ln>
+        </p:spPr>
+        <p:style>
+          <a:lnRef idx="2">
+            <a:schemeClr val="accent1">
+              <a:shade val="50000"/>
+            </a:schemeClr>
+          </a:lnRef>
+          <a:fillRef idx="1">
+            <a:schemeClr val="accent1"/>
+          </a:fillRef>
+          <a:effectRef idx="0">
+            <a:schemeClr val="accent1"/>
+          </a:effectRef>
+          <a:fontRef idx="minor">
+            <a:schemeClr val="lt1"/>
+          </a:fontRef>
+        </p:style>
+        <p:txBody>
+          <a:bodyPr rtlCol="0" anchor="ctr"/>
+          <a:lstStyle/>
+          <a:p>
+            <a:r>
+              <a:rPr lang="en-US" sz="900" dirty="0" smtClean="0"/>
+              <a:t>Description       Amount      Frequency</a:t>
+            </a:r>
+            <a:endParaRPr lang="en-US" sz="900" dirty="0"/>
+          </a:p>
+        </p:txBody>
+      </p:sp>
+      <p:grpSp>
+        <p:nvGrpSpPr>
+          <p:cNvPr id="228" name="Group 227"/>
+          <p:cNvGrpSpPr/>
+          <p:nvPr/>
+        </p:nvGrpSpPr>
+        <p:grpSpPr>
+          <a:xfrm>
+            <a:off x="3170225" y="843715"/>
+            <a:ext cx="1924186" cy="194843"/>
+            <a:chOff x="333904" y="1243096"/>
+            <a:chExt cx="1924186" cy="215444"/>
+          </a:xfrm>
+        </p:grpSpPr>
+        <p:sp>
+          <p:nvSpPr>
+            <p:cNvPr id="229" name="TextBox 228"/>
+            <p:cNvSpPr txBox="1"/>
+            <p:nvPr/>
+          </p:nvSpPr>
+          <p:spPr>
+            <a:xfrm>
+              <a:off x="333904" y="1243096"/>
+              <a:ext cx="1924186" cy="215444"/>
+            </a:xfrm>
+            <a:prstGeom prst="rect">
+              <a:avLst/>
+            </a:prstGeom>
+            <a:solidFill>
+              <a:schemeClr val="accent5">
+                <a:lumMod val="20000"/>
+                <a:lumOff val="80000"/>
+              </a:schemeClr>
+            </a:solidFill>
+          </p:spPr>
+          <p:txBody>
+            <a:bodyPr wrap="square" rtlCol="0">
+              <a:spAutoFit/>
+            </a:bodyPr>
+            <a:lstStyle/>
+            <a:p>
+              <a:r>
+                <a:rPr lang="en-US" sz="800" dirty="0" smtClean="0"/>
+                <a:t>Rent                       $</a:t>
+              </a:r>
+              <a:r>
+                <a:rPr lang="en-US" sz="800" dirty="0" smtClean="0"/>
+                <a:t>200.00         </a:t>
+              </a:r>
+              <a:r>
+                <a:rPr lang="en-US" sz="800" dirty="0" smtClean="0"/>
+                <a:t>Monthly</a:t>
+              </a:r>
+              <a:endParaRPr lang="en-US" sz="800" dirty="0"/>
+            </a:p>
+          </p:txBody>
+        </p:sp>
+        <p:cxnSp>
+          <p:nvCxnSpPr>
+            <p:cNvPr id="230" name="Straight Connector 229"/>
+            <p:cNvCxnSpPr/>
+            <p:nvPr/>
+          </p:nvCxnSpPr>
+          <p:spPr>
+            <a:xfrm>
+              <a:off x="333904" y="1455805"/>
+              <a:ext cx="1924186" cy="0"/>
+            </a:xfrm>
+            <a:prstGeom prst="line">
+              <a:avLst/>
+            </a:prstGeom>
+            <a:ln>
+              <a:solidFill>
+                <a:schemeClr val="tx1">
+                  <a:lumMod val="50000"/>
+                  <a:lumOff val="50000"/>
+                </a:schemeClr>
+              </a:solidFill>
+            </a:ln>
+          </p:spPr>
+          <p:style>
+            <a:lnRef idx="1">
+              <a:schemeClr val="accent1"/>
+            </a:lnRef>
+            <a:fillRef idx="0">
+              <a:schemeClr val="accent1"/>
+            </a:fillRef>
+            <a:effectRef idx="0">
+              <a:schemeClr val="accent1"/>
+            </a:effectRef>
+            <a:fontRef idx="minor">
+              <a:schemeClr val="tx1"/>
+            </a:fontRef>
+          </p:style>
+        </p:cxnSp>
+      </p:grpSp>
+      <p:sp>
+        <p:nvSpPr>
+          <p:cNvPr id="237" name="Rectangle 236"/>
+          <p:cNvSpPr/>
+          <p:nvPr/>
+        </p:nvSpPr>
+        <p:spPr>
+          <a:xfrm>
+            <a:off x="3168615" y="2150474"/>
+            <a:ext cx="1278243" cy="159673"/>
+          </a:xfrm>
+          <a:prstGeom prst="rect">
+            <a:avLst/>
+          </a:prstGeom>
+          <a:solidFill>
+            <a:schemeClr val="bg1">
+              <a:lumMod val="85000"/>
+            </a:schemeClr>
+          </a:solidFill>
+          <a:ln w="12700">
+            <a:solidFill>
+              <a:schemeClr val="tx1">
+                <a:lumMod val="65000"/>
+                <a:lumOff val="35000"/>
+              </a:schemeClr>
+            </a:solidFill>
+          </a:ln>
+        </p:spPr>
+        <p:style>
+          <a:lnRef idx="2">
+            <a:schemeClr val="accent1">
+              <a:shade val="50000"/>
+            </a:schemeClr>
+          </a:lnRef>
+          <a:fillRef idx="1">
+            <a:schemeClr val="accent1"/>
+          </a:fillRef>
+          <a:effectRef idx="0">
+            <a:schemeClr val="accent1"/>
+          </a:effectRef>
+          <a:fontRef idx="minor">
+            <a:schemeClr val="lt1"/>
+          </a:fontRef>
+        </p:style>
+        <p:txBody>
+          <a:bodyPr rtlCol="0" anchor="ctr"/>
+          <a:lstStyle/>
+          <a:p>
+            <a:pPr algn="ctr"/>
+            <a:r>
+              <a:rPr lang="en-US" sz="900" dirty="0" smtClean="0">
+                <a:solidFill>
+                  <a:sysClr val="windowText" lastClr="000000"/>
+                </a:solidFill>
+              </a:rPr>
+              <a:t>New Recurring Expense</a:t>
+            </a:r>
+            <a:endParaRPr lang="en-US" sz="900" dirty="0">
+              <a:solidFill>
+                <a:sysClr val="windowText" lastClr="000000"/>
+              </a:solidFill>
+            </a:endParaRPr>
+          </a:p>
+        </p:txBody>
+      </p:sp>
+      <p:grpSp>
+        <p:nvGrpSpPr>
+          <p:cNvPr id="238" name="Group 237"/>
+          <p:cNvGrpSpPr/>
+          <p:nvPr/>
+        </p:nvGrpSpPr>
+        <p:grpSpPr>
+          <a:xfrm>
+            <a:off x="3170224" y="1027671"/>
+            <a:ext cx="1924186" cy="215444"/>
+            <a:chOff x="333904" y="1243096"/>
+            <a:chExt cx="1924186" cy="215444"/>
+          </a:xfrm>
+        </p:grpSpPr>
+        <p:sp>
+          <p:nvSpPr>
+            <p:cNvPr id="239" name="TextBox 238"/>
+            <p:cNvSpPr txBox="1"/>
+            <p:nvPr/>
+          </p:nvSpPr>
+          <p:spPr>
+            <a:xfrm>
+              <a:off x="333904" y="1243096"/>
+              <a:ext cx="1924186" cy="215444"/>
+            </a:xfrm>
+            <a:prstGeom prst="rect">
+              <a:avLst/>
+            </a:prstGeom>
+            <a:noFill/>
+          </p:spPr>
+          <p:txBody>
+            <a:bodyPr wrap="square" rtlCol="0">
+              <a:spAutoFit/>
+            </a:bodyPr>
+            <a:lstStyle/>
+            <a:p>
+              <a:r>
+                <a:rPr lang="en-US" sz="800" dirty="0" smtClean="0"/>
+                <a:t>Amazon Prime     $</a:t>
+              </a:r>
+              <a:r>
+                <a:rPr lang="en-US" sz="800" dirty="0" smtClean="0"/>
+                <a:t>200.00         </a:t>
+              </a:r>
+              <a:r>
+                <a:rPr lang="en-US" sz="800" dirty="0" smtClean="0"/>
+                <a:t>Yearly</a:t>
+              </a:r>
+              <a:endParaRPr lang="en-US" sz="800" dirty="0"/>
+            </a:p>
+          </p:txBody>
+        </p:sp>
+        <p:cxnSp>
+          <p:nvCxnSpPr>
+            <p:cNvPr id="240" name="Straight Connector 239"/>
+            <p:cNvCxnSpPr/>
+            <p:nvPr/>
+          </p:nvCxnSpPr>
+          <p:spPr>
+            <a:xfrm>
+              <a:off x="333904" y="1455805"/>
+              <a:ext cx="1924186" cy="0"/>
+            </a:xfrm>
+            <a:prstGeom prst="line">
+              <a:avLst/>
+            </a:prstGeom>
+            <a:ln>
+              <a:solidFill>
+                <a:schemeClr val="tx1">
+                  <a:lumMod val="50000"/>
+                  <a:lumOff val="50000"/>
+                </a:schemeClr>
+              </a:solidFill>
+            </a:ln>
+          </p:spPr>
+          <p:style>
+            <a:lnRef idx="1">
+              <a:schemeClr val="accent1"/>
+            </a:lnRef>
+            <a:fillRef idx="0">
+              <a:schemeClr val="accent1"/>
+            </a:fillRef>
+            <a:effectRef idx="0">
+              <a:schemeClr val="accent1"/>
+            </a:effectRef>
+            <a:fontRef idx="minor">
+              <a:schemeClr val="tx1"/>
+            </a:fontRef>
+          </p:style>
+        </p:cxnSp>
+      </p:grpSp>
+      <p:grpSp>
+        <p:nvGrpSpPr>
+          <p:cNvPr id="241" name="Group 240"/>
+          <p:cNvGrpSpPr/>
+          <p:nvPr/>
+        </p:nvGrpSpPr>
+        <p:grpSpPr>
+          <a:xfrm>
+            <a:off x="3173027" y="1227767"/>
+            <a:ext cx="1924186" cy="215444"/>
+            <a:chOff x="333904" y="1243096"/>
+            <a:chExt cx="1924186" cy="215444"/>
+          </a:xfrm>
+        </p:grpSpPr>
+        <p:sp>
+          <p:nvSpPr>
+            <p:cNvPr id="242" name="TextBox 241"/>
+            <p:cNvSpPr txBox="1"/>
+            <p:nvPr/>
+          </p:nvSpPr>
+          <p:spPr>
+            <a:xfrm>
+              <a:off x="333904" y="1243096"/>
+              <a:ext cx="1924186" cy="215444"/>
+            </a:xfrm>
+            <a:prstGeom prst="rect">
+              <a:avLst/>
+            </a:prstGeom>
+            <a:noFill/>
+          </p:spPr>
+          <p:txBody>
+            <a:bodyPr wrap="square" rtlCol="0">
+              <a:spAutoFit/>
+            </a:bodyPr>
+            <a:lstStyle/>
+            <a:p>
+              <a:r>
+                <a:rPr lang="en-US" sz="800" dirty="0" smtClean="0"/>
+                <a:t>Rent                       $</a:t>
+              </a:r>
+              <a:r>
+                <a:rPr lang="en-US" sz="800" dirty="0" smtClean="0"/>
+                <a:t>200.00         </a:t>
+              </a:r>
+              <a:r>
+                <a:rPr lang="en-US" sz="800" dirty="0" smtClean="0"/>
+                <a:t>Monthly</a:t>
+              </a:r>
+              <a:endParaRPr lang="en-US" sz="800" dirty="0"/>
+            </a:p>
+          </p:txBody>
+        </p:sp>
+        <p:cxnSp>
+          <p:nvCxnSpPr>
+            <p:cNvPr id="243" name="Straight Connector 242"/>
+            <p:cNvCxnSpPr/>
+            <p:nvPr/>
+          </p:nvCxnSpPr>
+          <p:spPr>
+            <a:xfrm>
+              <a:off x="333904" y="1455805"/>
+              <a:ext cx="1924186" cy="0"/>
+            </a:xfrm>
+            <a:prstGeom prst="line">
+              <a:avLst/>
+            </a:prstGeom>
+            <a:ln>
+              <a:solidFill>
+                <a:schemeClr val="tx1">
+                  <a:lumMod val="50000"/>
+                  <a:lumOff val="50000"/>
+                </a:schemeClr>
+              </a:solidFill>
+            </a:ln>
+          </p:spPr>
+          <p:style>
+            <a:lnRef idx="1">
+              <a:schemeClr val="accent1"/>
+            </a:lnRef>
+            <a:fillRef idx="0">
+              <a:schemeClr val="accent1"/>
+            </a:fillRef>
+            <a:effectRef idx="0">
+              <a:schemeClr val="accent1"/>
+            </a:effectRef>
+            <a:fontRef idx="minor">
+              <a:schemeClr val="tx1"/>
+            </a:fontRef>
+          </p:style>
+        </p:cxnSp>
+      </p:grpSp>
+      <p:sp>
+        <p:nvSpPr>
+          <p:cNvPr id="333" name="TextBox 332"/>
+          <p:cNvSpPr txBox="1"/>
+          <p:nvPr/>
+        </p:nvSpPr>
+        <p:spPr>
+          <a:xfrm>
+            <a:off x="6493807" y="104562"/>
+            <a:ext cx="1943339" cy="553998"/>
+          </a:xfrm>
+          <a:prstGeom prst="rect">
+            <a:avLst/>
+          </a:prstGeom>
+          <a:noFill/>
+        </p:spPr>
+        <p:txBody>
+          <a:bodyPr wrap="square" rtlCol="0">
+            <a:spAutoFit/>
+          </a:bodyPr>
+          <a:lstStyle/>
+          <a:p>
+            <a:r>
+              <a:rPr lang="en-US" dirty="0" smtClean="0">
+                <a:effectLst>
+                  <a:outerShdw blurRad="50800" dist="38100" dir="2700000" algn="tl" rotWithShape="0">
+                    <a:prstClr val="black">
+                      <a:alpha val="40000"/>
+                    </a:prstClr>
+                  </a:outerShdw>
+                </a:effectLst>
+              </a:rPr>
+              <a:t>Checking</a:t>
+            </a:r>
+            <a:endParaRPr lang="en-US" sz="1600" dirty="0" smtClean="0">
+              <a:effectLst>
+                <a:outerShdw blurRad="50800" dist="38100" dir="2700000" algn="tl" rotWithShape="0">
+                  <a:prstClr val="black">
+                    <a:alpha val="40000"/>
+                  </a:prstClr>
+                </a:outerShdw>
+              </a:effectLst>
+            </a:endParaRPr>
+          </a:p>
+          <a:p>
+            <a:r>
+              <a:rPr lang="en-US" sz="1200" dirty="0" smtClean="0">
+                <a:effectLst>
+                  <a:outerShdw blurRad="50800" dist="38100" dir="2700000" algn="tl" rotWithShape="0">
+                    <a:prstClr val="black">
+                      <a:alpha val="40000"/>
+                    </a:prstClr>
+                  </a:outerShdw>
+                </a:effectLst>
+              </a:rPr>
+              <a:t>Account</a:t>
+            </a:r>
+            <a:endParaRPr lang="en-US" dirty="0">
+              <a:effectLst>
+                <a:outerShdw blurRad="50800" dist="38100" dir="2700000" algn="tl" rotWithShape="0">
+                  <a:prstClr val="black">
+                    <a:alpha val="40000"/>
+                  </a:prstClr>
+                </a:outerShdw>
+              </a:effectLst>
+            </a:endParaRPr>
+          </a:p>
+        </p:txBody>
+      </p:sp>
+      <p:grpSp>
+        <p:nvGrpSpPr>
+          <p:cNvPr id="334" name="Group 333"/>
+          <p:cNvGrpSpPr/>
+          <p:nvPr/>
+        </p:nvGrpSpPr>
+        <p:grpSpPr>
+          <a:xfrm>
+            <a:off x="6122797" y="220212"/>
+            <a:ext cx="303283" cy="350542"/>
+            <a:chOff x="2052053" y="980009"/>
+            <a:chExt cx="169333" cy="195719"/>
+          </a:xfrm>
+          <a:solidFill>
+            <a:schemeClr val="tx1">
+              <a:lumMod val="85000"/>
+              <a:lumOff val="15000"/>
+            </a:schemeClr>
+          </a:solidFill>
+          <a:effectLst>
+            <a:outerShdw blurRad="50800" dist="38100" dir="2700000" algn="tl" rotWithShape="0">
+              <a:prstClr val="black">
+                <a:alpha val="40000"/>
+              </a:prstClr>
+            </a:outerShdw>
+          </a:effectLst>
+        </p:grpSpPr>
+        <p:sp>
+          <p:nvSpPr>
+            <p:cNvPr id="335" name="Equal 334"/>
+            <p:cNvSpPr/>
+            <p:nvPr/>
+          </p:nvSpPr>
+          <p:spPr>
+            <a:xfrm>
+              <a:off x="2052053" y="980009"/>
+              <a:ext cx="169333" cy="152400"/>
+            </a:xfrm>
+            <a:prstGeom prst="mathEqual">
+              <a:avLst>
+                <a:gd name="adj1" fmla="val 13103"/>
+                <a:gd name="adj2" fmla="val 19051"/>
+              </a:avLst>
+            </a:prstGeom>
+            <a:grpFill/>
+            <a:ln>
+              <a:noFill/>
+            </a:ln>
+          </p:spPr>
+          <p:style>
+            <a:lnRef idx="2">
+              <a:schemeClr val="accent1">
+                <a:shade val="50000"/>
+              </a:schemeClr>
+            </a:lnRef>
+            <a:fillRef idx="1">
+              <a:schemeClr val="accent1"/>
+            </a:fillRef>
+            <a:effectRef idx="0">
+              <a:schemeClr val="accent1"/>
+            </a:effectRef>
+            <a:fontRef idx="minor">
+              <a:schemeClr val="lt1"/>
+            </a:fontRef>
+          </p:style>
+          <p:txBody>
+            <a:bodyPr rtlCol="0" anchor="ctr"/>
+            <a:lstStyle/>
+            <a:p>
+              <a:pPr algn="ctr"/>
+              <a:endParaRPr lang="en-US">
+                <a:solidFill>
+                  <a:schemeClr val="tx1"/>
+                </a:solidFill>
+              </a:endParaRPr>
+            </a:p>
+          </p:txBody>
+        </p:sp>
+        <p:sp>
+          <p:nvSpPr>
+            <p:cNvPr id="336" name="Equal 335"/>
+            <p:cNvSpPr/>
+            <p:nvPr/>
+          </p:nvSpPr>
+          <p:spPr>
+            <a:xfrm>
+              <a:off x="2052053" y="1023328"/>
+              <a:ext cx="169333" cy="152400"/>
+            </a:xfrm>
+            <a:prstGeom prst="mathEqual">
+              <a:avLst>
+                <a:gd name="adj1" fmla="val 13103"/>
+                <a:gd name="adj2" fmla="val 19051"/>
+              </a:avLst>
+            </a:prstGeom>
+            <a:grpFill/>
+            <a:ln>
+              <a:noFill/>
+            </a:ln>
+          </p:spPr>
+          <p:style>
+            <a:lnRef idx="2">
+              <a:schemeClr val="accent1">
+                <a:shade val="50000"/>
+              </a:schemeClr>
+            </a:lnRef>
+            <a:fillRef idx="1">
+              <a:schemeClr val="accent1"/>
+            </a:fillRef>
+            <a:effectRef idx="0">
+              <a:schemeClr val="accent1"/>
+            </a:effectRef>
+            <a:fontRef idx="minor">
+              <a:schemeClr val="lt1"/>
+            </a:fontRef>
+          </p:style>
+          <p:txBody>
+            <a:bodyPr rtlCol="0" anchor="ctr"/>
+            <a:lstStyle/>
+            <a:p>
+              <a:pPr algn="ctr"/>
+              <a:endParaRPr lang="en-US">
+                <a:solidFill>
+                  <a:schemeClr val="tx1"/>
+                </a:solidFill>
+              </a:endParaRPr>
+            </a:p>
+          </p:txBody>
+        </p:sp>
+      </p:grpSp>
+      <p:sp>
+        <p:nvSpPr>
+          <p:cNvPr id="337" name="Rectangle 336"/>
+          <p:cNvSpPr/>
+          <p:nvPr/>
+        </p:nvSpPr>
+        <p:spPr>
+          <a:xfrm>
+            <a:off x="6097797" y="713724"/>
+            <a:ext cx="2301623" cy="287179"/>
+          </a:xfrm>
+          <a:prstGeom prst="rect">
+            <a:avLst/>
+          </a:prstGeom>
+          <a:solidFill>
+            <a:schemeClr val="bg1">
+              <a:lumMod val="65000"/>
+            </a:schemeClr>
+          </a:solidFill>
+          <a:ln w="12700">
+            <a:solidFill>
+              <a:schemeClr val="tx1">
+                <a:lumMod val="75000"/>
+                <a:lumOff val="25000"/>
+              </a:schemeClr>
+            </a:solidFill>
+          </a:ln>
+        </p:spPr>
+        <p:style>
+          <a:lnRef idx="2">
+            <a:schemeClr val="accent1">
+              <a:shade val="50000"/>
+            </a:schemeClr>
+          </a:lnRef>
+          <a:fillRef idx="1">
+            <a:schemeClr val="accent1"/>
+          </a:fillRef>
+          <a:effectRef idx="0">
+            <a:schemeClr val="accent1"/>
+          </a:effectRef>
+          <a:fontRef idx="minor">
+            <a:schemeClr val="lt1"/>
+          </a:fontRef>
+        </p:style>
+        <p:txBody>
+          <a:bodyPr rtlCol="0" anchor="ctr"/>
+          <a:lstStyle/>
+          <a:p>
+            <a:pPr algn="ctr"/>
+            <a:endParaRPr lang="en-US"/>
+          </a:p>
+        </p:txBody>
+      </p:sp>
+      <p:grpSp>
+        <p:nvGrpSpPr>
+          <p:cNvPr id="338" name="Group 337"/>
+          <p:cNvGrpSpPr/>
+          <p:nvPr/>
+        </p:nvGrpSpPr>
+        <p:grpSpPr>
+          <a:xfrm>
+            <a:off x="6097799" y="724793"/>
+            <a:ext cx="2301622" cy="261612"/>
+            <a:chOff x="2743201" y="1350388"/>
+            <a:chExt cx="2269925" cy="261612"/>
+          </a:xfrm>
+        </p:grpSpPr>
+        <p:sp>
+          <p:nvSpPr>
+            <p:cNvPr id="339" name="TextBox 338"/>
+            <p:cNvSpPr txBox="1"/>
+            <p:nvPr/>
+          </p:nvSpPr>
+          <p:spPr>
+            <a:xfrm>
+              <a:off x="2743201" y="1350390"/>
+              <a:ext cx="838200" cy="261610"/>
+            </a:xfrm>
+            <a:prstGeom prst="rect">
+              <a:avLst/>
+            </a:prstGeom>
+            <a:noFill/>
+          </p:spPr>
+          <p:txBody>
+            <a:bodyPr wrap="square" rtlCol="0">
+              <a:spAutoFit/>
+            </a:bodyPr>
+            <a:lstStyle/>
+            <a:p>
+              <a:r>
+                <a:rPr lang="en-US" sz="1100" b="1" dirty="0" smtClean="0"/>
+                <a:t>Date</a:t>
+              </a:r>
+              <a:endParaRPr lang="en-US" sz="1100" b="1" dirty="0"/>
+            </a:p>
+          </p:txBody>
+        </p:sp>
+        <p:sp>
+          <p:nvSpPr>
+            <p:cNvPr id="340" name="TextBox 339"/>
+            <p:cNvSpPr txBox="1"/>
+            <p:nvPr/>
+          </p:nvSpPr>
+          <p:spPr>
+            <a:xfrm>
+              <a:off x="3222935" y="1350390"/>
+              <a:ext cx="1738224" cy="261610"/>
+            </a:xfrm>
+            <a:prstGeom prst="rect">
+              <a:avLst/>
+            </a:prstGeom>
+            <a:noFill/>
+          </p:spPr>
+          <p:txBody>
+            <a:bodyPr wrap="square" rtlCol="0">
+              <a:spAutoFit/>
+            </a:bodyPr>
+            <a:lstStyle/>
+            <a:p>
+              <a:r>
+                <a:rPr lang="en-US" sz="1100" b="1" dirty="0" smtClean="0"/>
+                <a:t>Description</a:t>
+              </a:r>
+              <a:endParaRPr lang="en-US" sz="1100" b="1" dirty="0"/>
+            </a:p>
+          </p:txBody>
+        </p:sp>
+        <p:sp>
+          <p:nvSpPr>
+            <p:cNvPr id="341" name="TextBox 340"/>
+            <p:cNvSpPr txBox="1"/>
+            <p:nvPr/>
+          </p:nvSpPr>
+          <p:spPr>
+            <a:xfrm>
+              <a:off x="4351560" y="1350388"/>
+              <a:ext cx="661566" cy="261610"/>
+            </a:xfrm>
+            <a:prstGeom prst="rect">
+              <a:avLst/>
+            </a:prstGeom>
+            <a:noFill/>
+          </p:spPr>
+          <p:txBody>
+            <a:bodyPr wrap="square" rtlCol="0">
+              <a:spAutoFit/>
+            </a:bodyPr>
+            <a:lstStyle/>
+            <a:p>
+              <a:r>
+                <a:rPr lang="en-US" sz="1100" b="1" dirty="0" smtClean="0"/>
+                <a:t>Amount</a:t>
+              </a:r>
+              <a:endParaRPr lang="en-US" sz="1100" b="1" dirty="0"/>
+            </a:p>
+          </p:txBody>
+        </p:sp>
+      </p:grpSp>
+      <p:grpSp>
+        <p:nvGrpSpPr>
+          <p:cNvPr id="342" name="Group 341"/>
+          <p:cNvGrpSpPr/>
+          <p:nvPr/>
+        </p:nvGrpSpPr>
+        <p:grpSpPr>
+          <a:xfrm>
+            <a:off x="6097797" y="1020035"/>
+            <a:ext cx="2301623" cy="419113"/>
+            <a:chOff x="2956178" y="996875"/>
+            <a:chExt cx="2301623" cy="419113"/>
+          </a:xfrm>
+        </p:grpSpPr>
+        <p:grpSp>
+          <p:nvGrpSpPr>
+            <p:cNvPr id="343" name="Group 342"/>
+            <p:cNvGrpSpPr/>
+            <p:nvPr/>
+          </p:nvGrpSpPr>
+          <p:grpSpPr>
+            <a:xfrm>
+              <a:off x="2956178" y="996875"/>
+              <a:ext cx="2270763" cy="408261"/>
+              <a:chOff x="2971800" y="1350388"/>
+              <a:chExt cx="2239491" cy="408261"/>
+            </a:xfrm>
+          </p:grpSpPr>
+          <p:sp>
+            <p:nvSpPr>
+              <p:cNvPr id="345" name="TextBox 344"/>
+              <p:cNvSpPr txBox="1"/>
+              <p:nvPr/>
+            </p:nvSpPr>
+            <p:spPr>
+              <a:xfrm>
+                <a:off x="2971800" y="1350390"/>
+                <a:ext cx="838200" cy="246221"/>
+              </a:xfrm>
+              <a:prstGeom prst="rect">
+                <a:avLst/>
+              </a:prstGeom>
+              <a:noFill/>
+            </p:spPr>
+            <p:txBody>
+              <a:bodyPr wrap="square" rtlCol="0">
+                <a:spAutoFit/>
+              </a:bodyPr>
+              <a:lstStyle/>
+              <a:p>
+                <a:r>
+                  <a:rPr lang="en-US" sz="1000" dirty="0" smtClean="0"/>
+                  <a:t>12/12</a:t>
+                </a:r>
+                <a:endParaRPr lang="en-US" sz="1000" dirty="0"/>
+              </a:p>
+            </p:txBody>
+          </p:sp>
+          <p:sp>
+            <p:nvSpPr>
+              <p:cNvPr id="346" name="TextBox 345"/>
+              <p:cNvSpPr txBox="1"/>
+              <p:nvPr/>
+            </p:nvSpPr>
+            <p:spPr>
+              <a:xfrm>
+                <a:off x="3451535" y="1350390"/>
+                <a:ext cx="1738224" cy="246221"/>
+              </a:xfrm>
+              <a:prstGeom prst="rect">
+                <a:avLst/>
+              </a:prstGeom>
+              <a:noFill/>
+            </p:spPr>
+            <p:txBody>
+              <a:bodyPr wrap="square" rtlCol="0">
+                <a:spAutoFit/>
+              </a:bodyPr>
+              <a:lstStyle/>
+              <a:p>
+                <a:r>
+                  <a:rPr lang="en-US" sz="1000" dirty="0" smtClean="0"/>
+                  <a:t>Description</a:t>
+                </a:r>
+                <a:endParaRPr lang="en-US" sz="1000" dirty="0"/>
+              </a:p>
+            </p:txBody>
+          </p:sp>
+          <p:sp>
+            <p:nvSpPr>
+              <p:cNvPr id="347" name="TextBox 346"/>
+              <p:cNvSpPr txBox="1"/>
+              <p:nvPr/>
+            </p:nvSpPr>
+            <p:spPr>
+              <a:xfrm>
+                <a:off x="3448771" y="1543205"/>
+                <a:ext cx="1066800" cy="215444"/>
+              </a:xfrm>
+              <a:prstGeom prst="rect">
+                <a:avLst/>
+              </a:prstGeom>
+              <a:noFill/>
+            </p:spPr>
+            <p:txBody>
+              <a:bodyPr wrap="square" rtlCol="0">
+                <a:spAutoFit/>
+              </a:bodyPr>
+              <a:lstStyle/>
+              <a:p>
+                <a:r>
+                  <a:rPr lang="en-US" sz="800" dirty="0" smtClean="0">
+                    <a:solidFill>
+                      <a:schemeClr val="bg1">
+                        <a:lumMod val="50000"/>
+                      </a:schemeClr>
+                    </a:solidFill>
+                  </a:rPr>
+                  <a:t>Category</a:t>
+                </a:r>
+                <a:endParaRPr lang="en-US" sz="800" dirty="0">
+                  <a:solidFill>
+                    <a:schemeClr val="bg1">
+                      <a:lumMod val="50000"/>
+                    </a:schemeClr>
+                  </a:solidFill>
+                </a:endParaRPr>
+              </a:p>
+            </p:txBody>
+          </p:sp>
+          <p:sp>
+            <p:nvSpPr>
+              <p:cNvPr id="348" name="TextBox 347"/>
+              <p:cNvSpPr txBox="1"/>
+              <p:nvPr/>
+            </p:nvSpPr>
+            <p:spPr>
+              <a:xfrm>
+                <a:off x="4444071" y="1350388"/>
+                <a:ext cx="762000" cy="246221"/>
+              </a:xfrm>
+              <a:prstGeom prst="rect">
+                <a:avLst/>
+              </a:prstGeom>
+              <a:noFill/>
+            </p:spPr>
+            <p:txBody>
+              <a:bodyPr wrap="square" rtlCol="0">
+                <a:spAutoFit/>
+              </a:bodyPr>
+              <a:lstStyle/>
+              <a:p>
+                <a:pPr algn="r"/>
+                <a:r>
+                  <a:rPr lang="en-US" sz="1000" dirty="0" smtClean="0"/>
+                  <a:t>$150.00</a:t>
+                </a:r>
+                <a:endParaRPr lang="en-US" sz="1000" dirty="0"/>
+              </a:p>
+            </p:txBody>
+          </p:sp>
+          <p:sp>
+            <p:nvSpPr>
+              <p:cNvPr id="349" name="TextBox 348"/>
+              <p:cNvSpPr txBox="1"/>
+              <p:nvPr/>
+            </p:nvSpPr>
+            <p:spPr>
+              <a:xfrm>
+                <a:off x="4449291" y="1543205"/>
+                <a:ext cx="762000" cy="215444"/>
+              </a:xfrm>
+              <a:prstGeom prst="rect">
+                <a:avLst/>
+              </a:prstGeom>
+              <a:noFill/>
+            </p:spPr>
+            <p:txBody>
+              <a:bodyPr wrap="square" rtlCol="0">
+                <a:spAutoFit/>
+              </a:bodyPr>
+              <a:lstStyle/>
+              <a:p>
+                <a:pPr algn="r"/>
+                <a:r>
+                  <a:rPr lang="en-US" sz="800" dirty="0" smtClean="0">
+                    <a:solidFill>
+                      <a:schemeClr val="bg1">
+                        <a:lumMod val="50000"/>
+                      </a:schemeClr>
+                    </a:solidFill>
+                  </a:rPr>
+                  <a:t>$99999.99</a:t>
+                </a:r>
+                <a:endParaRPr lang="en-US" sz="800" dirty="0">
+                  <a:solidFill>
+                    <a:schemeClr val="bg1">
+                      <a:lumMod val="50000"/>
+                    </a:schemeClr>
+                  </a:solidFill>
+                </a:endParaRPr>
+              </a:p>
+            </p:txBody>
+          </p:sp>
+        </p:grpSp>
+        <p:cxnSp>
+          <p:nvCxnSpPr>
+            <p:cNvPr id="344" name="Straight Connector 343"/>
+            <p:cNvCxnSpPr/>
+            <p:nvPr/>
+          </p:nvCxnSpPr>
+          <p:spPr>
+            <a:xfrm>
+              <a:off x="2956178" y="1415988"/>
+              <a:ext cx="2301623" cy="0"/>
+            </a:xfrm>
+            <a:prstGeom prst="line">
+              <a:avLst/>
+            </a:prstGeom>
+            <a:ln w="12700">
+              <a:solidFill>
+                <a:schemeClr val="bg1">
+                  <a:lumMod val="75000"/>
+                </a:schemeClr>
+              </a:solidFill>
+            </a:ln>
+          </p:spPr>
+          <p:style>
+            <a:lnRef idx="1">
+              <a:schemeClr val="accent1"/>
+            </a:lnRef>
+            <a:fillRef idx="0">
+              <a:schemeClr val="accent1"/>
+            </a:fillRef>
+            <a:effectRef idx="0">
+              <a:schemeClr val="accent1"/>
+            </a:effectRef>
+            <a:fontRef idx="minor">
+              <a:schemeClr val="tx1"/>
+            </a:fontRef>
+          </p:style>
+        </p:cxnSp>
+      </p:grpSp>
+      <p:sp>
+        <p:nvSpPr>
+          <p:cNvPr id="350" name="Rectangle 349"/>
+          <p:cNvSpPr/>
+          <p:nvPr/>
+        </p:nvSpPr>
+        <p:spPr>
+          <a:xfrm>
+            <a:off x="6097798" y="713724"/>
+            <a:ext cx="2301622" cy="3500436"/>
+          </a:xfrm>
+          <a:prstGeom prst="rect">
+            <a:avLst/>
+          </a:prstGeom>
+          <a:noFill/>
+          <a:ln w="12700">
+            <a:solidFill>
+              <a:schemeClr val="tx1">
+                <a:lumMod val="75000"/>
+                <a:lumOff val="25000"/>
+              </a:schemeClr>
+            </a:solidFill>
+          </a:ln>
+        </p:spPr>
+        <p:style>
+          <a:lnRef idx="2">
+            <a:schemeClr val="accent1">
+              <a:shade val="50000"/>
+            </a:schemeClr>
+          </a:lnRef>
+          <a:fillRef idx="1">
+            <a:schemeClr val="accent1"/>
+          </a:fillRef>
+          <a:effectRef idx="0">
+            <a:schemeClr val="accent1"/>
+          </a:effectRef>
+          <a:fontRef idx="minor">
+            <a:schemeClr val="lt1"/>
+          </a:fontRef>
+        </p:style>
+        <p:txBody>
+          <a:bodyPr rtlCol="0" anchor="ctr"/>
+          <a:lstStyle/>
+          <a:p>
+            <a:pPr algn="ctr"/>
+            <a:endParaRPr lang="en-US"/>
+          </a:p>
+        </p:txBody>
+      </p:sp>
+      <p:grpSp>
+        <p:nvGrpSpPr>
+          <p:cNvPr id="351" name="Group 350"/>
+          <p:cNvGrpSpPr/>
+          <p:nvPr/>
+        </p:nvGrpSpPr>
+        <p:grpSpPr>
+          <a:xfrm>
+            <a:off x="6097797" y="1459751"/>
+            <a:ext cx="2301623" cy="419113"/>
+            <a:chOff x="2956178" y="996875"/>
+            <a:chExt cx="2301623" cy="419113"/>
+          </a:xfrm>
+        </p:grpSpPr>
+        <p:grpSp>
+          <p:nvGrpSpPr>
+            <p:cNvPr id="352" name="Group 351"/>
+            <p:cNvGrpSpPr/>
+            <p:nvPr/>
+          </p:nvGrpSpPr>
+          <p:grpSpPr>
+            <a:xfrm>
+              <a:off x="2956178" y="996875"/>
+              <a:ext cx="2270763" cy="408261"/>
+              <a:chOff x="2971800" y="1350388"/>
+              <a:chExt cx="2239491" cy="408261"/>
+            </a:xfrm>
+          </p:grpSpPr>
+          <p:sp>
+            <p:nvSpPr>
+              <p:cNvPr id="354" name="TextBox 353"/>
+              <p:cNvSpPr txBox="1"/>
+              <p:nvPr/>
+            </p:nvSpPr>
+            <p:spPr>
+              <a:xfrm>
+                <a:off x="2971800" y="1350390"/>
+                <a:ext cx="838200" cy="246221"/>
+              </a:xfrm>
+              <a:prstGeom prst="rect">
+                <a:avLst/>
+              </a:prstGeom>
+              <a:noFill/>
+            </p:spPr>
+            <p:txBody>
+              <a:bodyPr wrap="square" rtlCol="0">
+                <a:spAutoFit/>
+              </a:bodyPr>
+              <a:lstStyle/>
+              <a:p>
+                <a:r>
+                  <a:rPr lang="en-US" sz="1000" dirty="0" smtClean="0"/>
+                  <a:t>12/12</a:t>
+                </a:r>
+                <a:endParaRPr lang="en-US" sz="1000" dirty="0"/>
+              </a:p>
+            </p:txBody>
+          </p:sp>
+          <p:sp>
+            <p:nvSpPr>
+              <p:cNvPr id="355" name="TextBox 354"/>
+              <p:cNvSpPr txBox="1"/>
+              <p:nvPr/>
+            </p:nvSpPr>
+            <p:spPr>
+              <a:xfrm>
+                <a:off x="3451535" y="1350390"/>
+                <a:ext cx="1738224" cy="246221"/>
+              </a:xfrm>
+              <a:prstGeom prst="rect">
+                <a:avLst/>
+              </a:prstGeom>
+              <a:noFill/>
+            </p:spPr>
+            <p:txBody>
+              <a:bodyPr wrap="square" rtlCol="0">
+                <a:spAutoFit/>
+              </a:bodyPr>
+              <a:lstStyle/>
+              <a:p>
+                <a:r>
+                  <a:rPr lang="en-US" sz="1000" dirty="0" smtClean="0"/>
+                  <a:t>Description</a:t>
+                </a:r>
+                <a:endParaRPr lang="en-US" sz="1000" dirty="0"/>
+              </a:p>
+            </p:txBody>
+          </p:sp>
+          <p:sp>
+            <p:nvSpPr>
+              <p:cNvPr id="356" name="TextBox 355"/>
+              <p:cNvSpPr txBox="1"/>
+              <p:nvPr/>
+            </p:nvSpPr>
+            <p:spPr>
+              <a:xfrm>
+                <a:off x="3448771" y="1543205"/>
+                <a:ext cx="1066800" cy="215444"/>
+              </a:xfrm>
+              <a:prstGeom prst="rect">
+                <a:avLst/>
+              </a:prstGeom>
+              <a:noFill/>
+            </p:spPr>
+            <p:txBody>
+              <a:bodyPr wrap="square" rtlCol="0">
+                <a:spAutoFit/>
+              </a:bodyPr>
+              <a:lstStyle/>
+              <a:p>
+                <a:r>
+                  <a:rPr lang="en-US" sz="800" dirty="0" smtClean="0">
+                    <a:solidFill>
+                      <a:schemeClr val="bg1">
+                        <a:lumMod val="50000"/>
+                      </a:schemeClr>
+                    </a:solidFill>
+                  </a:rPr>
+                  <a:t>Category</a:t>
+                </a:r>
+                <a:endParaRPr lang="en-US" sz="800" dirty="0">
+                  <a:solidFill>
+                    <a:schemeClr val="bg1">
+                      <a:lumMod val="50000"/>
+                    </a:schemeClr>
+                  </a:solidFill>
+                </a:endParaRPr>
+              </a:p>
+            </p:txBody>
+          </p:sp>
+          <p:sp>
+            <p:nvSpPr>
+              <p:cNvPr id="357" name="TextBox 356"/>
+              <p:cNvSpPr txBox="1"/>
+              <p:nvPr/>
+            </p:nvSpPr>
+            <p:spPr>
+              <a:xfrm>
+                <a:off x="4444071" y="1350388"/>
+                <a:ext cx="762000" cy="246221"/>
+              </a:xfrm>
+              <a:prstGeom prst="rect">
+                <a:avLst/>
+              </a:prstGeom>
+              <a:noFill/>
+            </p:spPr>
+            <p:txBody>
+              <a:bodyPr wrap="square" rtlCol="0">
+                <a:spAutoFit/>
+              </a:bodyPr>
+              <a:lstStyle/>
+              <a:p>
+                <a:pPr algn="r"/>
+                <a:r>
+                  <a:rPr lang="en-US" sz="1000" dirty="0" smtClean="0"/>
+                  <a:t>$150.00</a:t>
+                </a:r>
+                <a:endParaRPr lang="en-US" sz="1000" dirty="0"/>
+              </a:p>
+            </p:txBody>
+          </p:sp>
+          <p:sp>
+            <p:nvSpPr>
+              <p:cNvPr id="358" name="TextBox 357"/>
+              <p:cNvSpPr txBox="1"/>
+              <p:nvPr/>
+            </p:nvSpPr>
+            <p:spPr>
+              <a:xfrm>
+                <a:off x="4449291" y="1543205"/>
+                <a:ext cx="762000" cy="215444"/>
+              </a:xfrm>
+              <a:prstGeom prst="rect">
+                <a:avLst/>
+              </a:prstGeom>
+              <a:noFill/>
+            </p:spPr>
+            <p:txBody>
+              <a:bodyPr wrap="square" rtlCol="0">
+                <a:spAutoFit/>
+              </a:bodyPr>
+              <a:lstStyle/>
+              <a:p>
+                <a:pPr algn="r"/>
+                <a:r>
+                  <a:rPr lang="en-US" sz="800" dirty="0" smtClean="0">
+                    <a:solidFill>
+                      <a:schemeClr val="bg1">
+                        <a:lumMod val="50000"/>
+                      </a:schemeClr>
+                    </a:solidFill>
+                  </a:rPr>
+                  <a:t>$99999.99</a:t>
+                </a:r>
+                <a:endParaRPr lang="en-US" sz="800" dirty="0">
+                  <a:solidFill>
+                    <a:schemeClr val="bg1">
+                      <a:lumMod val="50000"/>
+                    </a:schemeClr>
+                  </a:solidFill>
+                </a:endParaRPr>
+              </a:p>
+            </p:txBody>
+          </p:sp>
+        </p:grpSp>
+        <p:cxnSp>
+          <p:nvCxnSpPr>
+            <p:cNvPr id="353" name="Straight Connector 352"/>
+            <p:cNvCxnSpPr/>
+            <p:nvPr/>
+          </p:nvCxnSpPr>
+          <p:spPr>
+            <a:xfrm>
+              <a:off x="2956178" y="1415988"/>
+              <a:ext cx="2301623" cy="0"/>
+            </a:xfrm>
+            <a:prstGeom prst="line">
+              <a:avLst/>
+            </a:prstGeom>
+            <a:ln w="12700">
+              <a:solidFill>
+                <a:schemeClr val="bg1">
+                  <a:lumMod val="75000"/>
+                </a:schemeClr>
+              </a:solidFill>
+            </a:ln>
+          </p:spPr>
+          <p:style>
+            <a:lnRef idx="1">
+              <a:schemeClr val="accent1"/>
+            </a:lnRef>
+            <a:fillRef idx="0">
+              <a:schemeClr val="accent1"/>
+            </a:fillRef>
+            <a:effectRef idx="0">
+              <a:schemeClr val="accent1"/>
+            </a:effectRef>
+            <a:fontRef idx="minor">
+              <a:schemeClr val="tx1"/>
+            </a:fontRef>
+          </p:style>
+        </p:cxnSp>
+      </p:grpSp>
+      <p:grpSp>
+        <p:nvGrpSpPr>
+          <p:cNvPr id="359" name="Group 358"/>
+          <p:cNvGrpSpPr/>
+          <p:nvPr/>
+        </p:nvGrpSpPr>
+        <p:grpSpPr>
+          <a:xfrm>
+            <a:off x="6097796" y="1899467"/>
+            <a:ext cx="2301623" cy="419113"/>
+            <a:chOff x="2956178" y="996875"/>
+            <a:chExt cx="2301623" cy="419113"/>
+          </a:xfrm>
+        </p:grpSpPr>
+        <p:grpSp>
+          <p:nvGrpSpPr>
+            <p:cNvPr id="360" name="Group 359"/>
+            <p:cNvGrpSpPr/>
+            <p:nvPr/>
+          </p:nvGrpSpPr>
+          <p:grpSpPr>
+            <a:xfrm>
+              <a:off x="2956178" y="996875"/>
+              <a:ext cx="2270763" cy="408261"/>
+              <a:chOff x="2971800" y="1350388"/>
+              <a:chExt cx="2239491" cy="408261"/>
+            </a:xfrm>
+          </p:grpSpPr>
+          <p:sp>
+            <p:nvSpPr>
+              <p:cNvPr id="362" name="TextBox 361"/>
+              <p:cNvSpPr txBox="1"/>
+              <p:nvPr/>
+            </p:nvSpPr>
+            <p:spPr>
+              <a:xfrm>
+                <a:off x="2971800" y="1350390"/>
+                <a:ext cx="838200" cy="246221"/>
+              </a:xfrm>
+              <a:prstGeom prst="rect">
+                <a:avLst/>
+              </a:prstGeom>
+              <a:noFill/>
+            </p:spPr>
+            <p:txBody>
+              <a:bodyPr wrap="square" rtlCol="0">
+                <a:spAutoFit/>
+              </a:bodyPr>
+              <a:lstStyle/>
+              <a:p>
+                <a:r>
+                  <a:rPr lang="en-US" sz="1000" dirty="0" smtClean="0"/>
+                  <a:t>12/12</a:t>
+                </a:r>
+                <a:endParaRPr lang="en-US" sz="1000" dirty="0"/>
+              </a:p>
+            </p:txBody>
+          </p:sp>
+          <p:sp>
+            <p:nvSpPr>
+              <p:cNvPr id="363" name="TextBox 362"/>
+              <p:cNvSpPr txBox="1"/>
+              <p:nvPr/>
+            </p:nvSpPr>
+            <p:spPr>
+              <a:xfrm>
+                <a:off x="3451535" y="1350390"/>
+                <a:ext cx="1738224" cy="246221"/>
+              </a:xfrm>
+              <a:prstGeom prst="rect">
+                <a:avLst/>
+              </a:prstGeom>
+              <a:noFill/>
+            </p:spPr>
+            <p:txBody>
+              <a:bodyPr wrap="square" rtlCol="0">
+                <a:spAutoFit/>
+              </a:bodyPr>
+              <a:lstStyle/>
+              <a:p>
+                <a:r>
+                  <a:rPr lang="en-US" sz="1000" dirty="0" smtClean="0"/>
+                  <a:t>Description</a:t>
+                </a:r>
+                <a:endParaRPr lang="en-US" sz="1000" dirty="0"/>
+              </a:p>
+            </p:txBody>
+          </p:sp>
+          <p:sp>
+            <p:nvSpPr>
+              <p:cNvPr id="364" name="TextBox 363"/>
+              <p:cNvSpPr txBox="1"/>
+              <p:nvPr/>
+            </p:nvSpPr>
+            <p:spPr>
+              <a:xfrm>
+                <a:off x="3448771" y="1543205"/>
+                <a:ext cx="1066800" cy="215444"/>
+              </a:xfrm>
+              <a:prstGeom prst="rect">
+                <a:avLst/>
+              </a:prstGeom>
+              <a:noFill/>
+            </p:spPr>
+            <p:txBody>
+              <a:bodyPr wrap="square" rtlCol="0">
+                <a:spAutoFit/>
+              </a:bodyPr>
+              <a:lstStyle/>
+              <a:p>
+                <a:r>
+                  <a:rPr lang="en-US" sz="800" dirty="0" smtClean="0">
+                    <a:solidFill>
+                      <a:schemeClr val="bg1">
+                        <a:lumMod val="50000"/>
+                      </a:schemeClr>
+                    </a:solidFill>
+                  </a:rPr>
+                  <a:t>Category</a:t>
+                </a:r>
+                <a:endParaRPr lang="en-US" sz="800" dirty="0">
+                  <a:solidFill>
+                    <a:schemeClr val="bg1">
+                      <a:lumMod val="50000"/>
+                    </a:schemeClr>
+                  </a:solidFill>
+                </a:endParaRPr>
+              </a:p>
+            </p:txBody>
+          </p:sp>
+          <p:sp>
+            <p:nvSpPr>
+              <p:cNvPr id="365" name="TextBox 364"/>
+              <p:cNvSpPr txBox="1"/>
+              <p:nvPr/>
+            </p:nvSpPr>
+            <p:spPr>
+              <a:xfrm>
+                <a:off x="4444071" y="1350388"/>
+                <a:ext cx="762000" cy="246221"/>
+              </a:xfrm>
+              <a:prstGeom prst="rect">
+                <a:avLst/>
+              </a:prstGeom>
+              <a:noFill/>
+            </p:spPr>
+            <p:txBody>
+              <a:bodyPr wrap="square" rtlCol="0">
+                <a:spAutoFit/>
+              </a:bodyPr>
+              <a:lstStyle/>
+              <a:p>
+                <a:pPr algn="r"/>
+                <a:r>
+                  <a:rPr lang="en-US" sz="1000" dirty="0" smtClean="0"/>
+                  <a:t>$150.00</a:t>
+                </a:r>
+                <a:endParaRPr lang="en-US" sz="1000" dirty="0"/>
+              </a:p>
+            </p:txBody>
+          </p:sp>
+          <p:sp>
+            <p:nvSpPr>
+              <p:cNvPr id="366" name="TextBox 365"/>
+              <p:cNvSpPr txBox="1"/>
+              <p:nvPr/>
+            </p:nvSpPr>
+            <p:spPr>
+              <a:xfrm>
+                <a:off x="4449291" y="1543205"/>
+                <a:ext cx="762000" cy="215444"/>
+              </a:xfrm>
+              <a:prstGeom prst="rect">
+                <a:avLst/>
+              </a:prstGeom>
+              <a:noFill/>
+            </p:spPr>
+            <p:txBody>
+              <a:bodyPr wrap="square" rtlCol="0">
+                <a:spAutoFit/>
+              </a:bodyPr>
+              <a:lstStyle/>
+              <a:p>
+                <a:pPr algn="r"/>
+                <a:r>
+                  <a:rPr lang="en-US" sz="800" dirty="0" smtClean="0">
+                    <a:solidFill>
+                      <a:schemeClr val="bg1">
+                        <a:lumMod val="50000"/>
+                      </a:schemeClr>
+                    </a:solidFill>
+                  </a:rPr>
+                  <a:t>$99999.99</a:t>
+                </a:r>
+                <a:endParaRPr lang="en-US" sz="800" dirty="0">
+                  <a:solidFill>
+                    <a:schemeClr val="bg1">
+                      <a:lumMod val="50000"/>
+                    </a:schemeClr>
+                  </a:solidFill>
+                </a:endParaRPr>
+              </a:p>
+            </p:txBody>
+          </p:sp>
+        </p:grpSp>
+        <p:cxnSp>
+          <p:nvCxnSpPr>
+            <p:cNvPr id="361" name="Straight Connector 360"/>
+            <p:cNvCxnSpPr/>
+            <p:nvPr/>
+          </p:nvCxnSpPr>
+          <p:spPr>
+            <a:xfrm>
+              <a:off x="2956178" y="1415988"/>
+              <a:ext cx="2301623" cy="0"/>
+            </a:xfrm>
+            <a:prstGeom prst="line">
+              <a:avLst/>
+            </a:prstGeom>
+            <a:ln w="12700">
+              <a:solidFill>
+                <a:schemeClr val="bg1">
+                  <a:lumMod val="75000"/>
+                </a:schemeClr>
+              </a:solidFill>
+            </a:ln>
+          </p:spPr>
+          <p:style>
+            <a:lnRef idx="1">
+              <a:schemeClr val="accent1"/>
+            </a:lnRef>
+            <a:fillRef idx="0">
+              <a:schemeClr val="accent1"/>
+            </a:fillRef>
+            <a:effectRef idx="0">
+              <a:schemeClr val="accent1"/>
+            </a:effectRef>
+            <a:fontRef idx="minor">
+              <a:schemeClr val="tx1"/>
+            </a:fontRef>
+          </p:style>
+        </p:cxnSp>
+      </p:grpSp>
+      <p:grpSp>
+        <p:nvGrpSpPr>
+          <p:cNvPr id="367" name="Group 366"/>
+          <p:cNvGrpSpPr/>
+          <p:nvPr/>
+        </p:nvGrpSpPr>
+        <p:grpSpPr>
+          <a:xfrm>
+            <a:off x="6097796" y="2316587"/>
+            <a:ext cx="2301623" cy="419113"/>
+            <a:chOff x="2956178" y="996875"/>
+            <a:chExt cx="2301623" cy="419113"/>
+          </a:xfrm>
+        </p:grpSpPr>
+        <p:grpSp>
+          <p:nvGrpSpPr>
+            <p:cNvPr id="368" name="Group 367"/>
+            <p:cNvGrpSpPr/>
+            <p:nvPr/>
+          </p:nvGrpSpPr>
+          <p:grpSpPr>
+            <a:xfrm>
+              <a:off x="2956178" y="996875"/>
+              <a:ext cx="2270763" cy="408261"/>
+              <a:chOff x="2971800" y="1350388"/>
+              <a:chExt cx="2239491" cy="408261"/>
+            </a:xfrm>
+          </p:grpSpPr>
+          <p:sp>
+            <p:nvSpPr>
+              <p:cNvPr id="370" name="TextBox 369"/>
+              <p:cNvSpPr txBox="1"/>
+              <p:nvPr/>
+            </p:nvSpPr>
+            <p:spPr>
+              <a:xfrm>
+                <a:off x="2971800" y="1350390"/>
+                <a:ext cx="838200" cy="246221"/>
+              </a:xfrm>
+              <a:prstGeom prst="rect">
+                <a:avLst/>
+              </a:prstGeom>
+              <a:noFill/>
+            </p:spPr>
+            <p:txBody>
+              <a:bodyPr wrap="square" rtlCol="0">
+                <a:spAutoFit/>
+              </a:bodyPr>
+              <a:lstStyle/>
+              <a:p>
+                <a:r>
+                  <a:rPr lang="en-US" sz="1000" dirty="0" smtClean="0"/>
+                  <a:t>12/12</a:t>
+                </a:r>
+                <a:endParaRPr lang="en-US" sz="1000" dirty="0"/>
+              </a:p>
+            </p:txBody>
+          </p:sp>
+          <p:sp>
+            <p:nvSpPr>
+              <p:cNvPr id="371" name="TextBox 370"/>
+              <p:cNvSpPr txBox="1"/>
+              <p:nvPr/>
+            </p:nvSpPr>
+            <p:spPr>
+              <a:xfrm>
+                <a:off x="3451535" y="1350390"/>
+                <a:ext cx="1738224" cy="246221"/>
+              </a:xfrm>
+              <a:prstGeom prst="rect">
+                <a:avLst/>
+              </a:prstGeom>
+              <a:noFill/>
+            </p:spPr>
+            <p:txBody>
+              <a:bodyPr wrap="square" rtlCol="0">
+                <a:spAutoFit/>
+              </a:bodyPr>
+              <a:lstStyle/>
+              <a:p>
+                <a:r>
+                  <a:rPr lang="en-US" sz="1000" dirty="0" smtClean="0"/>
+                  <a:t>Description</a:t>
+                </a:r>
+                <a:endParaRPr lang="en-US" sz="1000" dirty="0"/>
+              </a:p>
+            </p:txBody>
+          </p:sp>
+          <p:sp>
+            <p:nvSpPr>
+              <p:cNvPr id="372" name="TextBox 371"/>
+              <p:cNvSpPr txBox="1"/>
+              <p:nvPr/>
+            </p:nvSpPr>
+            <p:spPr>
+              <a:xfrm>
+                <a:off x="3448771" y="1543205"/>
+                <a:ext cx="1066800" cy="215444"/>
+              </a:xfrm>
+              <a:prstGeom prst="rect">
+                <a:avLst/>
+              </a:prstGeom>
+              <a:noFill/>
+            </p:spPr>
+            <p:txBody>
+              <a:bodyPr wrap="square" rtlCol="0">
+                <a:spAutoFit/>
+              </a:bodyPr>
+              <a:lstStyle/>
+              <a:p>
+                <a:r>
+                  <a:rPr lang="en-US" sz="800" dirty="0" smtClean="0">
+                    <a:solidFill>
+                      <a:schemeClr val="bg1">
+                        <a:lumMod val="50000"/>
+                      </a:schemeClr>
+                    </a:solidFill>
+                  </a:rPr>
+                  <a:t>Category</a:t>
+                </a:r>
+                <a:endParaRPr lang="en-US" sz="800" dirty="0">
+                  <a:solidFill>
+                    <a:schemeClr val="bg1">
+                      <a:lumMod val="50000"/>
+                    </a:schemeClr>
+                  </a:solidFill>
+                </a:endParaRPr>
+              </a:p>
+            </p:txBody>
+          </p:sp>
+          <p:sp>
+            <p:nvSpPr>
+              <p:cNvPr id="373" name="TextBox 372"/>
+              <p:cNvSpPr txBox="1"/>
+              <p:nvPr/>
+            </p:nvSpPr>
+            <p:spPr>
+              <a:xfrm>
+                <a:off x="4444071" y="1350388"/>
+                <a:ext cx="762000" cy="246221"/>
+              </a:xfrm>
+              <a:prstGeom prst="rect">
+                <a:avLst/>
+              </a:prstGeom>
+              <a:noFill/>
+            </p:spPr>
+            <p:txBody>
+              <a:bodyPr wrap="square" rtlCol="0">
+                <a:spAutoFit/>
+              </a:bodyPr>
+              <a:lstStyle/>
+              <a:p>
+                <a:pPr algn="r"/>
+                <a:r>
+                  <a:rPr lang="en-US" sz="1000" dirty="0" smtClean="0"/>
+                  <a:t>$150.00</a:t>
+                </a:r>
+                <a:endParaRPr lang="en-US" sz="1000" dirty="0"/>
+              </a:p>
+            </p:txBody>
+          </p:sp>
+          <p:sp>
+            <p:nvSpPr>
+              <p:cNvPr id="374" name="TextBox 373"/>
+              <p:cNvSpPr txBox="1"/>
+              <p:nvPr/>
+            </p:nvSpPr>
+            <p:spPr>
+              <a:xfrm>
+                <a:off x="4449291" y="1543205"/>
+                <a:ext cx="762000" cy="215444"/>
+              </a:xfrm>
+              <a:prstGeom prst="rect">
+                <a:avLst/>
+              </a:prstGeom>
+              <a:noFill/>
+            </p:spPr>
+            <p:txBody>
+              <a:bodyPr wrap="square" rtlCol="0">
+                <a:spAutoFit/>
+              </a:bodyPr>
+              <a:lstStyle/>
+              <a:p>
+                <a:pPr algn="r"/>
+                <a:r>
+                  <a:rPr lang="en-US" sz="800" dirty="0" smtClean="0">
+                    <a:solidFill>
+                      <a:schemeClr val="bg1">
+                        <a:lumMod val="50000"/>
+                      </a:schemeClr>
+                    </a:solidFill>
+                  </a:rPr>
+                  <a:t>$99999.99</a:t>
+                </a:r>
+                <a:endParaRPr lang="en-US" sz="800" dirty="0">
+                  <a:solidFill>
+                    <a:schemeClr val="bg1">
+                      <a:lumMod val="50000"/>
+                    </a:schemeClr>
+                  </a:solidFill>
+                </a:endParaRPr>
+              </a:p>
+            </p:txBody>
+          </p:sp>
+        </p:grpSp>
+        <p:cxnSp>
+          <p:nvCxnSpPr>
+            <p:cNvPr id="369" name="Straight Connector 368"/>
+            <p:cNvCxnSpPr/>
+            <p:nvPr/>
+          </p:nvCxnSpPr>
+          <p:spPr>
+            <a:xfrm>
+              <a:off x="2956178" y="1415988"/>
+              <a:ext cx="2301623" cy="0"/>
+            </a:xfrm>
+            <a:prstGeom prst="line">
+              <a:avLst/>
+            </a:prstGeom>
+            <a:ln w="12700">
+              <a:solidFill>
+                <a:schemeClr val="bg1">
+                  <a:lumMod val="75000"/>
+                </a:schemeClr>
+              </a:solidFill>
+            </a:ln>
+          </p:spPr>
+          <p:style>
+            <a:lnRef idx="1">
+              <a:schemeClr val="accent1"/>
+            </a:lnRef>
+            <a:fillRef idx="0">
+              <a:schemeClr val="accent1"/>
+            </a:fillRef>
+            <a:effectRef idx="0">
+              <a:schemeClr val="accent1"/>
+            </a:effectRef>
+            <a:fontRef idx="minor">
+              <a:schemeClr val="tx1"/>
+            </a:fontRef>
+          </p:style>
+        </p:cxnSp>
+      </p:grpSp>
+      <p:grpSp>
+        <p:nvGrpSpPr>
+          <p:cNvPr id="375" name="Group 374"/>
+          <p:cNvGrpSpPr/>
+          <p:nvPr/>
+        </p:nvGrpSpPr>
+        <p:grpSpPr>
+          <a:xfrm>
+            <a:off x="6097795" y="2756303"/>
+            <a:ext cx="2301623" cy="419113"/>
+            <a:chOff x="2956178" y="996875"/>
+            <a:chExt cx="2301623" cy="419113"/>
+          </a:xfrm>
+        </p:grpSpPr>
+        <p:grpSp>
+          <p:nvGrpSpPr>
+            <p:cNvPr id="376" name="Group 375"/>
+            <p:cNvGrpSpPr/>
+            <p:nvPr/>
+          </p:nvGrpSpPr>
+          <p:grpSpPr>
+            <a:xfrm>
+              <a:off x="2956178" y="996875"/>
+              <a:ext cx="2270763" cy="408261"/>
+              <a:chOff x="2971800" y="1350388"/>
+              <a:chExt cx="2239491" cy="408261"/>
+            </a:xfrm>
+          </p:grpSpPr>
+          <p:sp>
+            <p:nvSpPr>
+              <p:cNvPr id="378" name="TextBox 377"/>
+              <p:cNvSpPr txBox="1"/>
+              <p:nvPr/>
+            </p:nvSpPr>
+            <p:spPr>
+              <a:xfrm>
+                <a:off x="2971800" y="1350390"/>
+                <a:ext cx="838200" cy="246221"/>
+              </a:xfrm>
+              <a:prstGeom prst="rect">
+                <a:avLst/>
+              </a:prstGeom>
+              <a:noFill/>
+            </p:spPr>
+            <p:txBody>
+              <a:bodyPr wrap="square" rtlCol="0">
+                <a:spAutoFit/>
+              </a:bodyPr>
+              <a:lstStyle/>
+              <a:p>
+                <a:r>
+                  <a:rPr lang="en-US" sz="1000" dirty="0" smtClean="0"/>
+                  <a:t>12/12</a:t>
+                </a:r>
+                <a:endParaRPr lang="en-US" sz="1000" dirty="0"/>
+              </a:p>
+            </p:txBody>
+          </p:sp>
+          <p:sp>
+            <p:nvSpPr>
+              <p:cNvPr id="379" name="TextBox 378"/>
+              <p:cNvSpPr txBox="1"/>
+              <p:nvPr/>
+            </p:nvSpPr>
+            <p:spPr>
+              <a:xfrm>
+                <a:off x="3451535" y="1350390"/>
+                <a:ext cx="1738224" cy="246221"/>
+              </a:xfrm>
+              <a:prstGeom prst="rect">
+                <a:avLst/>
+              </a:prstGeom>
+              <a:noFill/>
+            </p:spPr>
+            <p:txBody>
+              <a:bodyPr wrap="square" rtlCol="0">
+                <a:spAutoFit/>
+              </a:bodyPr>
+              <a:lstStyle/>
+              <a:p>
+                <a:r>
+                  <a:rPr lang="en-US" sz="1000" dirty="0" smtClean="0"/>
+                  <a:t>Description</a:t>
+                </a:r>
+                <a:endParaRPr lang="en-US" sz="1000" dirty="0"/>
+              </a:p>
+            </p:txBody>
+          </p:sp>
+          <p:sp>
+            <p:nvSpPr>
+              <p:cNvPr id="380" name="TextBox 379"/>
+              <p:cNvSpPr txBox="1"/>
+              <p:nvPr/>
+            </p:nvSpPr>
+            <p:spPr>
+              <a:xfrm>
+                <a:off x="3448771" y="1543205"/>
+                <a:ext cx="1066800" cy="215444"/>
+              </a:xfrm>
+              <a:prstGeom prst="rect">
+                <a:avLst/>
+              </a:prstGeom>
+              <a:noFill/>
+            </p:spPr>
+            <p:txBody>
+              <a:bodyPr wrap="square" rtlCol="0">
+                <a:spAutoFit/>
+              </a:bodyPr>
+              <a:lstStyle/>
+              <a:p>
+                <a:r>
+                  <a:rPr lang="en-US" sz="800" dirty="0" smtClean="0">
+                    <a:solidFill>
+                      <a:schemeClr val="bg1">
+                        <a:lumMod val="50000"/>
+                      </a:schemeClr>
+                    </a:solidFill>
+                  </a:rPr>
+                  <a:t>Category</a:t>
+                </a:r>
+                <a:endParaRPr lang="en-US" sz="800" dirty="0">
+                  <a:solidFill>
+                    <a:schemeClr val="bg1">
+                      <a:lumMod val="50000"/>
+                    </a:schemeClr>
+                  </a:solidFill>
+                </a:endParaRPr>
+              </a:p>
+            </p:txBody>
+          </p:sp>
+          <p:sp>
+            <p:nvSpPr>
+              <p:cNvPr id="381" name="TextBox 380"/>
+              <p:cNvSpPr txBox="1"/>
+              <p:nvPr/>
+            </p:nvSpPr>
+            <p:spPr>
+              <a:xfrm>
+                <a:off x="4444071" y="1350388"/>
+                <a:ext cx="762000" cy="246221"/>
+              </a:xfrm>
+              <a:prstGeom prst="rect">
+                <a:avLst/>
+              </a:prstGeom>
+              <a:noFill/>
+            </p:spPr>
+            <p:txBody>
+              <a:bodyPr wrap="square" rtlCol="0">
+                <a:spAutoFit/>
+              </a:bodyPr>
+              <a:lstStyle/>
+              <a:p>
+                <a:pPr algn="r"/>
+                <a:r>
+                  <a:rPr lang="en-US" sz="1000" dirty="0" smtClean="0"/>
+                  <a:t>$150.00</a:t>
+                </a:r>
+                <a:endParaRPr lang="en-US" sz="1000" dirty="0"/>
+              </a:p>
+            </p:txBody>
+          </p:sp>
+          <p:sp>
+            <p:nvSpPr>
+              <p:cNvPr id="382" name="TextBox 381"/>
+              <p:cNvSpPr txBox="1"/>
+              <p:nvPr/>
+            </p:nvSpPr>
+            <p:spPr>
+              <a:xfrm>
+                <a:off x="4449291" y="1543205"/>
+                <a:ext cx="762000" cy="215444"/>
+              </a:xfrm>
+              <a:prstGeom prst="rect">
+                <a:avLst/>
+              </a:prstGeom>
+              <a:noFill/>
+            </p:spPr>
+            <p:txBody>
+              <a:bodyPr wrap="square" rtlCol="0">
+                <a:spAutoFit/>
+              </a:bodyPr>
+              <a:lstStyle/>
+              <a:p>
+                <a:pPr algn="r"/>
+                <a:r>
+                  <a:rPr lang="en-US" sz="800" dirty="0" smtClean="0">
+                    <a:solidFill>
+                      <a:schemeClr val="bg1">
+                        <a:lumMod val="50000"/>
+                      </a:schemeClr>
+                    </a:solidFill>
+                  </a:rPr>
+                  <a:t>$99999.99</a:t>
+                </a:r>
+                <a:endParaRPr lang="en-US" sz="800" dirty="0">
+                  <a:solidFill>
+                    <a:schemeClr val="bg1">
+                      <a:lumMod val="50000"/>
+                    </a:schemeClr>
+                  </a:solidFill>
+                </a:endParaRPr>
+              </a:p>
+            </p:txBody>
+          </p:sp>
+        </p:grpSp>
+        <p:cxnSp>
+          <p:nvCxnSpPr>
+            <p:cNvPr id="377" name="Straight Connector 376"/>
+            <p:cNvCxnSpPr/>
+            <p:nvPr/>
+          </p:nvCxnSpPr>
+          <p:spPr>
+            <a:xfrm>
+              <a:off x="2956178" y="1415988"/>
+              <a:ext cx="2301623" cy="0"/>
+            </a:xfrm>
+            <a:prstGeom prst="line">
+              <a:avLst/>
+            </a:prstGeom>
+            <a:ln w="12700">
+              <a:solidFill>
+                <a:schemeClr val="bg1">
+                  <a:lumMod val="75000"/>
+                </a:schemeClr>
+              </a:solidFill>
+            </a:ln>
+          </p:spPr>
+          <p:style>
+            <a:lnRef idx="1">
+              <a:schemeClr val="accent1"/>
+            </a:lnRef>
+            <a:fillRef idx="0">
+              <a:schemeClr val="accent1"/>
+            </a:fillRef>
+            <a:effectRef idx="0">
+              <a:schemeClr val="accent1"/>
+            </a:effectRef>
+            <a:fontRef idx="minor">
+              <a:schemeClr val="tx1"/>
+            </a:fontRef>
+          </p:style>
+        </p:cxnSp>
+      </p:grpSp>
+      <p:sp>
+        <p:nvSpPr>
+          <p:cNvPr id="383" name="Rectangle 382"/>
+          <p:cNvSpPr/>
+          <p:nvPr/>
+        </p:nvSpPr>
+        <p:spPr>
+          <a:xfrm>
+            <a:off x="6505740" y="79016"/>
+            <a:ext cx="1981199" cy="4287544"/>
+          </a:xfrm>
+          <a:prstGeom prst="rect">
+            <a:avLst/>
+          </a:prstGeom>
+          <a:solidFill>
+            <a:schemeClr val="bg1">
+              <a:lumMod val="85000"/>
+            </a:schemeClr>
+          </a:solidFill>
+          <a:ln>
+            <a:solidFill>
+              <a:schemeClr val="bg1">
+                <a:lumMod val="85000"/>
+              </a:schemeClr>
+            </a:solidFill>
+          </a:ln>
+          <a:effectLst>
+            <a:outerShdw blurRad="50800" dist="38100" dir="10800000" algn="r" rotWithShape="0">
+              <a:prstClr val="black">
+                <a:alpha val="40000"/>
+              </a:prstClr>
+            </a:outerShdw>
+          </a:effectLst>
+        </p:spPr>
+        <p:style>
+          <a:lnRef idx="2">
+            <a:schemeClr val="accent1">
+              <a:shade val="50000"/>
+            </a:schemeClr>
+          </a:lnRef>
+          <a:fillRef idx="1">
+            <a:schemeClr val="accent1"/>
+          </a:fillRef>
+          <a:effectRef idx="0">
+            <a:schemeClr val="accent1"/>
+          </a:effectRef>
+          <a:fontRef idx="minor">
+            <a:schemeClr val="lt1"/>
+          </a:fontRef>
+        </p:style>
+        <p:txBody>
+          <a:bodyPr rtlCol="0" anchor="ctr"/>
+          <a:lstStyle/>
+          <a:p>
+            <a:pPr algn="ctr"/>
+            <a:endParaRPr lang="en-US"/>
+          </a:p>
+        </p:txBody>
+      </p:sp>
+      <p:sp>
+        <p:nvSpPr>
+          <p:cNvPr id="384" name="Rounded Rectangle 383"/>
+          <p:cNvSpPr/>
+          <p:nvPr/>
+        </p:nvSpPr>
+        <p:spPr>
+          <a:xfrm>
+            <a:off x="6581426" y="692056"/>
+            <a:ext cx="1817992" cy="216576"/>
+          </a:xfrm>
+          <a:prstGeom prst="roundRect">
+            <a:avLst>
+              <a:gd name="adj" fmla="val 0"/>
+            </a:avLst>
+          </a:prstGeom>
+          <a:solidFill>
+            <a:schemeClr val="bg1"/>
+          </a:solidFill>
+          <a:ln w="12700">
+            <a:solidFill>
+              <a:schemeClr val="tx1">
+                <a:lumMod val="85000"/>
+                <a:lumOff val="15000"/>
+              </a:schemeClr>
+            </a:solidFill>
+          </a:ln>
+        </p:spPr>
+        <p:style>
+          <a:lnRef idx="2">
+            <a:schemeClr val="accent1">
+              <a:shade val="50000"/>
+            </a:schemeClr>
+          </a:lnRef>
+          <a:fillRef idx="1">
+            <a:schemeClr val="accent1"/>
+          </a:fillRef>
+          <a:effectRef idx="0">
+            <a:schemeClr val="accent1"/>
+          </a:effectRef>
+          <a:fontRef idx="minor">
+            <a:schemeClr val="lt1"/>
+          </a:fontRef>
+        </p:style>
+        <p:txBody>
+          <a:bodyPr rtlCol="0" anchor="ctr"/>
+          <a:lstStyle/>
+          <a:p>
+            <a:endParaRPr lang="en-US" sz="1050" dirty="0">
+              <a:solidFill>
+                <a:schemeClr val="bg1">
+                  <a:lumMod val="50000"/>
+                </a:schemeClr>
+              </a:solidFill>
+            </a:endParaRPr>
+          </a:p>
+        </p:txBody>
+      </p:sp>
+      <p:sp>
+        <p:nvSpPr>
+          <p:cNvPr id="412" name="Rectangle 411"/>
+          <p:cNvSpPr/>
+          <p:nvPr/>
+        </p:nvSpPr>
+        <p:spPr>
+          <a:xfrm>
+            <a:off x="5991306" y="79016"/>
+            <a:ext cx="2514600" cy="4287544"/>
+          </a:xfrm>
+          <a:prstGeom prst="rect">
+            <a:avLst/>
+          </a:prstGeom>
+          <a:noFill/>
+          <a:ln>
+            <a:solidFill>
+              <a:schemeClr val="tx1">
+                <a:lumMod val="95000"/>
+                <a:lumOff val="5000"/>
+              </a:schemeClr>
+            </a:solidFill>
+          </a:ln>
+        </p:spPr>
+        <p:style>
+          <a:lnRef idx="2">
+            <a:schemeClr val="accent1">
+              <a:shade val="50000"/>
+            </a:schemeClr>
+          </a:lnRef>
+          <a:fillRef idx="1">
+            <a:schemeClr val="accent1"/>
+          </a:fillRef>
+          <a:effectRef idx="0">
+            <a:schemeClr val="accent1"/>
+          </a:effectRef>
+          <a:fontRef idx="minor">
+            <a:schemeClr val="lt1"/>
+          </a:fontRef>
+        </p:style>
+        <p:txBody>
+          <a:bodyPr rtlCol="0" anchor="ctr"/>
+          <a:lstStyle/>
+          <a:p>
+            <a:pPr algn="ctr"/>
+            <a:endParaRPr lang="en-US"/>
+          </a:p>
+        </p:txBody>
+      </p:sp>
+      <p:sp>
+        <p:nvSpPr>
+          <p:cNvPr id="422" name="Rectangle 421"/>
+          <p:cNvSpPr/>
+          <p:nvPr/>
+        </p:nvSpPr>
+        <p:spPr>
+          <a:xfrm>
+            <a:off x="6505740" y="89469"/>
+            <a:ext cx="2000166" cy="350542"/>
+          </a:xfrm>
+          <a:prstGeom prst="rect">
+            <a:avLst/>
+          </a:prstGeom>
+          <a:solidFill>
+            <a:schemeClr val="tx1">
+              <a:lumMod val="65000"/>
+              <a:lumOff val="35000"/>
+            </a:schemeClr>
+          </a:solidFill>
+          <a:ln>
+            <a:solidFill>
+              <a:schemeClr val="tx1">
+                <a:lumMod val="65000"/>
+                <a:lumOff val="35000"/>
+              </a:schemeClr>
+            </a:solidFill>
+          </a:ln>
+        </p:spPr>
+        <p:style>
+          <a:lnRef idx="2">
+            <a:schemeClr val="accent1">
+              <a:shade val="50000"/>
+            </a:schemeClr>
+          </a:lnRef>
+          <a:fillRef idx="1">
+            <a:schemeClr val="accent1"/>
+          </a:fillRef>
+          <a:effectRef idx="0">
+            <a:schemeClr val="accent1"/>
+          </a:effectRef>
+          <a:fontRef idx="minor">
+            <a:schemeClr val="lt1"/>
+          </a:fontRef>
+        </p:style>
+        <p:txBody>
+          <a:bodyPr rtlCol="0" anchor="ctr"/>
+          <a:lstStyle/>
+          <a:p>
+            <a:r>
+              <a:rPr lang="en-US" sz="1200" b="1" dirty="0" smtClean="0"/>
+              <a:t>Add Recurring Expense</a:t>
+            </a:r>
+            <a:endParaRPr lang="en-US" sz="1200" b="1" dirty="0"/>
+          </a:p>
+        </p:txBody>
+      </p:sp>
+      <p:sp>
+        <p:nvSpPr>
+          <p:cNvPr id="423" name="TextBox 422"/>
+          <p:cNvSpPr txBox="1"/>
+          <p:nvPr/>
+        </p:nvSpPr>
+        <p:spPr>
+          <a:xfrm>
+            <a:off x="8233776" y="132429"/>
+            <a:ext cx="267727" cy="246221"/>
+          </a:xfrm>
+          <a:prstGeom prst="rect">
+            <a:avLst/>
+          </a:prstGeom>
+          <a:noFill/>
+        </p:spPr>
+        <p:txBody>
+          <a:bodyPr wrap="square" rtlCol="0">
+            <a:spAutoFit/>
+          </a:bodyPr>
+          <a:lstStyle/>
+          <a:p>
+            <a:r>
+              <a:rPr lang="en-US" sz="1000" dirty="0" smtClean="0">
+                <a:solidFill>
+                  <a:schemeClr val="bg1"/>
+                </a:solidFill>
+              </a:rPr>
+              <a:t>x</a:t>
+            </a:r>
+            <a:endParaRPr lang="en-US" sz="1000" dirty="0">
+              <a:solidFill>
+                <a:schemeClr val="bg1"/>
+              </a:solidFill>
+            </a:endParaRPr>
+          </a:p>
+        </p:txBody>
+      </p:sp>
+      <p:sp>
+        <p:nvSpPr>
+          <p:cNvPr id="424" name="TextBox 423"/>
+          <p:cNvSpPr txBox="1"/>
+          <p:nvPr/>
+        </p:nvSpPr>
+        <p:spPr>
+          <a:xfrm>
+            <a:off x="6502437" y="472198"/>
+            <a:ext cx="914400" cy="246221"/>
+          </a:xfrm>
+          <a:prstGeom prst="rect">
+            <a:avLst/>
+          </a:prstGeom>
+          <a:noFill/>
+        </p:spPr>
+        <p:txBody>
+          <a:bodyPr wrap="square" rtlCol="0">
+            <a:spAutoFit/>
+          </a:bodyPr>
+          <a:lstStyle/>
+          <a:p>
+            <a:r>
+              <a:rPr lang="en-US" sz="1000" dirty="0" smtClean="0"/>
+              <a:t>Description</a:t>
+            </a:r>
+            <a:endParaRPr lang="en-US" sz="1000" dirty="0"/>
+          </a:p>
+        </p:txBody>
+      </p:sp>
+      <p:sp>
+        <p:nvSpPr>
+          <p:cNvPr id="425" name="Rounded Rectangle 424"/>
+          <p:cNvSpPr/>
+          <p:nvPr/>
+        </p:nvSpPr>
+        <p:spPr>
+          <a:xfrm>
+            <a:off x="6581426" y="1187295"/>
+            <a:ext cx="1817992" cy="216576"/>
+          </a:xfrm>
+          <a:prstGeom prst="roundRect">
+            <a:avLst>
+              <a:gd name="adj" fmla="val 0"/>
+            </a:avLst>
+          </a:prstGeom>
+          <a:solidFill>
+            <a:schemeClr val="bg1"/>
+          </a:solidFill>
+          <a:ln w="12700">
+            <a:solidFill>
+              <a:schemeClr val="tx1">
+                <a:lumMod val="85000"/>
+                <a:lumOff val="15000"/>
+              </a:schemeClr>
+            </a:solidFill>
+          </a:ln>
+        </p:spPr>
+        <p:style>
+          <a:lnRef idx="2">
+            <a:schemeClr val="accent1">
+              <a:shade val="50000"/>
+            </a:schemeClr>
+          </a:lnRef>
+          <a:fillRef idx="1">
+            <a:schemeClr val="accent1"/>
+          </a:fillRef>
+          <a:effectRef idx="0">
+            <a:schemeClr val="accent1"/>
+          </a:effectRef>
+          <a:fontRef idx="minor">
+            <a:schemeClr val="lt1"/>
+          </a:fontRef>
+        </p:style>
+        <p:txBody>
+          <a:bodyPr rtlCol="0" anchor="ctr"/>
+          <a:lstStyle/>
+          <a:p>
+            <a:endParaRPr lang="en-US" sz="1050" dirty="0">
+              <a:solidFill>
+                <a:schemeClr val="bg1">
+                  <a:lumMod val="50000"/>
+                </a:schemeClr>
+              </a:solidFill>
+            </a:endParaRPr>
+          </a:p>
+        </p:txBody>
+      </p:sp>
+      <p:sp>
+        <p:nvSpPr>
+          <p:cNvPr id="426" name="TextBox 425"/>
+          <p:cNvSpPr txBox="1"/>
+          <p:nvPr/>
+        </p:nvSpPr>
+        <p:spPr>
+          <a:xfrm>
+            <a:off x="6502437" y="967437"/>
+            <a:ext cx="914400" cy="246221"/>
+          </a:xfrm>
+          <a:prstGeom prst="rect">
+            <a:avLst/>
+          </a:prstGeom>
+          <a:noFill/>
+        </p:spPr>
+        <p:txBody>
+          <a:bodyPr wrap="square" rtlCol="0">
+            <a:spAutoFit/>
+          </a:bodyPr>
+          <a:lstStyle/>
+          <a:p>
+            <a:r>
+              <a:rPr lang="en-US" sz="1000" dirty="0" smtClean="0"/>
+              <a:t>Amount</a:t>
+            </a:r>
+            <a:endParaRPr lang="en-US" sz="1000" dirty="0"/>
+          </a:p>
+        </p:txBody>
+      </p:sp>
+      <p:sp>
+        <p:nvSpPr>
+          <p:cNvPr id="427" name="Rounded Rectangle 426"/>
+          <p:cNvSpPr/>
+          <p:nvPr/>
+        </p:nvSpPr>
+        <p:spPr>
+          <a:xfrm>
+            <a:off x="6580754" y="1672728"/>
+            <a:ext cx="1817992" cy="216576"/>
+          </a:xfrm>
+          <a:prstGeom prst="roundRect">
+            <a:avLst>
+              <a:gd name="adj" fmla="val 0"/>
+            </a:avLst>
+          </a:prstGeom>
+          <a:solidFill>
+            <a:schemeClr val="bg1"/>
+          </a:solidFill>
+          <a:ln w="12700">
+            <a:solidFill>
+              <a:schemeClr val="tx1">
+                <a:lumMod val="85000"/>
+                <a:lumOff val="15000"/>
+              </a:schemeClr>
+            </a:solidFill>
+          </a:ln>
+        </p:spPr>
+        <p:style>
+          <a:lnRef idx="2">
+            <a:schemeClr val="accent1">
+              <a:shade val="50000"/>
+            </a:schemeClr>
+          </a:lnRef>
+          <a:fillRef idx="1">
+            <a:schemeClr val="accent1"/>
+          </a:fillRef>
+          <a:effectRef idx="0">
+            <a:schemeClr val="accent1"/>
+          </a:effectRef>
+          <a:fontRef idx="minor">
+            <a:schemeClr val="lt1"/>
+          </a:fontRef>
+        </p:style>
+        <p:txBody>
+          <a:bodyPr rtlCol="0" anchor="ctr"/>
+          <a:lstStyle/>
+          <a:p>
+            <a:r>
+              <a:rPr lang="en-US" sz="1050" dirty="0" smtClean="0">
+                <a:solidFill>
+                  <a:schemeClr val="tx1">
+                    <a:lumMod val="95000"/>
+                    <a:lumOff val="5000"/>
+                  </a:schemeClr>
+                </a:solidFill>
+              </a:rPr>
+              <a:t>Checking</a:t>
+            </a:r>
+            <a:endParaRPr lang="en-US" sz="1050" dirty="0">
+              <a:solidFill>
+                <a:schemeClr val="tx1">
+                  <a:lumMod val="95000"/>
+                  <a:lumOff val="5000"/>
+                </a:schemeClr>
+              </a:solidFill>
+            </a:endParaRPr>
+          </a:p>
+        </p:txBody>
+      </p:sp>
+      <p:sp>
+        <p:nvSpPr>
+          <p:cNvPr id="428" name="TextBox 427"/>
+          <p:cNvSpPr txBox="1"/>
+          <p:nvPr/>
+        </p:nvSpPr>
+        <p:spPr>
+          <a:xfrm>
+            <a:off x="6501765" y="1452870"/>
+            <a:ext cx="914400" cy="246221"/>
+          </a:xfrm>
+          <a:prstGeom prst="rect">
+            <a:avLst/>
+          </a:prstGeom>
+          <a:noFill/>
+        </p:spPr>
+        <p:txBody>
+          <a:bodyPr wrap="square" rtlCol="0">
+            <a:spAutoFit/>
+          </a:bodyPr>
+          <a:lstStyle/>
+          <a:p>
+            <a:r>
+              <a:rPr lang="en-US" sz="1000" dirty="0" smtClean="0"/>
+              <a:t>Account</a:t>
+            </a:r>
+            <a:endParaRPr lang="en-US" sz="1000" dirty="0"/>
+          </a:p>
+        </p:txBody>
+      </p:sp>
+      <p:sp>
+        <p:nvSpPr>
+          <p:cNvPr id="429" name="Isosceles Triangle 428"/>
+          <p:cNvSpPr/>
+          <p:nvPr/>
+        </p:nvSpPr>
+        <p:spPr>
+          <a:xfrm rot="10800000">
+            <a:off x="8282942" y="1760249"/>
+            <a:ext cx="67141" cy="57880"/>
+          </a:xfrm>
+          <a:prstGeom prst="triangle">
+            <a:avLst/>
+          </a:prstGeom>
+          <a:solidFill>
+            <a:schemeClr val="tx1">
+              <a:lumMod val="85000"/>
+              <a:lumOff val="15000"/>
+            </a:schemeClr>
+          </a:solidFill>
+          <a:ln>
+            <a:noFill/>
+          </a:ln>
+        </p:spPr>
+        <p:style>
+          <a:lnRef idx="2">
+            <a:schemeClr val="accent1">
+              <a:shade val="50000"/>
+            </a:schemeClr>
+          </a:lnRef>
+          <a:fillRef idx="1">
+            <a:schemeClr val="accent1"/>
+          </a:fillRef>
+          <a:effectRef idx="0">
+            <a:schemeClr val="accent1"/>
+          </a:effectRef>
+          <a:fontRef idx="minor">
+            <a:schemeClr val="lt1"/>
+          </a:fontRef>
+        </p:style>
+        <p:txBody>
+          <a:bodyPr rtlCol="0" anchor="ctr"/>
+          <a:lstStyle/>
+          <a:p>
+            <a:pPr algn="ctr"/>
+            <a:endParaRPr lang="en-US"/>
+          </a:p>
+        </p:txBody>
+      </p:sp>
+      <p:sp>
+        <p:nvSpPr>
+          <p:cNvPr id="430" name="Rectangle 429"/>
+          <p:cNvSpPr/>
+          <p:nvPr/>
+        </p:nvSpPr>
+        <p:spPr>
+          <a:xfrm>
+            <a:off x="7736855" y="4038541"/>
+            <a:ext cx="626410" cy="213093"/>
+          </a:xfrm>
+          <a:prstGeom prst="rect">
+            <a:avLst/>
+          </a:prstGeom>
+          <a:solidFill>
+            <a:schemeClr val="bg1">
+              <a:lumMod val="75000"/>
+            </a:schemeClr>
+          </a:solidFill>
+          <a:ln w="12700">
+            <a:solidFill>
+              <a:schemeClr val="tx1">
+                <a:lumMod val="85000"/>
+                <a:lumOff val="15000"/>
+              </a:schemeClr>
+            </a:solidFill>
+          </a:ln>
+        </p:spPr>
+        <p:style>
+          <a:lnRef idx="2">
+            <a:schemeClr val="accent1">
+              <a:shade val="50000"/>
+            </a:schemeClr>
+          </a:lnRef>
+          <a:fillRef idx="1">
+            <a:schemeClr val="accent1"/>
+          </a:fillRef>
+          <a:effectRef idx="0">
+            <a:schemeClr val="accent1"/>
+          </a:effectRef>
+          <a:fontRef idx="minor">
+            <a:schemeClr val="lt1"/>
+          </a:fontRef>
+        </p:style>
+        <p:txBody>
+          <a:bodyPr rtlCol="0" anchor="ctr"/>
+          <a:lstStyle/>
+          <a:p>
+            <a:pPr algn="ctr"/>
+            <a:r>
+              <a:rPr lang="en-US" sz="1000" dirty="0" smtClean="0">
+                <a:solidFill>
+                  <a:schemeClr val="tx1"/>
+                </a:solidFill>
+              </a:rPr>
+              <a:t>Submit</a:t>
+            </a:r>
+            <a:endParaRPr lang="en-US" sz="1000" dirty="0">
+              <a:solidFill>
+                <a:schemeClr val="tx1"/>
+              </a:solidFill>
+            </a:endParaRPr>
+          </a:p>
+        </p:txBody>
+      </p:sp>
+      <p:sp>
+        <p:nvSpPr>
+          <p:cNvPr id="431" name="Rectangle 430"/>
+          <p:cNvSpPr/>
+          <p:nvPr/>
+        </p:nvSpPr>
+        <p:spPr>
+          <a:xfrm>
+            <a:off x="6634495" y="4038541"/>
+            <a:ext cx="626410" cy="213093"/>
+          </a:xfrm>
+          <a:prstGeom prst="rect">
+            <a:avLst/>
+          </a:prstGeom>
+          <a:solidFill>
+            <a:schemeClr val="bg1">
+              <a:lumMod val="75000"/>
+            </a:schemeClr>
+          </a:solidFill>
+          <a:ln w="12700">
+            <a:solidFill>
+              <a:schemeClr val="tx1">
+                <a:lumMod val="85000"/>
+                <a:lumOff val="15000"/>
+              </a:schemeClr>
+            </a:solidFill>
+          </a:ln>
+        </p:spPr>
+        <p:style>
+          <a:lnRef idx="2">
+            <a:schemeClr val="accent1">
+              <a:shade val="50000"/>
+            </a:schemeClr>
+          </a:lnRef>
+          <a:fillRef idx="1">
+            <a:schemeClr val="accent1"/>
+          </a:fillRef>
+          <a:effectRef idx="0">
+            <a:schemeClr val="accent1"/>
+          </a:effectRef>
+          <a:fontRef idx="minor">
+            <a:schemeClr val="lt1"/>
+          </a:fontRef>
+        </p:style>
+        <p:txBody>
+          <a:bodyPr rtlCol="0" anchor="ctr"/>
+          <a:lstStyle/>
+          <a:p>
+            <a:pPr algn="ctr"/>
+            <a:r>
+              <a:rPr lang="en-US" sz="1000" dirty="0" smtClean="0">
+                <a:solidFill>
+                  <a:schemeClr val="tx1"/>
+                </a:solidFill>
+              </a:rPr>
+              <a:t>Cancel</a:t>
+            </a:r>
+            <a:endParaRPr lang="en-US" sz="1000" dirty="0">
+              <a:solidFill>
+                <a:schemeClr val="tx1"/>
+              </a:solidFill>
+            </a:endParaRPr>
+          </a:p>
+        </p:txBody>
+      </p:sp>
+      <p:sp>
+        <p:nvSpPr>
+          <p:cNvPr id="435" name="Rounded Rectangle 434"/>
+          <p:cNvSpPr/>
+          <p:nvPr/>
+        </p:nvSpPr>
+        <p:spPr>
+          <a:xfrm>
+            <a:off x="6580754" y="2197386"/>
+            <a:ext cx="1817992" cy="216576"/>
+          </a:xfrm>
+          <a:prstGeom prst="roundRect">
+            <a:avLst>
+              <a:gd name="adj" fmla="val 0"/>
+            </a:avLst>
+          </a:prstGeom>
+          <a:solidFill>
+            <a:schemeClr val="bg1"/>
+          </a:solidFill>
+          <a:ln w="12700">
+            <a:solidFill>
+              <a:schemeClr val="tx1">
+                <a:lumMod val="85000"/>
+                <a:lumOff val="15000"/>
+              </a:schemeClr>
+            </a:solidFill>
+          </a:ln>
+        </p:spPr>
+        <p:style>
+          <a:lnRef idx="2">
+            <a:schemeClr val="accent1">
+              <a:shade val="50000"/>
+            </a:schemeClr>
+          </a:lnRef>
+          <a:fillRef idx="1">
+            <a:schemeClr val="accent1"/>
+          </a:fillRef>
+          <a:effectRef idx="0">
+            <a:schemeClr val="accent1"/>
+          </a:effectRef>
+          <a:fontRef idx="minor">
+            <a:schemeClr val="lt1"/>
+          </a:fontRef>
+        </p:style>
+        <p:txBody>
+          <a:bodyPr rtlCol="0" anchor="ctr"/>
+          <a:lstStyle/>
+          <a:p>
+            <a:r>
+              <a:rPr lang="en-US" sz="1050" dirty="0" smtClean="0">
+                <a:solidFill>
+                  <a:schemeClr val="tx1">
+                    <a:lumMod val="95000"/>
+                    <a:lumOff val="5000"/>
+                  </a:schemeClr>
+                </a:solidFill>
+              </a:rPr>
+              <a:t>Monthly</a:t>
+            </a:r>
+            <a:endParaRPr lang="en-US" sz="1050" dirty="0">
+              <a:solidFill>
+                <a:schemeClr val="tx1">
+                  <a:lumMod val="95000"/>
+                  <a:lumOff val="5000"/>
+                </a:schemeClr>
+              </a:solidFill>
+            </a:endParaRPr>
+          </a:p>
+        </p:txBody>
+      </p:sp>
+      <p:sp>
+        <p:nvSpPr>
+          <p:cNvPr id="436" name="TextBox 435"/>
+          <p:cNvSpPr txBox="1"/>
+          <p:nvPr/>
+        </p:nvSpPr>
+        <p:spPr>
+          <a:xfrm>
+            <a:off x="6501765" y="1977528"/>
+            <a:ext cx="914400" cy="246221"/>
+          </a:xfrm>
+          <a:prstGeom prst="rect">
+            <a:avLst/>
+          </a:prstGeom>
+          <a:noFill/>
+        </p:spPr>
+        <p:txBody>
+          <a:bodyPr wrap="square" rtlCol="0">
+            <a:spAutoFit/>
+          </a:bodyPr>
+          <a:lstStyle/>
+          <a:p>
+            <a:r>
+              <a:rPr lang="en-US" sz="1000" dirty="0" smtClean="0"/>
+              <a:t>Frequency</a:t>
+            </a:r>
+            <a:endParaRPr lang="en-US" sz="1000" dirty="0"/>
+          </a:p>
+        </p:txBody>
+      </p:sp>
+      <p:sp>
+        <p:nvSpPr>
+          <p:cNvPr id="437" name="Isosceles Triangle 436"/>
+          <p:cNvSpPr/>
+          <p:nvPr/>
+        </p:nvSpPr>
+        <p:spPr>
+          <a:xfrm rot="10800000">
+            <a:off x="8282942" y="2284907"/>
+            <a:ext cx="67141" cy="57880"/>
+          </a:xfrm>
+          <a:prstGeom prst="triangle">
+            <a:avLst/>
+          </a:prstGeom>
+          <a:solidFill>
+            <a:schemeClr val="tx1">
+              <a:lumMod val="85000"/>
+              <a:lumOff val="15000"/>
+            </a:schemeClr>
+          </a:solidFill>
+          <a:ln>
+            <a:noFill/>
+          </a:ln>
+        </p:spPr>
+        <p:style>
+          <a:lnRef idx="2">
+            <a:schemeClr val="accent1">
+              <a:shade val="50000"/>
+            </a:schemeClr>
+          </a:lnRef>
+          <a:fillRef idx="1">
+            <a:schemeClr val="accent1"/>
+          </a:fillRef>
+          <a:effectRef idx="0">
+            <a:schemeClr val="accent1"/>
+          </a:effectRef>
+          <a:fontRef idx="minor">
+            <a:schemeClr val="lt1"/>
+          </a:fontRef>
+        </p:style>
+        <p:txBody>
+          <a:bodyPr rtlCol="0" anchor="ctr"/>
+          <a:lstStyle/>
+          <a:p>
+            <a:pPr algn="ctr"/>
+            <a:endParaRPr lang="en-US"/>
+          </a:p>
+        </p:txBody>
+      </p:sp>
+      <p:sp>
+        <p:nvSpPr>
+          <p:cNvPr id="438" name="TextBox 437"/>
+          <p:cNvSpPr txBox="1"/>
+          <p:nvPr/>
+        </p:nvSpPr>
+        <p:spPr>
+          <a:xfrm>
+            <a:off x="6636981" y="2513641"/>
+            <a:ext cx="444505" cy="215444"/>
+          </a:xfrm>
+          <a:prstGeom prst="rect">
+            <a:avLst/>
+          </a:prstGeom>
+          <a:noFill/>
+        </p:spPr>
+        <p:txBody>
+          <a:bodyPr wrap="square" rtlCol="0">
+            <a:spAutoFit/>
+          </a:bodyPr>
+          <a:lstStyle/>
+          <a:p>
+            <a:r>
+              <a:rPr lang="en-US" sz="800" dirty="0" smtClean="0"/>
+              <a:t>Every</a:t>
+            </a:r>
+            <a:endParaRPr lang="en-US" sz="800" dirty="0"/>
+          </a:p>
+        </p:txBody>
+      </p:sp>
+      <p:sp>
+        <p:nvSpPr>
+          <p:cNvPr id="439" name="Rounded Rectangle 438"/>
+          <p:cNvSpPr/>
+          <p:nvPr/>
+        </p:nvSpPr>
+        <p:spPr>
+          <a:xfrm>
+            <a:off x="7054270" y="2504814"/>
+            <a:ext cx="271719" cy="216576"/>
+          </a:xfrm>
+          <a:prstGeom prst="roundRect">
+            <a:avLst>
+              <a:gd name="adj" fmla="val 0"/>
+            </a:avLst>
+          </a:prstGeom>
+          <a:solidFill>
+            <a:schemeClr val="bg1"/>
+          </a:solidFill>
+          <a:ln w="12700">
+            <a:solidFill>
+              <a:schemeClr val="tx1">
+                <a:lumMod val="85000"/>
+                <a:lumOff val="15000"/>
+              </a:schemeClr>
+            </a:solidFill>
+          </a:ln>
+        </p:spPr>
+        <p:style>
+          <a:lnRef idx="2">
+            <a:schemeClr val="accent1">
+              <a:shade val="50000"/>
+            </a:schemeClr>
+          </a:lnRef>
+          <a:fillRef idx="1">
+            <a:schemeClr val="accent1"/>
+          </a:fillRef>
+          <a:effectRef idx="0">
+            <a:schemeClr val="accent1"/>
+          </a:effectRef>
+          <a:fontRef idx="minor">
+            <a:schemeClr val="lt1"/>
+          </a:fontRef>
+        </p:style>
+        <p:txBody>
+          <a:bodyPr rtlCol="0" anchor="ctr"/>
+          <a:lstStyle/>
+          <a:p>
+            <a:r>
+              <a:rPr lang="en-US" sz="1050" dirty="0" smtClean="0">
+                <a:solidFill>
+                  <a:schemeClr val="tx1">
+                    <a:lumMod val="95000"/>
+                    <a:lumOff val="5000"/>
+                  </a:schemeClr>
+                </a:solidFill>
+              </a:rPr>
+              <a:t>1</a:t>
+            </a:r>
+            <a:endParaRPr lang="en-US" sz="1050" dirty="0">
+              <a:solidFill>
+                <a:schemeClr val="tx1">
+                  <a:lumMod val="95000"/>
+                  <a:lumOff val="5000"/>
+                </a:schemeClr>
+              </a:solidFill>
+            </a:endParaRPr>
+          </a:p>
+        </p:txBody>
+      </p:sp>
+      <p:sp>
+        <p:nvSpPr>
+          <p:cNvPr id="440" name="TextBox 439"/>
+          <p:cNvSpPr txBox="1"/>
+          <p:nvPr/>
+        </p:nvSpPr>
+        <p:spPr>
+          <a:xfrm>
+            <a:off x="7284750" y="2513641"/>
+            <a:ext cx="647676" cy="215444"/>
+          </a:xfrm>
+          <a:prstGeom prst="rect">
+            <a:avLst/>
+          </a:prstGeom>
+          <a:noFill/>
+        </p:spPr>
+        <p:txBody>
+          <a:bodyPr wrap="square" rtlCol="0">
+            <a:spAutoFit/>
+          </a:bodyPr>
+          <a:lstStyle/>
+          <a:p>
+            <a:r>
+              <a:rPr lang="en-US" sz="800" dirty="0" smtClean="0"/>
+              <a:t>month(s)</a:t>
+            </a:r>
+            <a:endParaRPr lang="en-US" sz="800" dirty="0"/>
+          </a:p>
+        </p:txBody>
+      </p:sp>
+      <p:sp>
+        <p:nvSpPr>
+          <p:cNvPr id="441" name="TextBox 440"/>
+          <p:cNvSpPr txBox="1"/>
+          <p:nvPr/>
+        </p:nvSpPr>
+        <p:spPr>
+          <a:xfrm>
+            <a:off x="6636981" y="2786558"/>
+            <a:ext cx="513983" cy="215444"/>
+          </a:xfrm>
+          <a:prstGeom prst="rect">
+            <a:avLst/>
+          </a:prstGeom>
+          <a:noFill/>
+        </p:spPr>
+        <p:txBody>
+          <a:bodyPr wrap="square" rtlCol="0">
+            <a:spAutoFit/>
+          </a:bodyPr>
+          <a:lstStyle/>
+          <a:p>
+            <a:r>
+              <a:rPr lang="en-US" sz="800" dirty="0" smtClean="0"/>
+              <a:t>On the</a:t>
+            </a:r>
+            <a:endParaRPr lang="en-US" sz="800" dirty="0"/>
+          </a:p>
+        </p:txBody>
+      </p:sp>
+      <p:sp>
+        <p:nvSpPr>
+          <p:cNvPr id="442" name="Rounded Rectangle 441"/>
+          <p:cNvSpPr/>
+          <p:nvPr/>
+        </p:nvSpPr>
+        <p:spPr>
+          <a:xfrm>
+            <a:off x="7054189" y="2783035"/>
+            <a:ext cx="271719" cy="216576"/>
+          </a:xfrm>
+          <a:prstGeom prst="roundRect">
+            <a:avLst>
+              <a:gd name="adj" fmla="val 0"/>
+            </a:avLst>
+          </a:prstGeom>
+          <a:solidFill>
+            <a:schemeClr val="bg1"/>
+          </a:solidFill>
+          <a:ln w="12700">
+            <a:solidFill>
+              <a:schemeClr val="tx1">
+                <a:lumMod val="85000"/>
+                <a:lumOff val="15000"/>
+              </a:schemeClr>
+            </a:solidFill>
+          </a:ln>
+        </p:spPr>
+        <p:style>
+          <a:lnRef idx="2">
+            <a:schemeClr val="accent1">
+              <a:shade val="50000"/>
+            </a:schemeClr>
+          </a:lnRef>
+          <a:fillRef idx="1">
+            <a:schemeClr val="accent1"/>
+          </a:fillRef>
+          <a:effectRef idx="0">
+            <a:schemeClr val="accent1"/>
+          </a:effectRef>
+          <a:fontRef idx="minor">
+            <a:schemeClr val="lt1"/>
+          </a:fontRef>
+        </p:style>
+        <p:txBody>
+          <a:bodyPr lIns="0" rIns="0" rtlCol="0" anchor="ctr"/>
+          <a:lstStyle/>
+          <a:p>
+            <a:pPr algn="ctr"/>
+            <a:r>
+              <a:rPr lang="en-US" sz="1050" dirty="0" smtClean="0">
+                <a:solidFill>
+                  <a:schemeClr val="tx1">
+                    <a:lumMod val="95000"/>
+                    <a:lumOff val="5000"/>
+                  </a:schemeClr>
+                </a:solidFill>
+              </a:rPr>
+              <a:t>1st</a:t>
+            </a:r>
+            <a:endParaRPr lang="en-US" sz="1050" dirty="0">
+              <a:solidFill>
+                <a:schemeClr val="tx1">
+                  <a:lumMod val="95000"/>
+                  <a:lumOff val="5000"/>
+                </a:schemeClr>
+              </a:solidFill>
+            </a:endParaRPr>
+          </a:p>
+        </p:txBody>
+      </p:sp>
+      <p:sp>
+        <p:nvSpPr>
+          <p:cNvPr id="443" name="TextBox 442"/>
+          <p:cNvSpPr txBox="1"/>
+          <p:nvPr/>
+        </p:nvSpPr>
+        <p:spPr>
+          <a:xfrm>
+            <a:off x="7289501" y="2786558"/>
+            <a:ext cx="647676" cy="215444"/>
+          </a:xfrm>
+          <a:prstGeom prst="rect">
+            <a:avLst/>
+          </a:prstGeom>
+          <a:noFill/>
+        </p:spPr>
+        <p:txBody>
+          <a:bodyPr wrap="square" rtlCol="0">
+            <a:spAutoFit/>
+          </a:bodyPr>
+          <a:lstStyle/>
+          <a:p>
+            <a:r>
+              <a:rPr lang="en-US" sz="800" dirty="0" smtClean="0"/>
+              <a:t>day</a:t>
+            </a:r>
+            <a:endParaRPr lang="en-US" sz="800" dirty="0"/>
+          </a:p>
+        </p:txBody>
+      </p:sp>
+      <p:sp>
+        <p:nvSpPr>
+          <p:cNvPr id="444" name="Rectangle 443"/>
+          <p:cNvSpPr/>
+          <p:nvPr/>
+        </p:nvSpPr>
+        <p:spPr>
+          <a:xfrm>
+            <a:off x="6580766" y="3200987"/>
+            <a:ext cx="1572634" cy="213093"/>
+          </a:xfrm>
+          <a:prstGeom prst="rect">
+            <a:avLst/>
+          </a:prstGeom>
+          <a:solidFill>
+            <a:schemeClr val="bg1">
+              <a:lumMod val="75000"/>
+            </a:schemeClr>
+          </a:solidFill>
+          <a:ln w="12700">
+            <a:solidFill>
+              <a:schemeClr val="tx1">
+                <a:lumMod val="85000"/>
+                <a:lumOff val="15000"/>
+              </a:schemeClr>
+            </a:solidFill>
+          </a:ln>
+        </p:spPr>
+        <p:style>
+          <a:lnRef idx="2">
+            <a:schemeClr val="accent1">
+              <a:shade val="50000"/>
+            </a:schemeClr>
+          </a:lnRef>
+          <a:fillRef idx="1">
+            <a:schemeClr val="accent1"/>
+          </a:fillRef>
+          <a:effectRef idx="0">
+            <a:schemeClr val="accent1"/>
+          </a:effectRef>
+          <a:fontRef idx="minor">
+            <a:schemeClr val="lt1"/>
+          </a:fontRef>
+        </p:style>
+        <p:txBody>
+          <a:bodyPr rtlCol="0" anchor="ctr"/>
+          <a:lstStyle/>
+          <a:p>
+            <a:pPr algn="ctr"/>
+            <a:r>
+              <a:rPr lang="en-US" sz="1000" dirty="0" smtClean="0">
+                <a:solidFill>
+                  <a:schemeClr val="tx1"/>
+                </a:solidFill>
+              </a:rPr>
+              <a:t>Delete Recurring Expense </a:t>
+            </a:r>
+            <a:endParaRPr lang="en-US" sz="1000" dirty="0">
+              <a:solidFill>
+                <a:schemeClr val="tx1"/>
+              </a:solidFill>
+            </a:endParaRPr>
+          </a:p>
+        </p:txBody>
+      </p:sp>
+      <p:sp>
+        <p:nvSpPr>
+          <p:cNvPr id="3" name="Rectangle 2"/>
+          <p:cNvSpPr/>
+          <p:nvPr/>
+        </p:nvSpPr>
+        <p:spPr>
+          <a:xfrm>
+            <a:off x="4876800" y="842841"/>
+            <a:ext cx="217610" cy="185179"/>
+          </a:xfrm>
+          <a:prstGeom prst="rect">
+            <a:avLst/>
+          </a:prstGeom>
+          <a:solidFill>
+            <a:schemeClr val="accent5">
+              <a:lumMod val="20000"/>
+              <a:lumOff val="80000"/>
+            </a:schemeClr>
+          </a:solidFill>
+          <a:ln>
+            <a:noFill/>
+          </a:ln>
+        </p:spPr>
+        <p:style>
+          <a:lnRef idx="2">
+            <a:schemeClr val="accent1">
+              <a:shade val="50000"/>
+            </a:schemeClr>
+          </a:lnRef>
+          <a:fillRef idx="1">
+            <a:schemeClr val="accent1"/>
+          </a:fillRef>
+          <a:effectRef idx="0">
+            <a:schemeClr val="accent1"/>
+          </a:effectRef>
+          <a:fontRef idx="minor">
+            <a:schemeClr val="lt1"/>
+          </a:fontRef>
+        </p:style>
+        <p:txBody>
+          <a:bodyPr rtlCol="0" anchor="ctr"/>
+          <a:lstStyle/>
+          <a:p>
+            <a:pPr algn="ctr"/>
+            <a:r>
+              <a:rPr lang="en-US" sz="900" dirty="0" smtClean="0">
+                <a:solidFill>
+                  <a:schemeClr val="accent6"/>
+                </a:solidFill>
+              </a:rPr>
+              <a:t>E</a:t>
+            </a:r>
+            <a:endParaRPr lang="en-US" sz="900" dirty="0">
+              <a:solidFill>
+                <a:schemeClr val="accent6"/>
+              </a:solidFill>
+            </a:endParaRPr>
+          </a:p>
+        </p:txBody>
+      </p:sp>
+    </p:spTree>
+    <p:extLst>
+      <p:ext uri="{BB962C8B-B14F-4D97-AF65-F5344CB8AC3E}">
+        <p14:creationId xmlns:p14="http://schemas.microsoft.com/office/powerpoint/2010/main" val="3459385178"/>
+      </p:ext>
+    </p:extLst>
+  </p:cSld>
+  <p:clrMapOvr>
+    <a:masterClrMapping/>
+  </p:clrMapOvr>
+</p:sld>
+</file>
+
+<file path=ppt/slides/slide7.xml><?xml version="1.0" encoding="utf-8"?>
+<p:sld xmlns:a="http://schemas.openxmlformats.org/drawingml/2006/main" xmlns:r="http://schemas.openxmlformats.org/officeDocument/2006/relationships" xmlns:p="http://schemas.openxmlformats.org/presentationml/2006/main">
+  <p:cSld>
+    <p:spTree>
+      <p:nvGrpSpPr>
+        <p:cNvPr id="1" name=""/>
+        <p:cNvGrpSpPr/>
+        <p:nvPr/>
+      </p:nvGrpSpPr>
+      <p:grpSpPr>
+        <a:xfrm>
+          <a:off x="0" y="0"/>
+          <a:ext cx="0" cy="0"/>
+          <a:chOff x="0" y="0"/>
+          <a:chExt cx="0" cy="0"/>
+        </a:xfrm>
+      </p:grpSpPr>
+      <p:sp>
+        <p:nvSpPr>
           <p:cNvPr id="4" name="Rectangle 3"/>
           <p:cNvSpPr/>
           <p:nvPr/>

--- a/Budget Design v2.pptx
+++ b/Budget Design v2.pptx
@@ -310,7 +310,7 @@
           <a:p>
             <a:fld id="{F88D06A4-9D39-4B68-A230-8BD50B9E1D3D}" type="datetimeFigureOut">
               <a:rPr lang="en-US" smtClean="0"/>
-              <a:t>2/18/2018</a:t>
+              <a:t>2/20/2018</a:t>
             </a:fld>
             <a:endParaRPr lang="en-US"/>
           </a:p>
@@ -480,7 +480,7 @@
           <a:p>
             <a:fld id="{F88D06A4-9D39-4B68-A230-8BD50B9E1D3D}" type="datetimeFigureOut">
               <a:rPr lang="en-US" smtClean="0"/>
-              <a:t>2/18/2018</a:t>
+              <a:t>2/20/2018</a:t>
             </a:fld>
             <a:endParaRPr lang="en-US"/>
           </a:p>
@@ -660,7 +660,7 @@
           <a:p>
             <a:fld id="{F88D06A4-9D39-4B68-A230-8BD50B9E1D3D}" type="datetimeFigureOut">
               <a:rPr lang="en-US" smtClean="0"/>
-              <a:t>2/18/2018</a:t>
+              <a:t>2/20/2018</a:t>
             </a:fld>
             <a:endParaRPr lang="en-US"/>
           </a:p>
@@ -830,7 +830,7 @@
           <a:p>
             <a:fld id="{F88D06A4-9D39-4B68-A230-8BD50B9E1D3D}" type="datetimeFigureOut">
               <a:rPr lang="en-US" smtClean="0"/>
-              <a:t>2/18/2018</a:t>
+              <a:t>2/20/2018</a:t>
             </a:fld>
             <a:endParaRPr lang="en-US"/>
           </a:p>
@@ -1076,7 +1076,7 @@
           <a:p>
             <a:fld id="{F88D06A4-9D39-4B68-A230-8BD50B9E1D3D}" type="datetimeFigureOut">
               <a:rPr lang="en-US" smtClean="0"/>
-              <a:t>2/18/2018</a:t>
+              <a:t>2/20/2018</a:t>
             </a:fld>
             <a:endParaRPr lang="en-US"/>
           </a:p>
@@ -1364,7 +1364,7 @@
           <a:p>
             <a:fld id="{F88D06A4-9D39-4B68-A230-8BD50B9E1D3D}" type="datetimeFigureOut">
               <a:rPr lang="en-US" smtClean="0"/>
-              <a:t>2/18/2018</a:t>
+              <a:t>2/20/2018</a:t>
             </a:fld>
             <a:endParaRPr lang="en-US"/>
           </a:p>
@@ -1786,7 +1786,7 @@
           <a:p>
             <a:fld id="{F88D06A4-9D39-4B68-A230-8BD50B9E1D3D}" type="datetimeFigureOut">
               <a:rPr lang="en-US" smtClean="0"/>
-              <a:t>2/18/2018</a:t>
+              <a:t>2/20/2018</a:t>
             </a:fld>
             <a:endParaRPr lang="en-US"/>
           </a:p>
@@ -1904,7 +1904,7 @@
           <a:p>
             <a:fld id="{F88D06A4-9D39-4B68-A230-8BD50B9E1D3D}" type="datetimeFigureOut">
               <a:rPr lang="en-US" smtClean="0"/>
-              <a:t>2/18/2018</a:t>
+              <a:t>2/20/2018</a:t>
             </a:fld>
             <a:endParaRPr lang="en-US"/>
           </a:p>
@@ -1999,7 +1999,7 @@
           <a:p>
             <a:fld id="{F88D06A4-9D39-4B68-A230-8BD50B9E1D3D}" type="datetimeFigureOut">
               <a:rPr lang="en-US" smtClean="0"/>
-              <a:t>2/18/2018</a:t>
+              <a:t>2/20/2018</a:t>
             </a:fld>
             <a:endParaRPr lang="en-US"/>
           </a:p>
@@ -2276,7 +2276,7 @@
           <a:p>
             <a:fld id="{F88D06A4-9D39-4B68-A230-8BD50B9E1D3D}" type="datetimeFigureOut">
               <a:rPr lang="en-US" smtClean="0"/>
-              <a:t>2/18/2018</a:t>
+              <a:t>2/20/2018</a:t>
             </a:fld>
             <a:endParaRPr lang="en-US"/>
           </a:p>
@@ -2529,7 +2529,7 @@
           <a:p>
             <a:fld id="{F88D06A4-9D39-4B68-A230-8BD50B9E1D3D}" type="datetimeFigureOut">
               <a:rPr lang="en-US" smtClean="0"/>
-              <a:t>2/18/2018</a:t>
+              <a:t>2/20/2018</a:t>
             </a:fld>
             <a:endParaRPr lang="en-US"/>
           </a:p>
@@ -2742,7 +2742,7 @@
           <a:p>
             <a:fld id="{F88D06A4-9D39-4B68-A230-8BD50B9E1D3D}" type="datetimeFigureOut">
               <a:rPr lang="en-US" smtClean="0"/>
-              <a:t>2/18/2018</a:t>
+              <a:t>2/20/2018</a:t>
             </a:fld>
             <a:endParaRPr lang="en-US"/>
           </a:p>
@@ -26696,15 +26696,7 @@
             <a:p>
               <a:r>
                 <a:rPr lang="en-US" sz="800" dirty="0" smtClean="0"/>
-                <a:t>Rent                       $</a:t>
-              </a:r>
-              <a:r>
-                <a:rPr lang="en-US" sz="800" dirty="0" smtClean="0"/>
-                <a:t>200.00         </a:t>
-              </a:r>
-              <a:r>
-                <a:rPr lang="en-US" sz="800" dirty="0" smtClean="0"/>
-                <a:t>Monthly</a:t>
+                <a:t>Rent                       $200.00         Monthly</a:t>
               </a:r>
               <a:endParaRPr lang="en-US" sz="800" dirty="0"/>
             </a:p>
@@ -26852,15 +26844,7 @@
             <a:p>
               <a:r>
                 <a:rPr lang="en-US" sz="800" dirty="0" smtClean="0"/>
-                <a:t>Amazon Prime     $</a:t>
-              </a:r>
-              <a:r>
-                <a:rPr lang="en-US" sz="800" dirty="0" smtClean="0"/>
-                <a:t>200.00         </a:t>
-              </a:r>
-              <a:r>
-                <a:rPr lang="en-US" sz="800" dirty="0" smtClean="0"/>
-                <a:t>Yearly</a:t>
+                <a:t>Amazon Prime     $200.00         Yearly</a:t>
               </a:r>
               <a:endParaRPr lang="en-US" sz="800" dirty="0"/>
             </a:p>
@@ -26943,15 +26927,7 @@
             <a:p>
               <a:r>
                 <a:rPr lang="en-US" sz="800" dirty="0" smtClean="0"/>
-                <a:t>Rent                       $</a:t>
-              </a:r>
-              <a:r>
-                <a:rPr lang="en-US" sz="800" dirty="0" smtClean="0"/>
-                <a:t>200.00         </a:t>
-              </a:r>
-              <a:r>
-                <a:rPr lang="en-US" sz="800" dirty="0" smtClean="0"/>
-                <a:t>Monthly</a:t>
+                <a:t>Rent                       $200.00         Monthly</a:t>
               </a:r>
               <a:endParaRPr lang="en-US" sz="800" dirty="0"/>
             </a:p>
